--- a/Slides com todos os Casos de Uso Descritos - Seminário 1.pptx
+++ b/Slides com todos os Casos de Uso Descritos - Seminário 1.pptx
@@ -299,7 +299,7 @@
   </p:defaultTextStyle>
   <p:extLst>
     <p:ext uri="http://customooxmlschemas.google.com/">
-      <go:slidesCustomData xmlns:go="http://customooxmlschemas.google.com/" r:id="rId55" roundtripDataSignature="AMtx7mgYrJmju2Ua0XuFgHABGZoSY/50Mg=="/>
+      <go:slidesCustomData xmlns:go="http://customooxmlschemas.google.com/" r:id="rId55" roundtripDataSignature="AMtx7mik6olhTvAnVBqPfDzYTRVrU13icQ=="/>
     </p:ext>
   </p:extLst>
 </p:presentation>
@@ -7100,7 +7100,7 @@
           </a:prstGeom>
           <a:solidFill>
             <a:srgbClr val="CFD8DC">
-              <a:alpha val="49019"/>
+              <a:alpha val="48627"/>
             </a:srgbClr>
           </a:solidFill>
           <a:ln>
@@ -13760,58 +13760,7 @@
                 <a:cs typeface="Source Sans Pro"/>
                 <a:sym typeface="Source Sans Pro"/>
               </a:rPr>
-              <a:t>Integrantes: Bruno Decnop, Hugo Bianquini, Rafaela </a:t>
-            </a:r>
-            <a:r>
-              <a:rPr lang="en" sz="1600">
-                <a:latin typeface="Source Sans Pro"/>
-                <a:ea typeface="Source Sans Pro"/>
-                <a:cs typeface="Source Sans Pro"/>
-                <a:sym typeface="Source Sans Pro"/>
-              </a:rPr>
-              <a:t>P</a:t>
-            </a:r>
-            <a:r>
-              <a:rPr b="0" i="0" lang="en" sz="1600" u="none" cap="none" strike="noStrike">
-                <a:solidFill>
-                  <a:srgbClr val="000000"/>
-                </a:solidFill>
-                <a:latin typeface="Source Sans Pro"/>
-                <a:ea typeface="Source Sans Pro"/>
-                <a:cs typeface="Source Sans Pro"/>
-                <a:sym typeface="Source Sans Pro"/>
-              </a:rPr>
-              <a:t>e</a:t>
-            </a:r>
-            <a:r>
-              <a:rPr lang="en" sz="1600">
-                <a:latin typeface="Source Sans Pro"/>
-                <a:ea typeface="Source Sans Pro"/>
-                <a:cs typeface="Source Sans Pro"/>
-                <a:sym typeface="Source Sans Pro"/>
-              </a:rPr>
-              <a:t>çanha, </a:t>
-            </a:r>
-            <a:r>
-              <a:rPr b="0" i="0" lang="en" sz="1600" u="none" cap="none" strike="noStrike">
-                <a:solidFill>
-                  <a:srgbClr val="000000"/>
-                </a:solidFill>
-                <a:latin typeface="Source Sans Pro"/>
-                <a:ea typeface="Source Sans Pro"/>
-                <a:cs typeface="Source Sans Pro"/>
-                <a:sym typeface="Source Sans Pro"/>
-              </a:rPr>
-              <a:t>Rafael Martin</a:t>
-            </a:r>
-            <a:r>
-              <a:rPr lang="en" sz="1600">
-                <a:latin typeface="Source Sans Pro"/>
-                <a:ea typeface="Source Sans Pro"/>
-                <a:cs typeface="Source Sans Pro"/>
-                <a:sym typeface="Source Sans Pro"/>
-              </a:rPr>
-              <a:t>s, Tiago Matos e Thomaz Falcão</a:t>
+              <a:t>Integrantes: Bruno Decnop, Hugo Bianquini, Rafaela Peçanha, Rafael Martins, Tiago Matos e Thomaz Falcão</a:t>
             </a:r>
             <a:endParaRPr b="0" i="0" sz="1600" u="none" cap="none" strike="noStrike">
               <a:solidFill>
@@ -13834,6 +13783,11 @@
               <a:spcAft>
                 <a:spcPts val="0"/>
               </a:spcAft>
+              <a:buClr>
+                <a:srgbClr val="000000"/>
+              </a:buClr>
+              <a:buSzPts val="1600"/>
+              <a:buFont typeface="Arial"/>
               <a:buNone/>
             </a:pPr>
             <a:r>
@@ -13870,7 +13824,10 @@
             <a:r>
               <a:t/>
             </a:r>
-            <a:endParaRPr sz="1600">
+            <a:endParaRPr b="0" i="0" sz="1600" u="none" cap="none" strike="noStrike">
+              <a:solidFill>
+                <a:srgbClr val="000000"/>
+              </a:solidFill>
               <a:latin typeface="Source Sans Pro"/>
               <a:ea typeface="Source Sans Pro"/>
               <a:cs typeface="Source Sans Pro"/>
@@ -14032,8 +13989,8 @@
             </a:solidFill>
             <a:prstDash val="solid"/>
             <a:round/>
-            <a:headEnd len="med" w="med" type="none"/>
-            <a:tailEnd len="med" w="med" type="none"/>
+            <a:headEnd len="sm" w="sm" type="none"/>
+            <a:tailEnd len="sm" w="sm" type="none"/>
           </a:ln>
         </p:spPr>
       </p:cxnSp>
@@ -14058,8 +14015,8 @@
             </a:solidFill>
             <a:prstDash val="solid"/>
             <a:round/>
-            <a:headEnd len="med" w="med" type="none"/>
-            <a:tailEnd len="med" w="med" type="none"/>
+            <a:headEnd len="sm" w="sm" type="none"/>
+            <a:tailEnd len="sm" w="sm" type="none"/>
           </a:ln>
         </p:spPr>
       </p:cxnSp>
@@ -14084,8 +14041,8 @@
             </a:solidFill>
             <a:prstDash val="solid"/>
             <a:round/>
-            <a:headEnd len="med" w="med" type="none"/>
-            <a:tailEnd len="med" w="med" type="none"/>
+            <a:headEnd len="sm" w="sm" type="none"/>
+            <a:tailEnd len="sm" w="sm" type="none"/>
           </a:ln>
         </p:spPr>
       </p:cxnSp>
@@ -14110,8 +14067,8 @@
             </a:solidFill>
             <a:prstDash val="solid"/>
             <a:round/>
-            <a:headEnd len="med" w="med" type="none"/>
-            <a:tailEnd len="med" w="med" type="none"/>
+            <a:headEnd len="sm" w="sm" type="none"/>
+            <a:tailEnd len="sm" w="sm" type="none"/>
           </a:ln>
         </p:spPr>
       </p:cxnSp>
@@ -14136,8 +14093,8 @@
             </a:solidFill>
             <a:prstDash val="solid"/>
             <a:round/>
-            <a:headEnd len="med" w="med" type="none"/>
-            <a:tailEnd len="med" w="med" type="none"/>
+            <a:headEnd len="sm" w="sm" type="none"/>
+            <a:tailEnd len="sm" w="sm" type="none"/>
           </a:ln>
         </p:spPr>
       </p:cxnSp>
@@ -14162,8 +14119,8 @@
             </a:solidFill>
             <a:prstDash val="solid"/>
             <a:round/>
-            <a:headEnd len="med" w="med" type="none"/>
-            <a:tailEnd len="med" w="med" type="none"/>
+            <a:headEnd len="sm" w="sm" type="none"/>
+            <a:tailEnd len="sm" w="sm" type="none"/>
           </a:ln>
         </p:spPr>
       </p:cxnSp>
@@ -14188,8 +14145,8 @@
             </a:solidFill>
             <a:prstDash val="solid"/>
             <a:round/>
-            <a:headEnd len="med" w="med" type="none"/>
-            <a:tailEnd len="med" w="med" type="none"/>
+            <a:headEnd len="sm" w="sm" type="none"/>
+            <a:tailEnd len="sm" w="sm" type="none"/>
           </a:ln>
         </p:spPr>
       </p:cxnSp>
@@ -14214,8 +14171,8 @@
             </a:solidFill>
             <a:prstDash val="solid"/>
             <a:round/>
-            <a:headEnd len="med" w="med" type="none"/>
-            <a:tailEnd len="med" w="med" type="none"/>
+            <a:headEnd len="sm" w="sm" type="none"/>
+            <a:tailEnd len="sm" w="sm" type="none"/>
           </a:ln>
         </p:spPr>
       </p:cxnSp>
@@ -14240,8 +14197,8 @@
             </a:solidFill>
             <a:prstDash val="solid"/>
             <a:round/>
-            <a:headEnd len="med" w="med" type="none"/>
-            <a:tailEnd len="med" w="med" type="none"/>
+            <a:headEnd len="sm" w="sm" type="none"/>
+            <a:tailEnd len="sm" w="sm" type="none"/>
           </a:ln>
         </p:spPr>
       </p:cxnSp>
@@ -14266,8 +14223,8 @@
             </a:solidFill>
             <a:prstDash val="solid"/>
             <a:round/>
-            <a:headEnd len="med" w="med" type="none"/>
-            <a:tailEnd len="med" w="med" type="none"/>
+            <a:headEnd len="sm" w="sm" type="none"/>
+            <a:tailEnd len="sm" w="sm" type="none"/>
           </a:ln>
         </p:spPr>
       </p:cxnSp>
@@ -14605,7 +14562,7 @@
             <a:tbl>
               <a:tblPr>
                 <a:noFill/>
-                <a:tableStyleId>{7D4AA617-D0C9-4B9B-8E69-A3A8BF51B549}</a:tableStyleId>
+                <a:tableStyleId>{7EE1F5A3-994B-4E0D-A819-5A43270F4B43}</a:tableStyleId>
               </a:tblPr>
               <a:tblGrid>
                 <a:gridCol w="4020675"/>
@@ -15198,8 +15155,8 @@
                         <a:buNone/>
                       </a:pPr>
                       <a:r>
-                        <a:rPr lang="en" sz="1000" u="none" cap="none" strike="noStrike"/>
-                        <a:t>Sistema não deve exibir novamente a página de login, mesmo que o usuário tente acessar seu link</a:t>
+                        <a:rPr lang="en" sz="1000"/>
+                        <a:t>Usuário logado no sistema</a:t>
                       </a:r>
                       <a:endParaRPr sz="1400" u="none" cap="none" strike="noStrike"/>
                     </a:p>
@@ -15363,7 +15320,7 @@
             <a:tbl>
               <a:tblPr>
                 <a:noFill/>
-                <a:tableStyleId>{7D4AA617-D0C9-4B9B-8E69-A3A8BF51B549}</a:tableStyleId>
+                <a:tableStyleId>{7EE1F5A3-994B-4E0D-A819-5A43270F4B43}</a:tableStyleId>
               </a:tblPr>
               <a:tblGrid>
                 <a:gridCol w="4195575"/>
@@ -15965,144 +15922,6 @@
                       <a:r>
                         <a:rPr lang="en" sz="1000" u="none" cap="none" strike="noStrike"/>
                         <a:t>4.2. Retorna ao passo 3 do Fluxo Principal</a:t>
-                      </a:r>
-                      <a:endParaRPr sz="1400" u="none" cap="none" strike="noStrike"/>
-                    </a:p>
-                  </a:txBody>
-                  <a:tcPr marT="91425" marB="91425" marR="91425" marL="91425">
-                    <a:lnL cap="flat" cmpd="sng" w="9525">
-                      <a:solidFill>
-                        <a:srgbClr val="9E9E9E"/>
-                      </a:solidFill>
-                      <a:prstDash val="solid"/>
-                      <a:round/>
-                      <a:headEnd len="sm" w="sm" type="none"/>
-                      <a:tailEnd len="sm" w="sm" type="none"/>
-                    </a:lnL>
-                    <a:lnR cap="flat" cmpd="sng" w="9525">
-                      <a:solidFill>
-                        <a:srgbClr val="9E9E9E"/>
-                      </a:solidFill>
-                      <a:prstDash val="solid"/>
-                      <a:round/>
-                      <a:headEnd len="sm" w="sm" type="none"/>
-                      <a:tailEnd len="sm" w="sm" type="none"/>
-                    </a:lnR>
-                    <a:lnT cap="flat" cmpd="sng" w="9525">
-                      <a:solidFill>
-                        <a:srgbClr val="9E9E9E"/>
-                      </a:solidFill>
-                      <a:prstDash val="solid"/>
-                      <a:round/>
-                      <a:headEnd len="sm" w="sm" type="none"/>
-                      <a:tailEnd len="sm" w="sm" type="none"/>
-                    </a:lnT>
-                    <a:lnB cap="flat" cmpd="sng" w="9525">
-                      <a:solidFill>
-                        <a:srgbClr val="9E9E9E"/>
-                      </a:solidFill>
-                      <a:prstDash val="solid"/>
-                      <a:round/>
-                      <a:headEnd len="sm" w="sm" type="none"/>
-                      <a:tailEnd len="sm" w="sm" type="none"/>
-                    </a:lnB>
-                  </a:tcPr>
-                </a:tc>
-              </a:tr>
-              <a:tr h="432800">
-                <a:tc>
-                  <a:txBody>
-                    <a:bodyPr/>
-                    <a:lstStyle/>
-                    <a:p>
-                      <a:pPr indent="0" lvl="0" marL="0" marR="0" rtl="0" algn="l">
-                        <a:lnSpc>
-                          <a:spcPct val="100000"/>
-                        </a:lnSpc>
-                        <a:spcBef>
-                          <a:spcPts val="0"/>
-                        </a:spcBef>
-                        <a:spcAft>
-                          <a:spcPts val="0"/>
-                        </a:spcAft>
-                        <a:buClr>
-                          <a:srgbClr val="000000"/>
-                        </a:buClr>
-                        <a:buSzPts val="1000"/>
-                        <a:buFont typeface="Arial"/>
-                        <a:buNone/>
-                      </a:pPr>
-                      <a:r>
-                        <a:rPr lang="en" sz="1000" u="none" cap="none" strike="noStrike"/>
-                        <a:t>Pós-condições</a:t>
-                      </a:r>
-                      <a:endParaRPr sz="1000" u="none" cap="none" strike="noStrike"/>
-                    </a:p>
-                  </a:txBody>
-                  <a:tcPr marT="91425" marB="91425" marR="91425" marL="91425">
-                    <a:lnL cap="flat" cmpd="sng" w="9525">
-                      <a:solidFill>
-                        <a:srgbClr val="9E9E9E"/>
-                      </a:solidFill>
-                      <a:prstDash val="solid"/>
-                      <a:round/>
-                      <a:headEnd len="sm" w="sm" type="none"/>
-                      <a:tailEnd len="sm" w="sm" type="none"/>
-                    </a:lnL>
-                    <a:lnR cap="flat" cmpd="sng" w="9525">
-                      <a:solidFill>
-                        <a:srgbClr val="9E9E9E"/>
-                      </a:solidFill>
-                      <a:prstDash val="solid"/>
-                      <a:round/>
-                      <a:headEnd len="sm" w="sm" type="none"/>
-                      <a:tailEnd len="sm" w="sm" type="none"/>
-                    </a:lnR>
-                    <a:lnT cap="flat" cmpd="sng" w="9525">
-                      <a:solidFill>
-                        <a:srgbClr val="9E9E9E"/>
-                      </a:solidFill>
-                      <a:prstDash val="solid"/>
-                      <a:round/>
-                      <a:headEnd len="sm" w="sm" type="none"/>
-                      <a:tailEnd len="sm" w="sm" type="none"/>
-                    </a:lnT>
-                    <a:lnB cap="flat" cmpd="sng" w="9525">
-                      <a:solidFill>
-                        <a:srgbClr val="9E9E9E"/>
-                      </a:solidFill>
-                      <a:prstDash val="solid"/>
-                      <a:round/>
-                      <a:headEnd len="sm" w="sm" type="none"/>
-                      <a:tailEnd len="sm" w="sm" type="none"/>
-                    </a:lnB>
-                  </a:tcPr>
-                </a:tc>
-                <a:tc>
-                  <a:txBody>
-                    <a:bodyPr/>
-                    <a:lstStyle/>
-                    <a:p>
-                      <a:pPr indent="0" lvl="0" marL="0" marR="0" rtl="0" algn="just">
-                        <a:lnSpc>
-                          <a:spcPct val="100000"/>
-                        </a:lnSpc>
-                        <a:spcBef>
-                          <a:spcPts val="0"/>
-                        </a:spcBef>
-                        <a:spcAft>
-                          <a:spcPts val="0"/>
-                        </a:spcAft>
-                        <a:buClr>
-                          <a:srgbClr val="000000"/>
-                        </a:buClr>
-                        <a:buSzPts val="1000"/>
-                        <a:buFont typeface="Arial"/>
-                        <a:buNone/>
-                      </a:pPr>
-                      <a:r>
-                        <a:rPr lang="en" sz="1000" u="none" cap="none" strike="noStrike"/>
-                        <a:t>Sistema não deve exibir novamente a página de login, mesmo que o usuário tente acessar seu link</a:t>
                       </a:r>
                       <a:endParaRPr sz="1400" u="none" cap="none" strike="noStrike"/>
                     </a:p>
@@ -16550,7 +16369,7 @@
             <a:tbl>
               <a:tblPr>
                 <a:noFill/>
-                <a:tableStyleId>{7D4AA617-D0C9-4B9B-8E69-A3A8BF51B549}</a:tableStyleId>
+                <a:tableStyleId>{7EE1F5A3-994B-4E0D-A819-5A43270F4B43}</a:tableStyleId>
               </a:tblPr>
               <a:tblGrid>
                 <a:gridCol w="3965800"/>
@@ -16744,7 +16563,11 @@
                       </a:pPr>
                       <a:r>
                         <a:rPr lang="en" sz="1000" u="none" cap="none" strike="noStrike"/>
-                        <a:t>O usuário não pode estar logado e não pode ter uma conta.</a:t>
+                        <a:t>O usuário </a:t>
+                      </a:r>
+                      <a:r>
+                        <a:rPr lang="en" sz="1000"/>
+                        <a:t>deslogado ou não cadastrado.</a:t>
                       </a:r>
                       <a:endParaRPr sz="1400" u="none" cap="none" strike="noStrike"/>
                     </a:p>
@@ -17255,8 +17078,8 @@
                         <a:buNone/>
                       </a:pPr>
                       <a:r>
-                        <a:rPr lang="en" sz="1000" u="none" cap="none" strike="noStrike"/>
-                        <a:t>O sistema deve criar o registro do usuário com sucesso.</a:t>
+                        <a:rPr lang="en" sz="1000"/>
+                        <a:t>Usuário cadastrado</a:t>
                       </a:r>
                       <a:endParaRPr sz="1400" u="none" cap="none" strike="noStrike"/>
                     </a:p>
@@ -17593,7 +17416,7 @@
             <a:tbl>
               <a:tblPr>
                 <a:noFill/>
-                <a:tableStyleId>{7D4AA617-D0C9-4B9B-8E69-A3A8BF51B549}</a:tableStyleId>
+                <a:tableStyleId>{7EE1F5A3-994B-4E0D-A819-5A43270F4B43}</a:tableStyleId>
               </a:tblPr>
               <a:tblGrid>
                 <a:gridCol w="3952100"/>
@@ -17787,7 +17610,11 @@
                       </a:pPr>
                       <a:r>
                         <a:rPr lang="en" sz="1000" u="none" cap="none" strike="noStrike"/>
-                        <a:t>Cliente deve ter feito login em sua conta.</a:t>
+                        <a:t>Cliente </a:t>
+                      </a:r>
+                      <a:r>
+                        <a:rPr lang="en" sz="1000"/>
+                        <a:t>logado</a:t>
                       </a:r>
                       <a:endParaRPr sz="1400" u="none" cap="none" strike="noStrike"/>
                     </a:p>
@@ -18175,7 +18002,7 @@
             <a:tbl>
               <a:tblPr>
                 <a:noFill/>
-                <a:tableStyleId>{7D4AA617-D0C9-4B9B-8E69-A3A8BF51B549}</a:tableStyleId>
+                <a:tableStyleId>{7EE1F5A3-994B-4E0D-A819-5A43270F4B43}</a:tableStyleId>
               </a:tblPr>
               <a:tblGrid>
                 <a:gridCol w="3619500"/>
@@ -18578,8 +18405,8 @@
                         <a:buNone/>
                       </a:pPr>
                       <a:r>
-                        <a:rPr lang="en" sz="1000" u="none" cap="none" strike="noStrike"/>
-                        <a:t>Sistema deve deletar ou editar a conta do usuário com sucesso.</a:t>
+                        <a:rPr lang="en" sz="1000"/>
+                        <a:t>Usuário deletado ou alterado no sistema</a:t>
                       </a:r>
                       <a:endParaRPr sz="1400" u="none" cap="none" strike="noStrike"/>
                     </a:p>
@@ -19027,7 +18854,7 @@
             <a:tbl>
               <a:tblPr>
                 <a:noFill/>
-                <a:tableStyleId>{7D4AA617-D0C9-4B9B-8E69-A3A8BF51B549}</a:tableStyleId>
+                <a:tableStyleId>{7EE1F5A3-994B-4E0D-A819-5A43270F4B43}</a:tableStyleId>
               </a:tblPr>
               <a:tblGrid>
                 <a:gridCol w="3979525"/>
@@ -19221,11 +19048,7 @@
                       </a:pPr>
                       <a:r>
                         <a:rPr lang="en" sz="1000" u="none" cap="none" strike="noStrike"/>
-                        <a:t>Cliente </a:t>
-                      </a:r>
-                      <a:r>
-                        <a:rPr lang="en" sz="1000"/>
-                        <a:t>loggado em sua conta</a:t>
+                        <a:t>Cliente loggado em sua conta</a:t>
                       </a:r>
                       <a:endParaRPr sz="1400" u="none" cap="none" strike="noStrike"/>
                     </a:p>
@@ -19689,15 +19512,7 @@
                       </a:pPr>
                       <a:r>
                         <a:rPr lang="en" sz="1000" u="none" cap="none" strike="noStrike"/>
-                        <a:t>O sistema </a:t>
-                      </a:r>
-                      <a:r>
-                        <a:rPr lang="en" sz="1000"/>
-                        <a:t>em tela de exibição d</a:t>
-                      </a:r>
-                      <a:r>
-                        <a:rPr lang="en" sz="1000" u="none" cap="none" strike="noStrike"/>
-                        <a:t>os produtos de acordo com o filtro selecionado</a:t>
+                        <a:t>O sistema em tela de exibição dos produtos de acordo com o filtro selecionado</a:t>
                       </a:r>
                       <a:endParaRPr sz="1400" u="none" cap="none" strike="noStrike"/>
                     </a:p>
@@ -20034,7 +19849,7 @@
             <a:tbl>
               <a:tblPr>
                 <a:noFill/>
-                <a:tableStyleId>{7D4AA617-D0C9-4B9B-8E69-A3A8BF51B549}</a:tableStyleId>
+                <a:tableStyleId>{7EE1F5A3-994B-4E0D-A819-5A43270F4B43}</a:tableStyleId>
               </a:tblPr>
               <a:tblGrid>
                 <a:gridCol w="3528350"/>
@@ -20228,17 +20043,9 @@
                       </a:pPr>
                       <a:r>
                         <a:rPr lang="en" sz="1000" u="none" cap="none" strike="noStrike"/>
-                        <a:t>Cliente </a:t>
-                      </a:r>
-                      <a:r>
-                        <a:rPr lang="en" sz="1000"/>
-                        <a:t>na tela </a:t>
-                      </a:r>
-                      <a:r>
-                        <a:rPr lang="en" sz="1000"/>
-                        <a:t>de exibição dos produtos de acordo com o filtro selecionado no UC4</a:t>
-                      </a:r>
-                      <a:endParaRPr/>
+                        <a:t>Cliente na tela de exibição dos produtos de acordo com o filtro selecionado no UC4</a:t>
+                      </a:r>
+                      <a:endParaRPr sz="1400" u="none" cap="none" strike="noStrike"/>
                     </a:p>
                     <a:p>
                       <a:pPr indent="0" lvl="0" marL="0" marR="0" rtl="0" algn="just">
@@ -20261,7 +20068,7 @@
                       <a:r>
                         <a:t/>
                       </a:r>
-                      <a:endParaRPr sz="1000"/>
+                      <a:endParaRPr sz="1000" u="none" cap="none" strike="noStrike"/>
                     </a:p>
                   </a:txBody>
                   <a:tcPr marT="91425" marB="91425" marR="91425" marL="91425"/>
@@ -20599,7 +20406,7 @@
             <a:tbl>
               <a:tblPr>
                 <a:noFill/>
-                <a:tableStyleId>{7D4AA617-D0C9-4B9B-8E69-A3A8BF51B549}</a:tableStyleId>
+                <a:tableStyleId>{7EE1F5A3-994B-4E0D-A819-5A43270F4B43}</a:tableStyleId>
               </a:tblPr>
               <a:tblGrid>
                 <a:gridCol w="3619500"/>
@@ -21002,7 +20809,7 @@
                         <a:buNone/>
                       </a:pPr>
                       <a:r>
-                        <a:rPr lang="en" sz="1000"/>
+                        <a:rPr lang="en" sz="1000" u="none" cap="none" strike="noStrike"/>
                         <a:t>Item no carrinho do usuário</a:t>
                       </a:r>
                       <a:endParaRPr sz="1400" u="none" cap="none" strike="noStrike"/>
@@ -21306,7 +21113,10 @@
               <a:buNone/>
             </a:pPr>
             <a:r>
-              <a:rPr lang="en" sz="1200">
+              <a:rPr b="0" i="0" lang="en" sz="1200" u="none" cap="none" strike="noStrike">
+                <a:solidFill>
+                  <a:srgbClr val="000000"/>
+                </a:solidFill>
                 <a:latin typeface="Source Sans Pro"/>
                 <a:ea typeface="Source Sans Pro"/>
                 <a:cs typeface="Source Sans Pro"/>
@@ -21587,7 +21397,7 @@
             <a:tbl>
               <a:tblPr>
                 <a:noFill/>
-                <a:tableStyleId>{7D4AA617-D0C9-4B9B-8E69-A3A8BF51B549}</a:tableStyleId>
+                <a:tableStyleId>{7EE1F5A3-994B-4E0D-A819-5A43270F4B43}</a:tableStyleId>
               </a:tblPr>
               <a:tblGrid>
                 <a:gridCol w="3952100"/>
@@ -21781,11 +21591,7 @@
                       </a:pPr>
                       <a:r>
                         <a:rPr lang="en" sz="1000" u="none" cap="none" strike="noStrike"/>
-                        <a:t>Cliente </a:t>
-                      </a:r>
-                      <a:r>
-                        <a:rPr lang="en" sz="1000"/>
-                        <a:t>com pelo menos um item em seu carrinho</a:t>
+                        <a:t>Cliente com pelo menos um item em seu carrinho</a:t>
                       </a:r>
                       <a:endParaRPr sz="1400" u="none" cap="none" strike="noStrike"/>
                     </a:p>
@@ -22049,15 +21855,7 @@
                       </a:pPr>
                       <a:r>
                         <a:rPr lang="en" sz="1000" u="none" cap="none" strike="noStrike"/>
-                        <a:t>4.</a:t>
-                      </a:r>
-                      <a:r>
-                        <a:rPr lang="en" sz="1000"/>
-                        <a:t> </a:t>
-                      </a:r>
-                      <a:r>
-                        <a:rPr lang="en" sz="1000" u="none" cap="none" strike="noStrike"/>
-                        <a:t>Sistema exibe as opções "Limpar carrinho", "Adicionar mais produtos", e "Finalizar a compra".</a:t>
+                        <a:t>4. Sistema exibe as opções "Limpar carrinho", "Adicionar mais produtos", e "Finalizar a compra".</a:t>
                       </a:r>
                       <a:endParaRPr sz="1000" u="none" cap="none" strike="noStrike"/>
                     </a:p>
@@ -22248,248 +22046,224 @@
                         <a:buNone/>
                       </a:pPr>
                       <a:r>
-                        <a:rPr lang="en" sz="1000"/>
+                        <a:rPr lang="en" sz="1000" u="none" cap="none" strike="noStrike"/>
                         <a:t>12. O sistema solicita dados válidos para pagamento </a:t>
                       </a:r>
-                      <a:endParaRPr sz="1000"/>
-                    </a:p>
-                    <a:p>
-                      <a:pPr indent="0" lvl="0" marL="0" marR="0" rtl="0" algn="just">
-                        <a:lnSpc>
-                          <a:spcPct val="100000"/>
-                        </a:lnSpc>
-                        <a:spcBef>
-                          <a:spcPts val="0"/>
-                        </a:spcBef>
-                        <a:spcAft>
-                          <a:spcPts val="0"/>
-                        </a:spcAft>
-                        <a:buClr>
-                          <a:srgbClr val="000000"/>
-                        </a:buClr>
-                        <a:buSzPts val="1000"/>
-                        <a:buFont typeface="Arial"/>
-                        <a:buNone/>
-                      </a:pPr>
-                      <a:r>
-                        <a:rPr lang="en" sz="1000"/>
+                      <a:endParaRPr sz="1000" u="none" cap="none" strike="noStrike"/>
+                    </a:p>
+                    <a:p>
+                      <a:pPr indent="0" lvl="0" marL="0" marR="0" rtl="0" algn="just">
+                        <a:lnSpc>
+                          <a:spcPct val="100000"/>
+                        </a:lnSpc>
+                        <a:spcBef>
+                          <a:spcPts val="0"/>
+                        </a:spcBef>
+                        <a:spcAft>
+                          <a:spcPts val="0"/>
+                        </a:spcAft>
+                        <a:buClr>
+                          <a:srgbClr val="000000"/>
+                        </a:buClr>
+                        <a:buSzPts val="1000"/>
+                        <a:buFont typeface="Arial"/>
+                        <a:buNone/>
+                      </a:pPr>
+                      <a:r>
+                        <a:rPr lang="en" sz="1000" u="none" cap="none" strike="noStrike"/>
                         <a:t>13. O Usuário insere dados do pagamento</a:t>
                       </a:r>
-                      <a:endParaRPr sz="1000"/>
-                    </a:p>
-                    <a:p>
-                      <a:pPr indent="0" lvl="0" marL="0" marR="0" rtl="0" algn="just">
-                        <a:lnSpc>
-                          <a:spcPct val="100000"/>
-                        </a:lnSpc>
-                        <a:spcBef>
-                          <a:spcPts val="0"/>
-                        </a:spcBef>
-                        <a:spcAft>
-                          <a:spcPts val="0"/>
-                        </a:spcAft>
-                        <a:buClr>
-                          <a:srgbClr val="000000"/>
-                        </a:buClr>
-                        <a:buSzPts val="1000"/>
-                        <a:buFont typeface="Arial"/>
-                        <a:buNone/>
-                      </a:pPr>
-                      <a:r>
-                        <a:rPr lang="en" sz="1000"/>
+                      <a:endParaRPr sz="1000" u="none" cap="none" strike="noStrike"/>
+                    </a:p>
+                    <a:p>
+                      <a:pPr indent="0" lvl="0" marL="0" marR="0" rtl="0" algn="just">
+                        <a:lnSpc>
+                          <a:spcPct val="100000"/>
+                        </a:lnSpc>
+                        <a:spcBef>
+                          <a:spcPts val="0"/>
+                        </a:spcBef>
+                        <a:spcAft>
+                          <a:spcPts val="0"/>
+                        </a:spcAft>
+                        <a:buClr>
+                          <a:srgbClr val="000000"/>
+                        </a:buClr>
+                        <a:buSzPts val="1000"/>
+                        <a:buFont typeface="Arial"/>
+                        <a:buNone/>
+                      </a:pPr>
+                      <a:r>
+                        <a:rPr lang="en" sz="1000" u="none" cap="none" strike="noStrike"/>
                         <a:t>14. O sistema solicita confirmação dados do pagamento</a:t>
                       </a:r>
-                      <a:endParaRPr sz="1000"/>
-                    </a:p>
-                    <a:p>
-                      <a:pPr indent="0" lvl="0" marL="0" marR="0" rtl="0" algn="just">
-                        <a:lnSpc>
-                          <a:spcPct val="100000"/>
-                        </a:lnSpc>
-                        <a:spcBef>
-                          <a:spcPts val="0"/>
-                        </a:spcBef>
-                        <a:spcAft>
-                          <a:spcPts val="0"/>
-                        </a:spcAft>
-                        <a:buClr>
-                          <a:srgbClr val="000000"/>
-                        </a:buClr>
-                        <a:buSzPts val="1000"/>
-                        <a:buFont typeface="Arial"/>
-                        <a:buNone/>
-                      </a:pPr>
-                      <a:r>
-                        <a:rPr lang="en" sz="1000"/>
+                      <a:endParaRPr sz="1000" u="none" cap="none" strike="noStrike"/>
+                    </a:p>
+                    <a:p>
+                      <a:pPr indent="0" lvl="0" marL="0" marR="0" rtl="0" algn="just">
+                        <a:lnSpc>
+                          <a:spcPct val="100000"/>
+                        </a:lnSpc>
+                        <a:spcBef>
+                          <a:spcPts val="0"/>
+                        </a:spcBef>
+                        <a:spcAft>
+                          <a:spcPts val="0"/>
+                        </a:spcAft>
+                        <a:buClr>
+                          <a:srgbClr val="000000"/>
+                        </a:buClr>
+                        <a:buSzPts val="1000"/>
+                        <a:buFont typeface="Arial"/>
+                        <a:buNone/>
+                      </a:pPr>
+                      <a:r>
+                        <a:rPr lang="en" sz="1000" u="none" cap="none" strike="noStrike"/>
                         <a:t>15. O usuário confirma os dados do pagamento</a:t>
                       </a:r>
-                      <a:endParaRPr sz="1000"/>
-                    </a:p>
-                    <a:p>
-                      <a:pPr indent="0" lvl="0" marL="0" marR="0" rtl="0" algn="just">
-                        <a:lnSpc>
-                          <a:spcPct val="100000"/>
-                        </a:lnSpc>
-                        <a:spcBef>
-                          <a:spcPts val="0"/>
-                        </a:spcBef>
-                        <a:spcAft>
-                          <a:spcPts val="0"/>
-                        </a:spcAft>
-                        <a:buClr>
-                          <a:srgbClr val="000000"/>
-                        </a:buClr>
-                        <a:buSzPts val="1000"/>
-                        <a:buFont typeface="Arial"/>
-                        <a:buNone/>
-                      </a:pPr>
-                      <a:r>
-                        <a:rPr lang="en" sz="1000"/>
+                      <a:endParaRPr sz="1000" u="none" cap="none" strike="noStrike"/>
+                    </a:p>
+                    <a:p>
+                      <a:pPr indent="0" lvl="0" marL="0" marR="0" rtl="0" algn="just">
+                        <a:lnSpc>
+                          <a:spcPct val="100000"/>
+                        </a:lnSpc>
+                        <a:spcBef>
+                          <a:spcPts val="0"/>
+                        </a:spcBef>
+                        <a:spcAft>
+                          <a:spcPts val="0"/>
+                        </a:spcAft>
+                        <a:buClr>
+                          <a:srgbClr val="000000"/>
+                        </a:buClr>
+                        <a:buSzPts val="1000"/>
+                        <a:buFont typeface="Arial"/>
+                        <a:buNone/>
+                      </a:pPr>
+                      <a:r>
+                        <a:rPr lang="en" sz="1000" u="none" cap="none" strike="noStrike"/>
                         <a:t>16. O sistema valida os dados do pagamento</a:t>
                       </a:r>
-                      <a:endParaRPr sz="1000"/>
-                    </a:p>
-                    <a:p>
-                      <a:pPr indent="0" lvl="0" marL="0" marR="0" rtl="0" algn="just">
-                        <a:lnSpc>
-                          <a:spcPct val="100000"/>
-                        </a:lnSpc>
-                        <a:spcBef>
-                          <a:spcPts val="0"/>
-                        </a:spcBef>
-                        <a:spcAft>
-                          <a:spcPts val="0"/>
-                        </a:spcAft>
-                        <a:buClr>
-                          <a:srgbClr val="000000"/>
-                        </a:buClr>
-                        <a:buSzPts val="1000"/>
-                        <a:buFont typeface="Arial"/>
-                        <a:buNone/>
-                      </a:pPr>
-                      <a:r>
-                        <a:rPr lang="en" sz="1000"/>
+                      <a:endParaRPr sz="1000" u="none" cap="none" strike="noStrike"/>
+                    </a:p>
+                    <a:p>
+                      <a:pPr indent="0" lvl="0" marL="0" marR="0" rtl="0" algn="just">
+                        <a:lnSpc>
+                          <a:spcPct val="100000"/>
+                        </a:lnSpc>
+                        <a:spcBef>
+                          <a:spcPts val="0"/>
+                        </a:spcBef>
+                        <a:spcAft>
+                          <a:spcPts val="0"/>
+                        </a:spcAft>
+                        <a:buClr>
+                          <a:srgbClr val="000000"/>
+                        </a:buClr>
+                        <a:buSzPts val="1000"/>
+                        <a:buFont typeface="Arial"/>
+                        <a:buNone/>
+                      </a:pPr>
+                      <a:r>
+                        <a:rPr lang="en" sz="1000" u="none" cap="none" strike="noStrike"/>
                         <a:t>16. O Usuário visualizar validação da compra</a:t>
                       </a:r>
-                      <a:endParaRPr sz="1000"/>
-                    </a:p>
-                    <a:p>
-                      <a:pPr indent="0" lvl="0" marL="0" marR="0" rtl="0" algn="just">
-                        <a:lnSpc>
-                          <a:spcPct val="100000"/>
-                        </a:lnSpc>
-                        <a:spcBef>
-                          <a:spcPts val="0"/>
-                        </a:spcBef>
-                        <a:spcAft>
-                          <a:spcPts val="0"/>
-                        </a:spcAft>
-                        <a:buClr>
-                          <a:srgbClr val="000000"/>
-                        </a:buClr>
-                        <a:buSzPts val="1000"/>
-                        <a:buFont typeface="Arial"/>
-                        <a:buNone/>
-                      </a:pPr>
-                      <a:r>
-                        <a:rPr lang="en" sz="1000"/>
+                      <a:endParaRPr sz="1000" u="none" cap="none" strike="noStrike"/>
+                    </a:p>
+                    <a:p>
+                      <a:pPr indent="0" lvl="0" marL="0" marR="0" rtl="0" algn="just">
+                        <a:lnSpc>
+                          <a:spcPct val="100000"/>
+                        </a:lnSpc>
+                        <a:spcBef>
+                          <a:spcPts val="0"/>
+                        </a:spcBef>
+                        <a:spcAft>
+                          <a:spcPts val="0"/>
+                        </a:spcAft>
+                        <a:buClr>
+                          <a:srgbClr val="000000"/>
+                        </a:buClr>
+                        <a:buSzPts val="1000"/>
+                        <a:buFont typeface="Arial"/>
+                        <a:buNone/>
+                      </a:pPr>
+                      <a:r>
+                        <a:rPr lang="en" sz="1000" u="none" cap="none" strike="noStrike"/>
                         <a:t>17. O sistema gera nota fiscal</a:t>
                       </a:r>
-                      <a:endParaRPr sz="1000"/>
-                    </a:p>
-                    <a:p>
-                      <a:pPr indent="0" lvl="0" marL="0" marR="0" rtl="0" algn="just">
-                        <a:lnSpc>
-                          <a:spcPct val="100000"/>
-                        </a:lnSpc>
-                        <a:spcBef>
-                          <a:spcPts val="0"/>
-                        </a:spcBef>
-                        <a:spcAft>
-                          <a:spcPts val="0"/>
-                        </a:spcAft>
-                        <a:buClr>
-                          <a:srgbClr val="000000"/>
-                        </a:buClr>
-                        <a:buSzPts val="1000"/>
-                        <a:buFont typeface="Arial"/>
-                        <a:buNone/>
-                      </a:pPr>
-                      <a:r>
-                        <a:rPr lang="en" sz="1000"/>
+                      <a:endParaRPr sz="1000" u="none" cap="none" strike="noStrike"/>
+                    </a:p>
+                    <a:p>
+                      <a:pPr indent="0" lvl="0" marL="0" marR="0" rtl="0" algn="just">
+                        <a:lnSpc>
+                          <a:spcPct val="100000"/>
+                        </a:lnSpc>
+                        <a:spcBef>
+                          <a:spcPts val="0"/>
+                        </a:spcBef>
+                        <a:spcAft>
+                          <a:spcPts val="0"/>
+                        </a:spcAft>
+                        <a:buClr>
+                          <a:srgbClr val="000000"/>
+                        </a:buClr>
+                        <a:buSzPts val="1000"/>
+                        <a:buFont typeface="Arial"/>
+                        <a:buNone/>
+                      </a:pPr>
+                      <a:r>
+                        <a:rPr lang="en" sz="1000" u="none" cap="none" strike="noStrike"/>
                         <a:t>18. O Usuário visualiza a nota fiscal</a:t>
                       </a:r>
-                      <a:endParaRPr sz="1000"/>
-                    </a:p>
-                    <a:p>
-                      <a:pPr indent="0" lvl="0" marL="0" marR="0" rtl="0" algn="just">
-                        <a:lnSpc>
-                          <a:spcPct val="100000"/>
-                        </a:lnSpc>
-                        <a:spcBef>
-                          <a:spcPts val="0"/>
-                        </a:spcBef>
-                        <a:spcAft>
-                          <a:spcPts val="0"/>
-                        </a:spcAft>
-                        <a:buClr>
-                          <a:srgbClr val="000000"/>
-                        </a:buClr>
-                        <a:buSzPts val="1000"/>
-                        <a:buFont typeface="Arial"/>
-                        <a:buNone/>
-                      </a:pPr>
-                      <a:r>
-                        <a:rPr lang="en" sz="1000" u="none" cap="none" strike="noStrike"/>
-                        <a:t>1</a:t>
-                      </a:r>
-                      <a:r>
-                        <a:rPr lang="en" sz="1000"/>
-                        <a:t>9</a:t>
-                      </a:r>
-                      <a:r>
-                        <a:rPr lang="en" sz="1000" u="none" cap="none" strike="noStrike"/>
-                        <a:t>. Sistema gera um novo pedido com status "</a:t>
-                      </a:r>
-                      <a:r>
-                        <a:rPr lang="en" sz="1000"/>
-                        <a:t>P</a:t>
-                      </a:r>
-                      <a:r>
-                        <a:rPr lang="en" sz="1000"/>
-                        <a:t>agamento Confirmado</a:t>
-                      </a:r>
-                      <a:r>
-                        <a:rPr lang="en" sz="1000" u="none" cap="none" strike="noStrike"/>
-                        <a:t>" [X]</a:t>
-                      </a:r>
-                      <a:endParaRPr sz="1000" u="none" cap="none" strike="noStrike"/>
-                    </a:p>
-                    <a:p>
-                      <a:pPr indent="0" lvl="0" marL="0" marR="0" rtl="0" algn="just">
-                        <a:lnSpc>
-                          <a:spcPct val="100000"/>
-                        </a:lnSpc>
-                        <a:spcBef>
-                          <a:spcPts val="0"/>
-                        </a:spcBef>
-                        <a:spcAft>
-                          <a:spcPts val="0"/>
-                        </a:spcAft>
-                        <a:buClr>
-                          <a:srgbClr val="000000"/>
-                        </a:buClr>
-                        <a:buSzPts val="1000"/>
-                        <a:buFont typeface="Arial"/>
-                        <a:buNone/>
-                      </a:pPr>
-                      <a:r>
-                        <a:rPr lang="en" sz="1000"/>
-                        <a:t>20</a:t>
-                      </a:r>
-                      <a:r>
-                        <a:rPr lang="en" sz="1000" u="none" cap="none" strike="noStrike"/>
-                        <a:t>. O sistema gera relatório de atualização</a:t>
+                      <a:endParaRPr sz="1000" u="none" cap="none" strike="noStrike"/>
+                    </a:p>
+                    <a:p>
+                      <a:pPr indent="0" lvl="0" marL="0" marR="0" rtl="0" algn="just">
+                        <a:lnSpc>
+                          <a:spcPct val="100000"/>
+                        </a:lnSpc>
+                        <a:spcBef>
+                          <a:spcPts val="0"/>
+                        </a:spcBef>
+                        <a:spcAft>
+                          <a:spcPts val="0"/>
+                        </a:spcAft>
+                        <a:buClr>
+                          <a:srgbClr val="000000"/>
+                        </a:buClr>
+                        <a:buSzPts val="1000"/>
+                        <a:buFont typeface="Arial"/>
+                        <a:buNone/>
+                      </a:pPr>
+                      <a:r>
+                        <a:rPr lang="en" sz="1000" u="none" cap="none" strike="noStrike"/>
+                        <a:t>19. Sistema gera um novo pedido com status "Pagamento Confirmado" [X]</a:t>
+                      </a:r>
+                      <a:endParaRPr sz="1000" u="none" cap="none" strike="noStrike"/>
+                    </a:p>
+                    <a:p>
+                      <a:pPr indent="0" lvl="0" marL="0" marR="0" rtl="0" algn="just">
+                        <a:lnSpc>
+                          <a:spcPct val="100000"/>
+                        </a:lnSpc>
+                        <a:spcBef>
+                          <a:spcPts val="0"/>
+                        </a:spcBef>
+                        <a:spcAft>
+                          <a:spcPts val="0"/>
+                        </a:spcAft>
+                        <a:buClr>
+                          <a:srgbClr val="000000"/>
+                        </a:buClr>
+                        <a:buSzPts val="1000"/>
+                        <a:buFont typeface="Arial"/>
+                        <a:buNone/>
+                      </a:pPr>
+                      <a:r>
+                        <a:rPr lang="en" sz="1000" u="none" cap="none" strike="noStrike"/>
+                        <a:t>20. O sistema gera relatório de atualização</a:t>
                       </a:r>
                       <a:endParaRPr sz="1400" u="none" cap="none" strike="noStrike"/>
                     </a:p>
@@ -22541,7 +22315,7 @@
             <a:tbl>
               <a:tblPr>
                 <a:noFill/>
-                <a:tableStyleId>{7D4AA617-D0C9-4B9B-8E69-A3A8BF51B549}</a:tableStyleId>
+                <a:tableStyleId>{7EE1F5A3-994B-4E0D-A819-5A43270F4B43}</a:tableStyleId>
               </a:tblPr>
               <a:tblGrid>
                 <a:gridCol w="4423450"/>
@@ -23117,198 +22891,178 @@
                         <a:buNone/>
                       </a:pPr>
                       <a:r>
-                        <a:rPr lang="en" sz="1000"/>
-                        <a:t>4.</a:t>
-                      </a:r>
-                      <a:r>
-                        <a:rPr lang="en" sz="1000" u="none" cap="none" strike="noStrike"/>
-                        <a:t>1. Caso haja no carrinho um remédio que exige anexo de prescrição, o botão de Finalizar Compra estará indisponível.</a:t>
-                      </a:r>
-                      <a:endParaRPr sz="1000" u="none" cap="none" strike="noStrike"/>
-                    </a:p>
-                    <a:p>
-                      <a:pPr indent="0" lvl="0" marL="0" marR="0" rtl="0" algn="just">
-                        <a:lnSpc>
-                          <a:spcPct val="100000"/>
-                        </a:lnSpc>
-                        <a:spcBef>
-                          <a:spcPts val="0"/>
-                        </a:spcBef>
-                        <a:spcAft>
-                          <a:spcPts val="0"/>
-                        </a:spcAft>
-                        <a:buClr>
-                          <a:srgbClr val="000000"/>
-                        </a:buClr>
-                        <a:buSzPts val="1000"/>
-                        <a:buFont typeface="Arial"/>
-                        <a:buNone/>
-                      </a:pPr>
-                      <a:r>
-                        <a:rPr lang="en" sz="1000"/>
-                        <a:t>4.</a:t>
-                      </a:r>
-                      <a:r>
-                        <a:rPr lang="en" sz="1000" u="none" cap="none" strike="noStrike"/>
-                        <a:t>2. No seu lugar, sistema exibe um botão Anexar prescrição.</a:t>
-                      </a:r>
-                      <a:endParaRPr sz="1000" u="none" cap="none" strike="noStrike"/>
-                    </a:p>
-                    <a:p>
-                      <a:pPr indent="0" lvl="0" marL="0" marR="0" rtl="0" algn="just">
-                        <a:lnSpc>
-                          <a:spcPct val="100000"/>
-                        </a:lnSpc>
-                        <a:spcBef>
-                          <a:spcPts val="0"/>
-                        </a:spcBef>
-                        <a:spcAft>
-                          <a:spcPts val="0"/>
-                        </a:spcAft>
-                        <a:buClr>
-                          <a:srgbClr val="000000"/>
-                        </a:buClr>
-                        <a:buSzPts val="1000"/>
-                        <a:buFont typeface="Arial"/>
-                        <a:buNone/>
-                      </a:pPr>
-                      <a:r>
-                        <a:rPr lang="en" sz="1000"/>
-                        <a:t>4.</a:t>
-                      </a:r>
-                      <a:r>
-                        <a:rPr lang="en" sz="1000" u="none" cap="none" strike="noStrike"/>
-                        <a:t>3. Usuário clica no Botão Adicionar Prescrição.</a:t>
-                      </a:r>
-                      <a:endParaRPr sz="1000" u="none" cap="none" strike="noStrike"/>
-                    </a:p>
-                    <a:p>
-                      <a:pPr indent="0" lvl="0" marL="0" marR="0" rtl="0" algn="just">
-                        <a:lnSpc>
-                          <a:spcPct val="100000"/>
-                        </a:lnSpc>
-                        <a:spcBef>
-                          <a:spcPts val="0"/>
-                        </a:spcBef>
-                        <a:spcAft>
-                          <a:spcPts val="0"/>
-                        </a:spcAft>
-                        <a:buClr>
-                          <a:srgbClr val="000000"/>
-                        </a:buClr>
-                        <a:buSzPts val="1000"/>
-                        <a:buFont typeface="Arial"/>
-                        <a:buNone/>
-                      </a:pPr>
-                      <a:r>
-                        <a:rPr lang="en" sz="1000"/>
-                        <a:t>4.</a:t>
-                      </a:r>
-                      <a:r>
-                        <a:rPr lang="en" sz="1000" u="none" cap="none" strike="noStrike"/>
-                        <a:t>4.</a:t>
-                      </a:r>
-                      <a:r>
-                        <a:rPr lang="en" sz="1000"/>
-                        <a:t> O sistema exibe as opções de imagem ou PDF</a:t>
-                      </a:r>
-                      <a:endParaRPr sz="1000"/>
-                    </a:p>
-                    <a:p>
-                      <a:pPr indent="0" lvl="0" marL="0" marR="0" rtl="0" algn="just">
-                        <a:lnSpc>
-                          <a:spcPct val="100000"/>
-                        </a:lnSpc>
-                        <a:spcBef>
-                          <a:spcPts val="0"/>
-                        </a:spcBef>
-                        <a:spcAft>
-                          <a:spcPts val="0"/>
-                        </a:spcAft>
-                        <a:buClr>
-                          <a:srgbClr val="000000"/>
-                        </a:buClr>
-                        <a:buSzPts val="1000"/>
-                        <a:buFont typeface="Arial"/>
-                        <a:buNone/>
-                      </a:pPr>
-                      <a:r>
-                        <a:rPr lang="en" sz="1000"/>
+                        <a:rPr lang="en" sz="1000" u="none" cap="none" strike="noStrike"/>
+                        <a:t>4.1. Caso haja no carrinho um remédio que exige anexo de prescrição, o botão de Finalizar Compra estará indisponível.</a:t>
+                      </a:r>
+                      <a:endParaRPr sz="1000" u="none" cap="none" strike="noStrike"/>
+                    </a:p>
+                    <a:p>
+                      <a:pPr indent="0" lvl="0" marL="0" marR="0" rtl="0" algn="just">
+                        <a:lnSpc>
+                          <a:spcPct val="100000"/>
+                        </a:lnSpc>
+                        <a:spcBef>
+                          <a:spcPts val="0"/>
+                        </a:spcBef>
+                        <a:spcAft>
+                          <a:spcPts val="0"/>
+                        </a:spcAft>
+                        <a:buClr>
+                          <a:srgbClr val="000000"/>
+                        </a:buClr>
+                        <a:buSzPts val="1000"/>
+                        <a:buFont typeface="Arial"/>
+                        <a:buNone/>
+                      </a:pPr>
+                      <a:r>
+                        <a:rPr lang="en" sz="1000" u="none" cap="none" strike="noStrike"/>
+                        <a:t>4.2. No seu lugar, sistema exibe um botão Anexar prescrição.</a:t>
+                      </a:r>
+                      <a:endParaRPr sz="1000" u="none" cap="none" strike="noStrike"/>
+                    </a:p>
+                    <a:p>
+                      <a:pPr indent="0" lvl="0" marL="0" marR="0" rtl="0" algn="just">
+                        <a:lnSpc>
+                          <a:spcPct val="100000"/>
+                        </a:lnSpc>
+                        <a:spcBef>
+                          <a:spcPts val="0"/>
+                        </a:spcBef>
+                        <a:spcAft>
+                          <a:spcPts val="0"/>
+                        </a:spcAft>
+                        <a:buClr>
+                          <a:srgbClr val="000000"/>
+                        </a:buClr>
+                        <a:buSzPts val="1000"/>
+                        <a:buFont typeface="Arial"/>
+                        <a:buNone/>
+                      </a:pPr>
+                      <a:r>
+                        <a:rPr lang="en" sz="1000" u="none" cap="none" strike="noStrike"/>
+                        <a:t>4.3. Usuário clica no Botão Adicionar Prescrição.</a:t>
+                      </a:r>
+                      <a:endParaRPr sz="1000" u="none" cap="none" strike="noStrike"/>
+                    </a:p>
+                    <a:p>
+                      <a:pPr indent="0" lvl="0" marL="0" marR="0" rtl="0" algn="just">
+                        <a:lnSpc>
+                          <a:spcPct val="100000"/>
+                        </a:lnSpc>
+                        <a:spcBef>
+                          <a:spcPts val="0"/>
+                        </a:spcBef>
+                        <a:spcAft>
+                          <a:spcPts val="0"/>
+                        </a:spcAft>
+                        <a:buClr>
+                          <a:srgbClr val="000000"/>
+                        </a:buClr>
+                        <a:buSzPts val="1000"/>
+                        <a:buFont typeface="Arial"/>
+                        <a:buNone/>
+                      </a:pPr>
+                      <a:r>
+                        <a:rPr lang="en" sz="1000" u="none" cap="none" strike="noStrike"/>
+                        <a:t>4.4. O sistema exibe as opções de imagem ou PDF</a:t>
+                      </a:r>
+                      <a:endParaRPr sz="1000" u="none" cap="none" strike="noStrike"/>
+                    </a:p>
+                    <a:p>
+                      <a:pPr indent="0" lvl="0" marL="0" marR="0" rtl="0" algn="just">
+                        <a:lnSpc>
+                          <a:spcPct val="100000"/>
+                        </a:lnSpc>
+                        <a:spcBef>
+                          <a:spcPts val="0"/>
+                        </a:spcBef>
+                        <a:spcAft>
+                          <a:spcPts val="0"/>
+                        </a:spcAft>
+                        <a:buClr>
+                          <a:srgbClr val="000000"/>
+                        </a:buClr>
+                        <a:buSzPts val="1000"/>
+                        <a:buFont typeface="Arial"/>
+                        <a:buNone/>
+                      </a:pPr>
+                      <a:r>
+                        <a:rPr lang="en" sz="1000" u="none" cap="none" strike="noStrike"/>
                         <a:t>4.5. Usuário seleciona uma opção</a:t>
                       </a:r>
-                      <a:endParaRPr sz="1000"/>
-                    </a:p>
-                    <a:p>
-                      <a:pPr indent="0" lvl="0" marL="0" marR="0" rtl="0" algn="just">
-                        <a:lnSpc>
-                          <a:spcPct val="100000"/>
-                        </a:lnSpc>
-                        <a:spcBef>
-                          <a:spcPts val="0"/>
-                        </a:spcBef>
-                        <a:spcAft>
-                          <a:spcPts val="0"/>
-                        </a:spcAft>
-                        <a:buClr>
-                          <a:srgbClr val="000000"/>
-                        </a:buClr>
-                        <a:buSzPts val="1000"/>
-                        <a:buFont typeface="Arial"/>
-                        <a:buNone/>
-                      </a:pPr>
-                      <a:r>
-                        <a:rPr lang="en" sz="1000"/>
+                      <a:endParaRPr sz="1000" u="none" cap="none" strike="noStrike"/>
+                    </a:p>
+                    <a:p>
+                      <a:pPr indent="0" lvl="0" marL="0" marR="0" rtl="0" algn="just">
+                        <a:lnSpc>
+                          <a:spcPct val="100000"/>
+                        </a:lnSpc>
+                        <a:spcBef>
+                          <a:spcPts val="0"/>
+                        </a:spcBef>
+                        <a:spcAft>
+                          <a:spcPts val="0"/>
+                        </a:spcAft>
+                        <a:buClr>
+                          <a:srgbClr val="000000"/>
+                        </a:buClr>
+                        <a:buSzPts val="1000"/>
+                        <a:buFont typeface="Arial"/>
+                        <a:buNone/>
+                      </a:pPr>
+                      <a:r>
+                        <a:rPr lang="en" sz="1000" u="none" cap="none" strike="noStrike"/>
                         <a:t>4.6. Sistema abre o navegador de arquivos do dispositivo</a:t>
                       </a:r>
-                      <a:endParaRPr sz="1000"/>
-                    </a:p>
-                    <a:p>
-                      <a:pPr indent="0" lvl="0" marL="0" marR="0" rtl="0" algn="just">
-                        <a:lnSpc>
-                          <a:spcPct val="100000"/>
-                        </a:lnSpc>
-                        <a:spcBef>
-                          <a:spcPts val="0"/>
-                        </a:spcBef>
-                        <a:spcAft>
-                          <a:spcPts val="0"/>
-                        </a:spcAft>
-                        <a:buClr>
-                          <a:srgbClr val="000000"/>
-                        </a:buClr>
-                        <a:buSzPts val="1000"/>
-                        <a:buFont typeface="Arial"/>
-                        <a:buNone/>
-                      </a:pPr>
-                      <a:r>
-                        <a:rPr lang="en" sz="1000"/>
+                      <a:endParaRPr sz="1000" u="none" cap="none" strike="noStrike"/>
+                    </a:p>
+                    <a:p>
+                      <a:pPr indent="0" lvl="0" marL="0" marR="0" rtl="0" algn="just">
+                        <a:lnSpc>
+                          <a:spcPct val="100000"/>
+                        </a:lnSpc>
+                        <a:spcBef>
+                          <a:spcPts val="0"/>
+                        </a:spcBef>
+                        <a:spcAft>
+                          <a:spcPts val="0"/>
+                        </a:spcAft>
+                        <a:buClr>
+                          <a:srgbClr val="000000"/>
+                        </a:buClr>
+                        <a:buSzPts val="1000"/>
+                        <a:buFont typeface="Arial"/>
+                        <a:buNone/>
+                      </a:pPr>
+                      <a:r>
+                        <a:rPr lang="en" sz="1000" u="none" cap="none" strike="noStrike"/>
                         <a:t>4.7. Usuário anexa o arquivo desejado</a:t>
                       </a:r>
-                      <a:endParaRPr sz="1000"/>
-                    </a:p>
-                    <a:p>
-                      <a:pPr indent="0" lvl="0" marL="0" marR="0" rtl="0" algn="just">
-                        <a:lnSpc>
-                          <a:spcPct val="100000"/>
-                        </a:lnSpc>
-                        <a:spcBef>
-                          <a:spcPts val="0"/>
-                        </a:spcBef>
-                        <a:spcAft>
-                          <a:spcPts val="0"/>
-                        </a:spcAft>
-                        <a:buClr>
-                          <a:srgbClr val="000000"/>
-                        </a:buClr>
-                        <a:buSzPts val="1000"/>
-                        <a:buFont typeface="Arial"/>
-                        <a:buNone/>
-                      </a:pPr>
-                      <a:r>
-                        <a:rPr lang="en" sz="1000"/>
+                      <a:endParaRPr sz="1000" u="none" cap="none" strike="noStrike"/>
+                    </a:p>
+                    <a:p>
+                      <a:pPr indent="0" lvl="0" marL="0" marR="0" rtl="0" algn="just">
+                        <a:lnSpc>
+                          <a:spcPct val="100000"/>
+                        </a:lnSpc>
+                        <a:spcBef>
+                          <a:spcPts val="0"/>
+                        </a:spcBef>
+                        <a:spcAft>
+                          <a:spcPts val="0"/>
+                        </a:spcAft>
+                        <a:buClr>
+                          <a:srgbClr val="000000"/>
+                        </a:buClr>
+                        <a:buSzPts val="1000"/>
+                        <a:buFont typeface="Arial"/>
+                        <a:buNone/>
+                      </a:pPr>
+                      <a:r>
+                        <a:rPr lang="en" sz="1000" u="none" cap="none" strike="noStrike"/>
                         <a:t>4.8. Retorna para o passo 4 do fluxo principal</a:t>
                       </a:r>
-                      <a:endParaRPr sz="1000"/>
+                      <a:endParaRPr sz="1000" u="none" cap="none" strike="noStrike"/>
                     </a:p>
                     <a:p>
                       <a:pPr indent="0" lvl="0" marL="0" marR="0" rtl="0" algn="just">
@@ -23331,31 +23085,31 @@
                       <a:r>
                         <a:t/>
                       </a:r>
-                      <a:endParaRPr sz="1000"/>
-                    </a:p>
-                    <a:p>
-                      <a:pPr indent="0" lvl="0" marL="0" marR="0" rtl="0" algn="just">
-                        <a:lnSpc>
-                          <a:spcPct val="100000"/>
-                        </a:lnSpc>
-                        <a:spcBef>
-                          <a:spcPts val="0"/>
-                        </a:spcBef>
-                        <a:spcAft>
-                          <a:spcPts val="0"/>
-                        </a:spcAft>
-                        <a:buClr>
-                          <a:srgbClr val="000000"/>
-                        </a:buClr>
-                        <a:buSzPts val="1000"/>
-                        <a:buFont typeface="Arial"/>
-                        <a:buNone/>
-                      </a:pPr>
-                      <a:r>
-                        <a:rPr lang="en" sz="1000"/>
+                      <a:endParaRPr sz="1000" u="none" cap="none" strike="noStrike"/>
+                    </a:p>
+                    <a:p>
+                      <a:pPr indent="0" lvl="0" marL="0" marR="0" rtl="0" algn="just">
+                        <a:lnSpc>
+                          <a:spcPct val="100000"/>
+                        </a:lnSpc>
+                        <a:spcBef>
+                          <a:spcPts val="0"/>
+                        </a:spcBef>
+                        <a:spcAft>
+                          <a:spcPts val="0"/>
+                        </a:spcAft>
+                        <a:buClr>
+                          <a:srgbClr val="000000"/>
+                        </a:buClr>
+                        <a:buSzPts val="1000"/>
+                        <a:buFont typeface="Arial"/>
+                        <a:buNone/>
+                      </a:pPr>
+                      <a:r>
+                        <a:rPr lang="en" sz="1000" u="none" cap="none" strike="noStrike"/>
                         <a:t>13.a) Dados Incorretos</a:t>
                       </a:r>
-                      <a:endParaRPr sz="1000"/>
+                      <a:endParaRPr sz="1000" u="none" cap="none" strike="noStrike"/>
                     </a:p>
                     <a:p>
                       <a:pPr indent="0" lvl="0" marL="0" marR="0" rtl="0" algn="just">
@@ -23378,128 +23132,127 @@
                       <a:r>
                         <a:t/>
                       </a:r>
-                      <a:endParaRPr sz="1000"/>
-                    </a:p>
-                    <a:p>
-                      <a:pPr indent="0" lvl="0" marL="0" marR="0" rtl="0" algn="just">
-                        <a:lnSpc>
-                          <a:spcPct val="100000"/>
-                        </a:lnSpc>
-                        <a:spcBef>
-                          <a:spcPts val="0"/>
-                        </a:spcBef>
-                        <a:spcAft>
-                          <a:spcPts val="0"/>
-                        </a:spcAft>
-                        <a:buClr>
-                          <a:srgbClr val="000000"/>
-                        </a:buClr>
-                        <a:buSzPts val="1000"/>
-                        <a:buFont typeface="Arial"/>
-                        <a:buNone/>
-                      </a:pPr>
-                      <a:r>
-                        <a:rPr lang="en" sz="1000"/>
+                      <a:endParaRPr sz="1000" u="none" cap="none" strike="noStrike"/>
+                    </a:p>
+                    <a:p>
+                      <a:pPr indent="0" lvl="0" marL="0" marR="0" rtl="0" algn="just">
+                        <a:lnSpc>
+                          <a:spcPct val="100000"/>
+                        </a:lnSpc>
+                        <a:spcBef>
+                          <a:spcPts val="0"/>
+                        </a:spcBef>
+                        <a:spcAft>
+                          <a:spcPts val="0"/>
+                        </a:spcAft>
+                        <a:buClr>
+                          <a:srgbClr val="000000"/>
+                        </a:buClr>
+                        <a:buSzPts val="1000"/>
+                        <a:buFont typeface="Arial"/>
+                        <a:buNone/>
+                      </a:pPr>
+                      <a:r>
+                        <a:rPr lang="en" sz="1000" u="none" cap="none" strike="noStrike"/>
                         <a:t>13.1 O sistema irá solicitar novos dados de pagamento</a:t>
                       </a:r>
-                      <a:endParaRPr sz="1000"/>
-                    </a:p>
-                    <a:p>
-                      <a:pPr indent="0" lvl="0" marL="0" marR="0" rtl="0" algn="just">
-                        <a:lnSpc>
-                          <a:spcPct val="100000"/>
-                        </a:lnSpc>
-                        <a:spcBef>
-                          <a:spcPts val="0"/>
-                        </a:spcBef>
-                        <a:spcAft>
-                          <a:spcPts val="0"/>
-                        </a:spcAft>
-                        <a:buClr>
-                          <a:srgbClr val="000000"/>
-                        </a:buClr>
-                        <a:buSzPts val="1000"/>
-                        <a:buFont typeface="Arial"/>
-                        <a:buNone/>
-                      </a:pPr>
-                      <a:r>
-                        <a:rPr lang="en" sz="1000"/>
+                      <a:endParaRPr sz="1000" u="none" cap="none" strike="noStrike"/>
+                    </a:p>
+                    <a:p>
+                      <a:pPr indent="0" lvl="0" marL="0" marR="0" rtl="0" algn="just">
+                        <a:lnSpc>
+                          <a:spcPct val="100000"/>
+                        </a:lnSpc>
+                        <a:spcBef>
+                          <a:spcPts val="0"/>
+                        </a:spcBef>
+                        <a:spcAft>
+                          <a:spcPts val="0"/>
+                        </a:spcAft>
+                        <a:buClr>
+                          <a:srgbClr val="000000"/>
+                        </a:buClr>
+                        <a:buSzPts val="1000"/>
+                        <a:buFont typeface="Arial"/>
+                        <a:buNone/>
+                      </a:pPr>
+                      <a:r>
+                        <a:rPr lang="en" sz="1000" u="none" cap="none" strike="noStrike"/>
                         <a:t>13.2 O Usuário deverá inserir novos dados de pagamento</a:t>
                       </a:r>
-                      <a:endParaRPr sz="1000"/>
-                    </a:p>
-                    <a:p>
-                      <a:pPr indent="0" lvl="0" marL="0" marR="0" rtl="0" algn="just">
-                        <a:lnSpc>
-                          <a:spcPct val="100000"/>
-                        </a:lnSpc>
-                        <a:spcBef>
-                          <a:spcPts val="0"/>
-                        </a:spcBef>
-                        <a:spcAft>
-                          <a:spcPts val="0"/>
-                        </a:spcAft>
-                        <a:buClr>
-                          <a:srgbClr val="000000"/>
-                        </a:buClr>
-                        <a:buSzPts val="1000"/>
-                        <a:buFont typeface="Arial"/>
-                        <a:buNone/>
-                      </a:pPr>
-                      <a:r>
-                        <a:rPr lang="en" sz="1000"/>
-                        <a:t>13.4 </a:t>
-                      </a:r>
-                      <a:r>
-                        <a:rPr lang="en" sz="1000"/>
-                        <a:t>O sistema solicita confirmação dados do pagamento</a:t>
-                      </a:r>
-                      <a:endParaRPr sz="1000"/>
-                    </a:p>
-                    <a:p>
-                      <a:pPr indent="0" lvl="0" marL="0" rtl="0" algn="just">
-                        <a:spcBef>
-                          <a:spcPts val="0"/>
-                        </a:spcBef>
-                        <a:spcAft>
-                          <a:spcPts val="0"/>
-                        </a:spcAft>
-                        <a:buClr>
-                          <a:srgbClr val="000000"/>
-                        </a:buClr>
-                        <a:buSzPts val="1000"/>
-                        <a:buFont typeface="Arial"/>
-                        <a:buNone/>
-                      </a:pPr>
-                      <a:r>
-                        <a:rPr lang="en" sz="1000"/>
+                      <a:endParaRPr sz="1000" u="none" cap="none" strike="noStrike"/>
+                    </a:p>
+                    <a:p>
+                      <a:pPr indent="0" lvl="0" marL="0" marR="0" rtl="0" algn="just">
+                        <a:lnSpc>
+                          <a:spcPct val="100000"/>
+                        </a:lnSpc>
+                        <a:spcBef>
+                          <a:spcPts val="0"/>
+                        </a:spcBef>
+                        <a:spcAft>
+                          <a:spcPts val="0"/>
+                        </a:spcAft>
+                        <a:buClr>
+                          <a:srgbClr val="000000"/>
+                        </a:buClr>
+                        <a:buSzPts val="1000"/>
+                        <a:buFont typeface="Arial"/>
+                        <a:buNone/>
+                      </a:pPr>
+                      <a:r>
+                        <a:rPr lang="en" sz="1000" u="none" cap="none" strike="noStrike"/>
+                        <a:t>13.4 O sistema solicita confirmação dados do pagamento</a:t>
+                      </a:r>
+                      <a:endParaRPr sz="1000" u="none" cap="none" strike="noStrike"/>
+                    </a:p>
+                    <a:p>
+                      <a:pPr indent="0" lvl="0" marL="0" marR="0" rtl="0" algn="just">
+                        <a:lnSpc>
+                          <a:spcPct val="100000"/>
+                        </a:lnSpc>
+                        <a:spcBef>
+                          <a:spcPts val="0"/>
+                        </a:spcBef>
+                        <a:spcAft>
+                          <a:spcPts val="0"/>
+                        </a:spcAft>
+                        <a:buClr>
+                          <a:srgbClr val="000000"/>
+                        </a:buClr>
+                        <a:buSzPts val="1000"/>
+                        <a:buFont typeface="Arial"/>
+                        <a:buNone/>
+                      </a:pPr>
+                      <a:r>
+                        <a:rPr lang="en" sz="1000" u="none" cap="none" strike="noStrike"/>
                         <a:t>13.5 O Usuário confirma os dados do pagamento</a:t>
                       </a:r>
-                      <a:endParaRPr sz="1000"/>
-                    </a:p>
-                    <a:p>
-                      <a:pPr indent="0" lvl="0" marL="0" marR="0" rtl="0" algn="just">
-                        <a:lnSpc>
-                          <a:spcPct val="100000"/>
-                        </a:lnSpc>
-                        <a:spcBef>
-                          <a:spcPts val="0"/>
-                        </a:spcBef>
-                        <a:spcAft>
-                          <a:spcPts val="0"/>
-                        </a:spcAft>
-                        <a:buClr>
-                          <a:srgbClr val="000000"/>
-                        </a:buClr>
-                        <a:buSzPts val="1000"/>
-                        <a:buFont typeface="Arial"/>
-                        <a:buNone/>
-                      </a:pPr>
-                      <a:r>
-                        <a:rPr lang="en" sz="1000"/>
+                      <a:endParaRPr sz="1000" u="none" cap="none" strike="noStrike"/>
+                    </a:p>
+                    <a:p>
+                      <a:pPr indent="0" lvl="0" marL="0" marR="0" rtl="0" algn="just">
+                        <a:lnSpc>
+                          <a:spcPct val="100000"/>
+                        </a:lnSpc>
+                        <a:spcBef>
+                          <a:spcPts val="0"/>
+                        </a:spcBef>
+                        <a:spcAft>
+                          <a:spcPts val="0"/>
+                        </a:spcAft>
+                        <a:buClr>
+                          <a:srgbClr val="000000"/>
+                        </a:buClr>
+                        <a:buSzPts val="1000"/>
+                        <a:buFont typeface="Arial"/>
+                        <a:buNone/>
+                      </a:pPr>
+                      <a:r>
+                        <a:rPr lang="en" sz="1000" u="none" cap="none" strike="noStrike"/>
                         <a:t>13.6 O sistema retorna para o passo 16 do fluxo principal</a:t>
                       </a:r>
-                      <a:endParaRPr sz="1000"/>
+                      <a:endParaRPr sz="1000" u="none" cap="none" strike="noStrike"/>
                     </a:p>
                     <a:p>
                       <a:pPr indent="0" lvl="0" marL="0" marR="0" rtl="0" algn="just">
@@ -23609,7 +23362,7 @@
             <a:tbl>
               <a:tblPr>
                 <a:noFill/>
-                <a:tableStyleId>{7D4AA617-D0C9-4B9B-8E69-A3A8BF51B549}</a:tableStyleId>
+                <a:tableStyleId>{7EE1F5A3-994B-4E0D-A819-5A43270F4B43}</a:tableStyleId>
               </a:tblPr>
               <a:tblGrid>
                 <a:gridCol w="3619500"/>
@@ -23621,22 +23374,25 @@
                     <a:bodyPr/>
                     <a:lstStyle/>
                     <a:p>
-                      <a:pPr indent="0" lvl="0" marL="0" rtl="0" algn="l">
-                        <a:spcBef>
-                          <a:spcPts val="0"/>
-                        </a:spcBef>
-                        <a:spcAft>
-                          <a:spcPts val="0"/>
-                        </a:spcAft>
-                        <a:buClr>
-                          <a:srgbClr val="000000"/>
-                        </a:buClr>
-                        <a:buSzPts val="1000"/>
-                        <a:buFont typeface="Arial"/>
-                        <a:buNone/>
-                      </a:pPr>
-                      <a:r>
-                        <a:rPr lang="en" sz="1000"/>
+                      <a:pPr indent="0" lvl="0" marL="0" marR="0" rtl="0" algn="l">
+                        <a:lnSpc>
+                          <a:spcPct val="100000"/>
+                        </a:lnSpc>
+                        <a:spcBef>
+                          <a:spcPts val="0"/>
+                        </a:spcBef>
+                        <a:spcAft>
+                          <a:spcPts val="0"/>
+                        </a:spcAft>
+                        <a:buClr>
+                          <a:srgbClr val="000000"/>
+                        </a:buClr>
+                        <a:buSzPts val="1000"/>
+                        <a:buFont typeface="Arial"/>
+                        <a:buNone/>
+                      </a:pPr>
+                      <a:r>
+                        <a:rPr lang="en" sz="1000" u="none" cap="none" strike="noStrike"/>
                         <a:t>Fluxo Alternativo (Continuação)</a:t>
                       </a:r>
                       <a:endParaRPr sz="1000" u="none" cap="none" strike="noStrike"/>
@@ -23686,88 +23442,100 @@
                     <a:bodyPr/>
                     <a:lstStyle/>
                     <a:p>
-                      <a:pPr indent="0" lvl="0" marL="0" rtl="0" algn="just">
-                        <a:spcBef>
-                          <a:spcPts val="0"/>
-                        </a:spcBef>
-                        <a:spcAft>
-                          <a:spcPts val="0"/>
-                        </a:spcAft>
-                        <a:buClr>
-                          <a:srgbClr val="000000"/>
-                        </a:buClr>
-                        <a:buSzPts val="1000"/>
-                        <a:buFont typeface="Arial"/>
-                        <a:buNone/>
-                      </a:pPr>
-                      <a:r>
-                        <a:rPr lang="en" sz="1000"/>
+                      <a:pPr indent="0" lvl="0" marL="0" marR="0" rtl="0" algn="just">
+                        <a:lnSpc>
+                          <a:spcPct val="100000"/>
+                        </a:lnSpc>
+                        <a:spcBef>
+                          <a:spcPts val="0"/>
+                        </a:spcBef>
+                        <a:spcAft>
+                          <a:spcPts val="0"/>
+                        </a:spcAft>
+                        <a:buClr>
+                          <a:srgbClr val="000000"/>
+                        </a:buClr>
+                        <a:buSzPts val="1000"/>
+                        <a:buFont typeface="Arial"/>
+                        <a:buNone/>
+                      </a:pPr>
+                      <a:r>
+                        <a:rPr lang="en" sz="1000" u="none" cap="none" strike="noStrike"/>
                         <a:t>[X] Falha no processamento de solicitação</a:t>
                       </a:r>
-                      <a:endParaRPr sz="1000"/>
-                    </a:p>
-                    <a:p>
-                      <a:pPr indent="0" lvl="0" marL="0" rtl="0" algn="just">
-                        <a:spcBef>
-                          <a:spcPts val="0"/>
-                        </a:spcBef>
-                        <a:spcAft>
-                          <a:spcPts val="0"/>
-                        </a:spcAft>
-                        <a:buClr>
-                          <a:srgbClr val="000000"/>
-                        </a:buClr>
-                        <a:buSzPts val="1000"/>
-                        <a:buFont typeface="Arial"/>
-                        <a:buNone/>
-                      </a:pPr>
-                      <a:r>
-                        <a:rPr lang="en" sz="1000"/>
+                      <a:endParaRPr sz="1000" u="none" cap="none" strike="noStrike"/>
+                    </a:p>
+                    <a:p>
+                      <a:pPr indent="0" lvl="0" marL="0" marR="0" rtl="0" algn="just">
+                        <a:lnSpc>
+                          <a:spcPct val="100000"/>
+                        </a:lnSpc>
+                        <a:spcBef>
+                          <a:spcPts val="0"/>
+                        </a:spcBef>
+                        <a:spcAft>
+                          <a:spcPts val="0"/>
+                        </a:spcAft>
+                        <a:buClr>
+                          <a:srgbClr val="000000"/>
+                        </a:buClr>
+                        <a:buSzPts val="1000"/>
+                        <a:buFont typeface="Arial"/>
+                        <a:buNone/>
+                      </a:pPr>
+                      <a:r>
+                        <a:rPr lang="en" sz="1000" u="none" cap="none" strike="noStrike"/>
                         <a:t>1 O sistema informa que ocorreu uma falha no processamento da solicitação.</a:t>
                       </a:r>
-                      <a:endParaRPr sz="1000"/>
-                    </a:p>
-                    <a:p>
-                      <a:pPr indent="0" lvl="0" marL="0" rtl="0" algn="just">
-                        <a:spcBef>
-                          <a:spcPts val="0"/>
-                        </a:spcBef>
-                        <a:spcAft>
-                          <a:spcPts val="0"/>
-                        </a:spcAft>
-                        <a:buClr>
-                          <a:srgbClr val="000000"/>
-                        </a:buClr>
-                        <a:buSzPts val="1000"/>
-                        <a:buFont typeface="Arial"/>
-                        <a:buNone/>
-                      </a:pPr>
-                      <a:r>
-                        <a:rPr lang="en" sz="1000"/>
+                      <a:endParaRPr sz="1000" u="none" cap="none" strike="noStrike"/>
+                    </a:p>
+                    <a:p>
+                      <a:pPr indent="0" lvl="0" marL="0" marR="0" rtl="0" algn="just">
+                        <a:lnSpc>
+                          <a:spcPct val="100000"/>
+                        </a:lnSpc>
+                        <a:spcBef>
+                          <a:spcPts val="0"/>
+                        </a:spcBef>
+                        <a:spcAft>
+                          <a:spcPts val="0"/>
+                        </a:spcAft>
+                        <a:buClr>
+                          <a:srgbClr val="000000"/>
+                        </a:buClr>
+                        <a:buSzPts val="1000"/>
+                        <a:buFont typeface="Arial"/>
+                        <a:buNone/>
+                      </a:pPr>
+                      <a:r>
+                        <a:rPr lang="en" sz="1000" u="none" cap="none" strike="noStrike"/>
                         <a:t>2 O sistema gera um relatório de falha.</a:t>
                       </a:r>
-                      <a:endParaRPr sz="1000"/>
-                    </a:p>
-                    <a:p>
-                      <a:pPr indent="0" lvl="0" marL="0" rtl="0" algn="just">
-                        <a:spcBef>
-                          <a:spcPts val="0"/>
-                        </a:spcBef>
-                        <a:spcAft>
-                          <a:spcPts val="0"/>
-                        </a:spcAft>
-                        <a:buClr>
-                          <a:srgbClr val="000000"/>
-                        </a:buClr>
-                        <a:buSzPts val="1000"/>
-                        <a:buFont typeface="Arial"/>
-                        <a:buNone/>
-                      </a:pPr>
-                      <a:r>
-                        <a:rPr lang="en" sz="1000"/>
+                      <a:endParaRPr sz="1000" u="none" cap="none" strike="noStrike"/>
+                    </a:p>
+                    <a:p>
+                      <a:pPr indent="0" lvl="0" marL="0" marR="0" rtl="0" algn="just">
+                        <a:lnSpc>
+                          <a:spcPct val="100000"/>
+                        </a:lnSpc>
+                        <a:spcBef>
+                          <a:spcPts val="0"/>
+                        </a:spcBef>
+                        <a:spcAft>
+                          <a:spcPts val="0"/>
+                        </a:spcAft>
+                        <a:buClr>
+                          <a:srgbClr val="000000"/>
+                        </a:buClr>
+                        <a:buSzPts val="1000"/>
+                        <a:buFont typeface="Arial"/>
+                        <a:buNone/>
+                      </a:pPr>
+                      <a:r>
+                        <a:rPr lang="en" sz="1000" u="none" cap="none" strike="noStrike"/>
                         <a:t>3 Retorna ao Passo 13 do Fluxo Principal.</a:t>
                       </a:r>
-                      <a:endParaRPr sz="1000"/>
+                      <a:endParaRPr sz="1000" u="none" cap="none" strike="noStrike"/>
                     </a:p>
                   </a:txBody>
                   <a:tcPr marT="91425" marB="91425" marR="91425" marL="91425">
@@ -23884,22 +23652,25 @@
                     <a:bodyPr/>
                     <a:lstStyle/>
                     <a:p>
-                      <a:pPr indent="0" lvl="0" marL="0" rtl="0" algn="just">
-                        <a:spcBef>
-                          <a:spcPts val="0"/>
-                        </a:spcBef>
-                        <a:spcAft>
-                          <a:spcPts val="0"/>
-                        </a:spcAft>
-                        <a:buClr>
-                          <a:srgbClr val="000000"/>
-                        </a:buClr>
-                        <a:buSzPts val="1000"/>
-                        <a:buFont typeface="Arial"/>
-                        <a:buNone/>
-                      </a:pPr>
-                      <a:r>
-                        <a:rPr lang="en" sz="1000"/>
+                      <a:pPr indent="0" lvl="0" marL="0" marR="0" rtl="0" algn="just">
+                        <a:lnSpc>
+                          <a:spcPct val="100000"/>
+                        </a:lnSpc>
+                        <a:spcBef>
+                          <a:spcPts val="0"/>
+                        </a:spcBef>
+                        <a:spcAft>
+                          <a:spcPts val="0"/>
+                        </a:spcAft>
+                        <a:buClr>
+                          <a:srgbClr val="000000"/>
+                        </a:buClr>
+                        <a:buSzPts val="1000"/>
+                        <a:buFont typeface="Arial"/>
+                        <a:buNone/>
+                      </a:pPr>
+                      <a:r>
+                        <a:rPr lang="en" sz="1000" u="none" cap="none" strike="noStrike"/>
                         <a:t>Produtos no carrinho adicionados, atualizados ou removidos</a:t>
                       </a:r>
                       <a:endParaRPr sz="1400" u="none" cap="none" strike="noStrike"/>
@@ -24319,27 +24090,7 @@
                 <a:cs typeface="Arial"/>
                 <a:sym typeface="Arial"/>
               </a:rPr>
-              <a:t>UC</a:t>
-            </a:r>
-            <a:r>
-              <a:rPr b="1" lang="en" sz="1500">
-                <a:solidFill>
-                  <a:schemeClr val="lt1"/>
-                </a:solidFill>
-              </a:rPr>
-              <a:t>7</a:t>
-            </a:r>
-            <a:r>
-              <a:rPr b="1" i="0" lang="en" sz="1500" u="none" cap="none" strike="noStrike">
-                <a:solidFill>
-                  <a:schemeClr val="lt1"/>
-                </a:solidFill>
-                <a:latin typeface="Arial"/>
-                <a:ea typeface="Arial"/>
-                <a:cs typeface="Arial"/>
-                <a:sym typeface="Arial"/>
-              </a:rPr>
-              <a:t> - Verifica prescrições</a:t>
+              <a:t>UC7 - Verifica prescrições</a:t>
             </a:r>
             <a:endParaRPr b="0" i="0" sz="2400" u="none" cap="none" strike="noStrike">
               <a:solidFill>
@@ -24368,7 +24119,7 @@
             <a:tbl>
               <a:tblPr>
                 <a:noFill/>
-                <a:tableStyleId>{7D4AA617-D0C9-4B9B-8E69-A3A8BF51B549}</a:tableStyleId>
+                <a:tableStyleId>{7EE1F5A3-994B-4E0D-A819-5A43270F4B43}</a:tableStyleId>
               </a:tblPr>
               <a:tblGrid>
                 <a:gridCol w="3869775"/>
@@ -24802,23 +24553,7 @@
                       </a:pPr>
                       <a:r>
                         <a:rPr lang="en" sz="1000" u="none" cap="none" strike="noStrike"/>
-                        <a:t>3. O </a:t>
-                      </a:r>
-                      <a:r>
-                        <a:rPr lang="en" sz="1000"/>
-                        <a:t>Sistema </a:t>
-                      </a:r>
-                      <a:r>
-                        <a:rPr lang="en" sz="1000" u="none" cap="none" strike="noStrike"/>
-                        <a:t>cadastr</a:t>
-                      </a:r>
-                      <a:r>
-                        <a:rPr lang="en" sz="1000"/>
-                        <a:t>a</a:t>
-                      </a:r>
-                      <a:r>
-                        <a:rPr lang="en" sz="1000" u="none" cap="none" strike="noStrike"/>
-                        <a:t> as novas informações na base de dados.</a:t>
+                        <a:t>3. O Sistema cadastra as novas informações na base de dados.</a:t>
                       </a:r>
                       <a:endParaRPr sz="1000" u="none" cap="none" strike="noStrike"/>
                     </a:p>
@@ -24918,7 +24653,7 @@
             <a:tbl>
               <a:tblPr>
                 <a:noFill/>
-                <a:tableStyleId>{7D4AA617-D0C9-4B9B-8E69-A3A8BF51B549}</a:tableStyleId>
+                <a:tableStyleId>{7EE1F5A3-994B-4E0D-A819-5A43270F4B43}</a:tableStyleId>
               </a:tblPr>
               <a:tblGrid>
                 <a:gridCol w="3619500"/>
@@ -25636,27 +25371,7 @@
                 <a:cs typeface="Arial"/>
                 <a:sym typeface="Arial"/>
               </a:rPr>
-              <a:t>UC</a:t>
-            </a:r>
-            <a:r>
-              <a:rPr b="1" lang="en" sz="1500">
-                <a:solidFill>
-                  <a:schemeClr val="lt1"/>
-                </a:solidFill>
-              </a:rPr>
-              <a:t>8</a:t>
-            </a:r>
-            <a:r>
-              <a:rPr b="1" i="0" lang="en" sz="1500" u="none" cap="none" strike="noStrike">
-                <a:solidFill>
-                  <a:schemeClr val="lt1"/>
-                </a:solidFill>
-                <a:latin typeface="Arial"/>
-                <a:ea typeface="Arial"/>
-                <a:cs typeface="Arial"/>
-                <a:sym typeface="Arial"/>
-              </a:rPr>
-              <a:t> - Acessar histórico de pedidos</a:t>
+              <a:t>UC8 - Acessar histórico de pedidos</a:t>
             </a:r>
             <a:endParaRPr b="0" i="0" sz="3400" u="none" cap="none" strike="noStrike">
               <a:solidFill>
@@ -25685,7 +25400,7 @@
             <a:tbl>
               <a:tblPr>
                 <a:noFill/>
-                <a:tableStyleId>{7D4AA617-D0C9-4B9B-8E69-A3A8BF51B549}</a:tableStyleId>
+                <a:tableStyleId>{7EE1F5A3-994B-4E0D-A819-5A43270F4B43}</a:tableStyleId>
               </a:tblPr>
               <a:tblGrid>
                 <a:gridCol w="3979525"/>
@@ -26143,15 +25858,7 @@
                       </a:pPr>
                       <a:r>
                         <a:rPr lang="en" sz="1000" u="none" cap="none" strike="noStrike"/>
-                        <a:t>4.</a:t>
-                      </a:r>
-                      <a:r>
-                        <a:rPr lang="en" sz="1000"/>
-                        <a:t> </a:t>
-                      </a:r>
-                      <a:r>
-                        <a:rPr lang="en" sz="1000" u="none" cap="none" strike="noStrike"/>
-                        <a:t>Sistema exibe informações do pedido: lista de produtos, data do pedido, status do pedido, endereço de entrega, forma de pagamento utilizada, data de entrega.</a:t>
+                        <a:t>4. Sistema exibe informações do pedido: lista de produtos, data do pedido, status do pedido, endereço de entrega, forma de pagamento utilizada, data de entrega.</a:t>
                       </a:r>
                       <a:endParaRPr sz="1400" u="none" cap="none" strike="noStrike"/>
                     </a:p>
@@ -26587,27 +26294,7 @@
                 <a:cs typeface="Arial"/>
                 <a:sym typeface="Arial"/>
               </a:rPr>
-              <a:t>UC</a:t>
-            </a:r>
-            <a:r>
-              <a:rPr b="1" lang="en" sz="1500">
-                <a:solidFill>
-                  <a:schemeClr val="lt1"/>
-                </a:solidFill>
-              </a:rPr>
-              <a:t>9</a:t>
-            </a:r>
-            <a:r>
-              <a:rPr b="1" i="0" lang="en" sz="1500" u="none" cap="none" strike="noStrike">
-                <a:solidFill>
-                  <a:schemeClr val="lt1"/>
-                </a:solidFill>
-                <a:latin typeface="Arial"/>
-                <a:ea typeface="Arial"/>
-                <a:cs typeface="Arial"/>
-                <a:sym typeface="Arial"/>
-              </a:rPr>
-              <a:t> - Solicitar cancelamento</a:t>
+              <a:t>UC9 - Solicitar cancelamento</a:t>
             </a:r>
             <a:endParaRPr b="0" i="0" sz="2900" u="none" cap="none" strike="noStrike">
               <a:solidFill>
@@ -26636,7 +26323,7 @@
             <a:tbl>
               <a:tblPr>
                 <a:noFill/>
-                <a:tableStyleId>{7D4AA617-D0C9-4B9B-8E69-A3A8BF51B549}</a:tableStyleId>
+                <a:tableStyleId>{7EE1F5A3-994B-4E0D-A819-5A43270F4B43}</a:tableStyleId>
               </a:tblPr>
               <a:tblGrid>
                 <a:gridCol w="3979525"/>
@@ -27290,7 +26977,7 @@
             <a:tbl>
               <a:tblPr>
                 <a:noFill/>
-                <a:tableStyleId>{7D4AA617-D0C9-4B9B-8E69-A3A8BF51B549}</a:tableStyleId>
+                <a:tableStyleId>{7EE1F5A3-994B-4E0D-A819-5A43270F4B43}</a:tableStyleId>
               </a:tblPr>
               <a:tblGrid>
                 <a:gridCol w="3619500"/>
@@ -28089,27 +27776,7 @@
                 <a:cs typeface="Arial"/>
                 <a:sym typeface="Arial"/>
               </a:rPr>
-              <a:t>UC1</a:t>
-            </a:r>
-            <a:r>
-              <a:rPr b="1" lang="en" sz="1500">
-                <a:solidFill>
-                  <a:schemeClr val="lt1"/>
-                </a:solidFill>
-              </a:rPr>
-              <a:t>0</a:t>
-            </a:r>
-            <a:r>
-              <a:rPr b="1" i="0" lang="en" sz="1500" u="none" cap="none" strike="noStrike">
-                <a:solidFill>
-                  <a:schemeClr val="lt1"/>
-                </a:solidFill>
-                <a:latin typeface="Arial"/>
-                <a:ea typeface="Arial"/>
-                <a:cs typeface="Arial"/>
-                <a:sym typeface="Arial"/>
-              </a:rPr>
-              <a:t> - Atualizar status do pedido</a:t>
+              <a:t>UC10 - Atualizar status do pedido</a:t>
             </a:r>
             <a:endParaRPr b="0" i="0" sz="2900" u="none" cap="none" strike="noStrike">
               <a:solidFill>
@@ -28138,7 +27805,7 @@
             <a:tbl>
               <a:tblPr>
                 <a:noFill/>
-                <a:tableStyleId>{7D4AA617-D0C9-4B9B-8E69-A3A8BF51B549}</a:tableStyleId>
+                <a:tableStyleId>{7EE1F5A3-994B-4E0D-A819-5A43270F4B43}</a:tableStyleId>
               </a:tblPr>
               <a:tblGrid>
                 <a:gridCol w="3952100"/>
@@ -28620,15 +28287,7 @@
                       </a:pPr>
                       <a:r>
                         <a:rPr lang="en" sz="1000" u="none" cap="none" strike="noStrike"/>
-                        <a:t>5. </a:t>
-                      </a:r>
-                      <a:r>
-                        <a:rPr lang="en" sz="1000"/>
-                        <a:t>É</a:t>
-                      </a:r>
-                      <a:r>
-                        <a:rPr lang="en" sz="1000" u="none" cap="none" strike="noStrike"/>
-                        <a:t> realizado o caso de uso de separar produto</a:t>
+                        <a:t>5. É realizado o caso de uso de separar produto</a:t>
                       </a:r>
                       <a:endParaRPr sz="1000" u="none" cap="none" strike="noStrike"/>
                     </a:p>
@@ -28872,7 +28531,7 @@
             <a:tbl>
               <a:tblPr>
                 <a:noFill/>
-                <a:tableStyleId>{7D4AA617-D0C9-4B9B-8E69-A3A8BF51B549}</a:tableStyleId>
+                <a:tableStyleId>{7EE1F5A3-994B-4E0D-A819-5A43270F4B43}</a:tableStyleId>
               </a:tblPr>
               <a:tblGrid>
                 <a:gridCol w="3619500"/>
@@ -29722,7 +29381,10 @@
               <a:buNone/>
             </a:pPr>
             <a:r>
-              <a:rPr lang="en" sz="1200">
+              <a:rPr b="0" i="0" lang="en" sz="1200" u="none" cap="none" strike="noStrike">
+                <a:solidFill>
+                  <a:srgbClr val="000000"/>
+                </a:solidFill>
                 <a:latin typeface="Source Sans Pro"/>
                 <a:ea typeface="Source Sans Pro"/>
                 <a:cs typeface="Source Sans Pro"/>
@@ -30005,27 +29667,7 @@
                 <a:cs typeface="Arial"/>
                 <a:sym typeface="Arial"/>
               </a:rPr>
-              <a:t>UC1</a:t>
-            </a:r>
-            <a:r>
-              <a:rPr b="1" lang="en" sz="1500">
-                <a:solidFill>
-                  <a:schemeClr val="lt1"/>
-                </a:solidFill>
-              </a:rPr>
-              <a:t>1</a:t>
-            </a:r>
-            <a:r>
-              <a:rPr b="1" i="0" lang="en" sz="1500" u="none" cap="none" strike="noStrike">
-                <a:solidFill>
-                  <a:schemeClr val="lt1"/>
-                </a:solidFill>
-                <a:latin typeface="Arial"/>
-                <a:ea typeface="Arial"/>
-                <a:cs typeface="Arial"/>
-                <a:sym typeface="Arial"/>
-              </a:rPr>
-              <a:t> - Cancelar Pedido</a:t>
+              <a:t>UC11 - Cancelar Pedido</a:t>
             </a:r>
             <a:endParaRPr b="0" i="0" sz="2900" u="none" cap="none" strike="noStrike">
               <a:solidFill>
@@ -30054,7 +29696,7 @@
             <a:tbl>
               <a:tblPr>
                 <a:noFill/>
-                <a:tableStyleId>{7D4AA617-D0C9-4B9B-8E69-A3A8BF51B549}</a:tableStyleId>
+                <a:tableStyleId>{7EE1F5A3-994B-4E0D-A819-5A43270F4B43}</a:tableStyleId>
               </a:tblPr>
               <a:tblGrid>
                 <a:gridCol w="4006950"/>
@@ -30184,15 +29826,7 @@
                       </a:pPr>
                       <a:r>
                         <a:rPr lang="en" sz="1000" u="none" cap="none" strike="noStrike"/>
-                        <a:t>Funcionário pode visualizar a lista de pedidos e </a:t>
-                      </a:r>
-                      <a:r>
-                        <a:rPr lang="en" sz="1000"/>
-                        <a:t>cancelar</a:t>
-                      </a:r>
-                      <a:r>
-                        <a:rPr lang="en" sz="1000" u="none" cap="none" strike="noStrike"/>
-                        <a:t> pedidos pelo código de ordem</a:t>
+                        <a:t>Funcionário pode visualizar a lista de pedidos e cancelar pedidos pelo código de ordem</a:t>
                       </a:r>
                       <a:endParaRPr sz="1400" u="none" cap="none" strike="noStrike"/>
                     </a:p>
@@ -30711,42 +30345,34 @@
                         <a:buNone/>
                       </a:pPr>
                       <a:r>
-                        <a:rPr lang="en" sz="1000"/>
+                        <a:rPr lang="en" sz="1000" u="none" cap="none" strike="noStrike"/>
                         <a:t>12. O sistema incrementa a quantidade do estoque referente aos produtos do pedido cancelado </a:t>
                       </a:r>
-                      <a:endParaRPr sz="1000"/>
-                    </a:p>
-                    <a:p>
-                      <a:pPr indent="0" lvl="0" marL="0" marR="0" rtl="0" algn="just">
-                        <a:lnSpc>
-                          <a:spcPct val="100000"/>
-                        </a:lnSpc>
-                        <a:spcBef>
-                          <a:spcPts val="0"/>
-                        </a:spcBef>
-                        <a:spcAft>
-                          <a:spcPts val="0"/>
-                        </a:spcAft>
-                        <a:buClr>
-                          <a:srgbClr val="000000"/>
-                        </a:buClr>
-                        <a:buSzPts val="1000"/>
-                        <a:buFont typeface="Arial"/>
-                        <a:buNone/>
-                      </a:pPr>
-                      <a:r>
-                        <a:rPr lang="en" sz="1000" u="none" cap="none" strike="noStrike"/>
-                        <a:t>1</a:t>
-                      </a:r>
-                      <a:r>
-                        <a:rPr lang="en" sz="1000"/>
-                        <a:t>3</a:t>
-                      </a:r>
-                      <a:r>
-                        <a:rPr lang="en" sz="1000" u="none" cap="none" strike="noStrike"/>
-                        <a:t>. O sistema gera relatório de atualização</a:t>
-                      </a:r>
-                      <a:endParaRPr sz="1000"/>
+                      <a:endParaRPr sz="1000" u="none" cap="none" strike="noStrike"/>
+                    </a:p>
+                    <a:p>
+                      <a:pPr indent="0" lvl="0" marL="0" marR="0" rtl="0" algn="just">
+                        <a:lnSpc>
+                          <a:spcPct val="100000"/>
+                        </a:lnSpc>
+                        <a:spcBef>
+                          <a:spcPts val="0"/>
+                        </a:spcBef>
+                        <a:spcAft>
+                          <a:spcPts val="0"/>
+                        </a:spcAft>
+                        <a:buClr>
+                          <a:srgbClr val="000000"/>
+                        </a:buClr>
+                        <a:buSzPts val="1000"/>
+                        <a:buFont typeface="Arial"/>
+                        <a:buNone/>
+                      </a:pPr>
+                      <a:r>
+                        <a:rPr lang="en" sz="1000" u="none" cap="none" strike="noStrike"/>
+                        <a:t>13. O sistema gera relatório de atualização</a:t>
+                      </a:r>
+                      <a:endParaRPr sz="1000" u="none" cap="none" strike="noStrike"/>
                     </a:p>
                   </a:txBody>
                   <a:tcPr marT="91425" marB="91425" marR="91425" marL="91425"/>
@@ -30796,7 +30422,7 @@
             <a:tbl>
               <a:tblPr>
                 <a:noFill/>
-                <a:tableStyleId>{7D4AA617-D0C9-4B9B-8E69-A3A8BF51B549}</a:tableStyleId>
+                <a:tableStyleId>{7EE1F5A3-994B-4E0D-A819-5A43270F4B43}</a:tableStyleId>
               </a:tblPr>
               <a:tblGrid>
                 <a:gridCol w="3619500"/>
@@ -31176,15 +30802,7 @@
                       </a:pPr>
                       <a:r>
                         <a:rPr lang="en" sz="1000" u="none" cap="none" strike="noStrike"/>
-                        <a:t>O pedido deve ser cancelado, o valor cobrado deve ser restitu</a:t>
-                      </a:r>
-                      <a:r>
-                        <a:rPr lang="en" sz="1000"/>
-                        <a:t>í</a:t>
-                      </a:r>
-                      <a:r>
-                        <a:rPr lang="en" sz="1000" u="none" cap="none" strike="noStrike"/>
-                        <a:t>do, qualquer modificação nos estoques deve ser revertida e a nota fiscal gerada deve ser invalidada</a:t>
+                        <a:t>O pedido deve ser cancelado, o valor cobrado deve ser restituído, qualquer modificação nos estoques deve ser revertida e a nota fiscal gerada deve ser invalidada</a:t>
                       </a:r>
                       <a:endParaRPr sz="1400" u="none" cap="none" strike="noStrike"/>
                     </a:p>
@@ -31603,27 +31221,7 @@
                 <a:cs typeface="Arial"/>
                 <a:sym typeface="Arial"/>
               </a:rPr>
-              <a:t>UC1</a:t>
-            </a:r>
-            <a:r>
-              <a:rPr b="1" lang="en" sz="1500">
-                <a:solidFill>
-                  <a:schemeClr val="lt1"/>
-                </a:solidFill>
-              </a:rPr>
-              <a:t>2</a:t>
-            </a:r>
-            <a:r>
-              <a:rPr b="1" i="0" lang="en" sz="1500" u="none" cap="none" strike="noStrike">
-                <a:solidFill>
-                  <a:schemeClr val="lt1"/>
-                </a:solidFill>
-                <a:latin typeface="Arial"/>
-                <a:ea typeface="Arial"/>
-                <a:cs typeface="Arial"/>
-                <a:sym typeface="Arial"/>
-              </a:rPr>
-              <a:t> - Mantém produto</a:t>
+              <a:t>UC12 - Mantém produto</a:t>
             </a:r>
             <a:endParaRPr b="0" i="0" sz="2000" u="none" cap="none" strike="noStrike">
               <a:solidFill>
@@ -31655,7 +31253,7 @@
             <a:tbl>
               <a:tblPr>
                 <a:noFill/>
-                <a:tableStyleId>{7D4AA617-D0C9-4B9B-8E69-A3A8BF51B549}</a:tableStyleId>
+                <a:tableStyleId>{7EE1F5A3-994B-4E0D-A819-5A43270F4B43}</a:tableStyleId>
               </a:tblPr>
               <a:tblGrid>
                 <a:gridCol w="3760075"/>
@@ -31848,7 +31446,7 @@
                         <a:buNone/>
                       </a:pPr>
                       <a:r>
-                        <a:rPr lang="en" sz="1000"/>
+                        <a:rPr lang="en" sz="1000" u="none" cap="none" strike="noStrike"/>
                         <a:t>Funcionário logado</a:t>
                       </a:r>
                       <a:endParaRPr sz="1400" u="none" cap="none" strike="noStrike"/>
@@ -32160,92 +31758,80 @@
                         <a:buNone/>
                       </a:pPr>
                       <a:r>
-                        <a:rPr lang="en" sz="1000"/>
+                        <a:rPr lang="en" sz="1000" u="none" cap="none" strike="noStrike"/>
                         <a:t>6. O sistema pede confirmação dos dados inseridos.</a:t>
                       </a:r>
-                      <a:endParaRPr sz="1000"/>
-                    </a:p>
-                    <a:p>
-                      <a:pPr indent="0" lvl="0" marL="0" marR="0" rtl="0" algn="just">
-                        <a:lnSpc>
-                          <a:spcPct val="100000"/>
-                        </a:lnSpc>
-                        <a:spcBef>
-                          <a:spcPts val="0"/>
-                        </a:spcBef>
-                        <a:spcAft>
-                          <a:spcPts val="0"/>
-                        </a:spcAft>
-                        <a:buClr>
-                          <a:srgbClr val="000000"/>
-                        </a:buClr>
-                        <a:buSzPts val="1000"/>
-                        <a:buFont typeface="Arial"/>
-                        <a:buNone/>
-                      </a:pPr>
-                      <a:r>
-                        <a:rPr lang="en" sz="1000"/>
-                        <a:t>7</a:t>
-                      </a:r>
-                      <a:r>
-                        <a:rPr lang="en" sz="1000" u="none" cap="none" strike="noStrike"/>
-                        <a:t>. O Funcionário confirma o cadastro  das novas informações na base de dados do sistema</a:t>
-                      </a:r>
-                      <a:endParaRPr sz="1000" u="none" cap="none" strike="noStrike"/>
-                    </a:p>
-                    <a:p>
-                      <a:pPr indent="0" lvl="0" marL="0" marR="0" rtl="0" algn="just">
-                        <a:lnSpc>
-                          <a:spcPct val="100000"/>
-                        </a:lnSpc>
-                        <a:spcBef>
-                          <a:spcPts val="0"/>
-                        </a:spcBef>
-                        <a:spcAft>
-                          <a:spcPts val="0"/>
-                        </a:spcAft>
-                        <a:buClr>
-                          <a:srgbClr val="000000"/>
-                        </a:buClr>
-                        <a:buSzPts val="1000"/>
-                        <a:buFont typeface="Arial"/>
-                        <a:buNone/>
-                      </a:pPr>
-                      <a:r>
-                        <a:rPr lang="en" sz="1000"/>
-                        <a:t>8</a:t>
-                      </a:r>
-                      <a:r>
-                        <a:rPr lang="en" sz="1000" u="none" cap="none" strike="noStrike"/>
-                        <a:t>. O sistema gera um código de confirmação do processamento [X]</a:t>
-                      </a:r>
-                      <a:endParaRPr sz="1000" u="none" cap="none" strike="noStrike"/>
-                    </a:p>
-                    <a:p>
-                      <a:pPr indent="0" lvl="0" marL="0" marR="0" rtl="0" algn="just">
-                        <a:lnSpc>
-                          <a:spcPct val="100000"/>
-                        </a:lnSpc>
-                        <a:spcBef>
-                          <a:spcPts val="0"/>
-                        </a:spcBef>
-                        <a:spcAft>
-                          <a:spcPts val="0"/>
-                        </a:spcAft>
-                        <a:buClr>
-                          <a:srgbClr val="000000"/>
-                        </a:buClr>
-                        <a:buSzPts val="1000"/>
-                        <a:buFont typeface="Arial"/>
-                        <a:buNone/>
-                      </a:pPr>
-                      <a:r>
-                        <a:rPr lang="en" sz="1000"/>
-                        <a:t>9</a:t>
-                      </a:r>
-                      <a:r>
-                        <a:rPr lang="en" sz="1000" u="none" cap="none" strike="noStrike"/>
-                        <a:t>. O sistema gera um relatório de atualizações</a:t>
+                      <a:endParaRPr sz="1000" u="none" cap="none" strike="noStrike"/>
+                    </a:p>
+                    <a:p>
+                      <a:pPr indent="0" lvl="0" marL="0" marR="0" rtl="0" algn="just">
+                        <a:lnSpc>
+                          <a:spcPct val="100000"/>
+                        </a:lnSpc>
+                        <a:spcBef>
+                          <a:spcPts val="0"/>
+                        </a:spcBef>
+                        <a:spcAft>
+                          <a:spcPts val="0"/>
+                        </a:spcAft>
+                        <a:buClr>
+                          <a:srgbClr val="000000"/>
+                        </a:buClr>
+                        <a:buSzPts val="1000"/>
+                        <a:buFont typeface="Arial"/>
+                        <a:buNone/>
+                      </a:pPr>
+                      <a:r>
+                        <a:rPr lang="en" sz="1000" u="none" cap="none" strike="noStrike"/>
+                        <a:t>7. O Funcionário confirma o cadastro  das novas informações na base de dados do sistema</a:t>
+                      </a:r>
+                      <a:endParaRPr sz="1000" u="none" cap="none" strike="noStrike"/>
+                    </a:p>
+                    <a:p>
+                      <a:pPr indent="0" lvl="0" marL="0" marR="0" rtl="0" algn="just">
+                        <a:lnSpc>
+                          <a:spcPct val="100000"/>
+                        </a:lnSpc>
+                        <a:spcBef>
+                          <a:spcPts val="0"/>
+                        </a:spcBef>
+                        <a:spcAft>
+                          <a:spcPts val="0"/>
+                        </a:spcAft>
+                        <a:buClr>
+                          <a:srgbClr val="000000"/>
+                        </a:buClr>
+                        <a:buSzPts val="1000"/>
+                        <a:buFont typeface="Arial"/>
+                        <a:buNone/>
+                      </a:pPr>
+                      <a:r>
+                        <a:rPr lang="en" sz="1000" u="none" cap="none" strike="noStrike"/>
+                        <a:t>8. O sistema gera um código de confirmação do processamento [X]</a:t>
+                      </a:r>
+                      <a:endParaRPr sz="1000" u="none" cap="none" strike="noStrike"/>
+                    </a:p>
+                    <a:p>
+                      <a:pPr indent="0" lvl="0" marL="0" marR="0" rtl="0" algn="just">
+                        <a:lnSpc>
+                          <a:spcPct val="100000"/>
+                        </a:lnSpc>
+                        <a:spcBef>
+                          <a:spcPts val="0"/>
+                        </a:spcBef>
+                        <a:spcAft>
+                          <a:spcPts val="0"/>
+                        </a:spcAft>
+                        <a:buClr>
+                          <a:srgbClr val="000000"/>
+                        </a:buClr>
+                        <a:buSzPts val="1000"/>
+                        <a:buFont typeface="Arial"/>
+                        <a:buNone/>
+                      </a:pPr>
+                      <a:r>
+                        <a:rPr lang="en" sz="1000" u="none" cap="none" strike="noStrike"/>
+                        <a:t>9. O sistema gera um relatório de atualizações</a:t>
                       </a:r>
                       <a:endParaRPr sz="1400" u="none" cap="none" strike="noStrike"/>
                     </a:p>
@@ -32297,7 +31883,7 @@
             <a:tbl>
               <a:tblPr>
                 <a:noFill/>
-                <a:tableStyleId>{7D4AA617-D0C9-4B9B-8E69-A3A8BF51B549}</a:tableStyleId>
+                <a:tableStyleId>{7EE1F5A3-994B-4E0D-A819-5A43270F4B43}</a:tableStyleId>
               </a:tblPr>
               <a:tblGrid>
                 <a:gridCol w="4126975"/>
@@ -32467,72 +32053,56 @@
                         <a:buNone/>
                       </a:pPr>
                       <a:r>
-                        <a:rPr lang="en" sz="1000"/>
+                        <a:rPr lang="en" sz="1000" u="none" cap="none" strike="noStrike"/>
                         <a:t>4.3 O sistema pede confirmação dos dados alterados.</a:t>
                       </a:r>
-                      <a:endParaRPr sz="1000"/>
-                    </a:p>
-                    <a:p>
-                      <a:pPr indent="0" lvl="0" marL="0" marR="0" rtl="0" algn="just">
-                        <a:lnSpc>
-                          <a:spcPct val="100000"/>
-                        </a:lnSpc>
-                        <a:spcBef>
-                          <a:spcPts val="0"/>
-                        </a:spcBef>
-                        <a:spcAft>
-                          <a:spcPts val="0"/>
-                        </a:spcAft>
-                        <a:buClr>
-                          <a:srgbClr val="000000"/>
-                        </a:buClr>
-                        <a:buSzPts val="1000"/>
-                        <a:buFont typeface="Arial"/>
-                        <a:buNone/>
-                      </a:pPr>
-                      <a:r>
-                        <a:rPr lang="en" sz="1000" u="none" cap="none" strike="noStrike"/>
-                        <a:t>4.</a:t>
-                      </a:r>
-                      <a:r>
-                        <a:rPr lang="en" sz="1000"/>
-                        <a:t>4</a:t>
-                      </a:r>
-                      <a:r>
-                        <a:rPr lang="en" sz="1000" u="none" cap="none" strike="noStrike"/>
-                        <a:t> O Funcionário confirma a alteração das informações do produto na base de dados do sistema. [X]</a:t>
-                      </a:r>
-                      <a:endParaRPr sz="1000" u="none" cap="none" strike="noStrike"/>
-                    </a:p>
-                    <a:p>
-                      <a:pPr indent="0" lvl="0" marL="0" marR="0" rtl="0" algn="just">
-                        <a:lnSpc>
-                          <a:spcPct val="100000"/>
-                        </a:lnSpc>
-                        <a:spcBef>
-                          <a:spcPts val="0"/>
-                        </a:spcBef>
-                        <a:spcAft>
-                          <a:spcPts val="0"/>
-                        </a:spcAft>
-                        <a:buClr>
-                          <a:srgbClr val="000000"/>
-                        </a:buClr>
-                        <a:buSzPts val="1000"/>
-                        <a:buFont typeface="Arial"/>
-                        <a:buNone/>
-                      </a:pPr>
-                      <a:r>
-                        <a:rPr lang="en" sz="1000" u="none" cap="none" strike="noStrike"/>
-                        <a:t>4.</a:t>
-                      </a:r>
-                      <a:r>
-                        <a:rPr lang="en" sz="1000"/>
-                        <a:t>5</a:t>
-                      </a:r>
-                      <a:r>
-                        <a:rPr lang="en" sz="1000" u="none" cap="none" strike="noStrike"/>
-                        <a:t> Retorne para o passo 8 do Fluxo Principal.</a:t>
+                      <a:endParaRPr sz="1000" u="none" cap="none" strike="noStrike"/>
+                    </a:p>
+                    <a:p>
+                      <a:pPr indent="0" lvl="0" marL="0" marR="0" rtl="0" algn="just">
+                        <a:lnSpc>
+                          <a:spcPct val="100000"/>
+                        </a:lnSpc>
+                        <a:spcBef>
+                          <a:spcPts val="0"/>
+                        </a:spcBef>
+                        <a:spcAft>
+                          <a:spcPts val="0"/>
+                        </a:spcAft>
+                        <a:buClr>
+                          <a:srgbClr val="000000"/>
+                        </a:buClr>
+                        <a:buSzPts val="1000"/>
+                        <a:buFont typeface="Arial"/>
+                        <a:buNone/>
+                      </a:pPr>
+                      <a:r>
+                        <a:rPr lang="en" sz="1000" u="none" cap="none" strike="noStrike"/>
+                        <a:t>4.4 O Funcionário confirma a alteração das informações do produto na base de dados do sistema. [X]</a:t>
+                      </a:r>
+                      <a:endParaRPr sz="1000" u="none" cap="none" strike="noStrike"/>
+                    </a:p>
+                    <a:p>
+                      <a:pPr indent="0" lvl="0" marL="0" marR="0" rtl="0" algn="just">
+                        <a:lnSpc>
+                          <a:spcPct val="100000"/>
+                        </a:lnSpc>
+                        <a:spcBef>
+                          <a:spcPts val="0"/>
+                        </a:spcBef>
+                        <a:spcAft>
+                          <a:spcPts val="0"/>
+                        </a:spcAft>
+                        <a:buClr>
+                          <a:srgbClr val="000000"/>
+                        </a:buClr>
+                        <a:buSzPts val="1000"/>
+                        <a:buFont typeface="Arial"/>
+                        <a:buNone/>
+                      </a:pPr>
+                      <a:r>
+                        <a:rPr lang="en" sz="1000" u="none" cap="none" strike="noStrike"/>
+                        <a:t>4.5 Retorne para o passo 8 do Fluxo Principal.</a:t>
                       </a:r>
                       <a:endParaRPr sz="1000" u="none" cap="none" strike="noStrike"/>
                     </a:p>
@@ -32745,104 +32315,80 @@
                         <a:buNone/>
                       </a:pPr>
                       <a:r>
-                        <a:rPr lang="en" sz="1000"/>
+                        <a:rPr lang="en" sz="1000" u="none" cap="none" strike="noStrike"/>
                         <a:t>4.2 O Sistema pede confirmação da remoçaõ do produto.</a:t>
                       </a:r>
-                      <a:endParaRPr b="1" sz="1000"/>
-                    </a:p>
-                    <a:p>
-                      <a:pPr indent="0" lvl="0" marL="0" marR="0" rtl="0" algn="just">
-                        <a:lnSpc>
-                          <a:spcPct val="100000"/>
-                        </a:lnSpc>
-                        <a:spcBef>
-                          <a:spcPts val="0"/>
-                        </a:spcBef>
-                        <a:spcAft>
-                          <a:spcPts val="0"/>
-                        </a:spcAft>
-                        <a:buClr>
-                          <a:srgbClr val="000000"/>
-                        </a:buClr>
-                        <a:buSzPts val="1000"/>
-                        <a:buFont typeface="Arial"/>
-                        <a:buNone/>
-                      </a:pPr>
-                      <a:r>
-                        <a:rPr lang="en" sz="1000" u="none" cap="none" strike="noStrike"/>
-                        <a:t>4.</a:t>
-                      </a:r>
-                      <a:r>
-                        <a:rPr lang="en" sz="1000"/>
-                        <a:t>3</a:t>
-                      </a:r>
-                      <a:r>
-                        <a:rPr lang="en" sz="1000" u="none" cap="none" strike="noStrike"/>
-                        <a:t> O Funcionário confirma a remoção das informações do produto na base de dados do sistema.</a:t>
-                      </a:r>
-                      <a:endParaRPr sz="1000" u="none" cap="none" strike="noStrike"/>
-                    </a:p>
-                    <a:p>
-                      <a:pPr indent="0" lvl="0" marL="0" marR="0" rtl="0" algn="just">
-                        <a:lnSpc>
-                          <a:spcPct val="100000"/>
-                        </a:lnSpc>
-                        <a:spcBef>
-                          <a:spcPts val="0"/>
-                        </a:spcBef>
-                        <a:spcAft>
-                          <a:spcPts val="0"/>
-                        </a:spcAft>
-                        <a:buClr>
-                          <a:srgbClr val="000000"/>
-                        </a:buClr>
-                        <a:buSzPts val="1000"/>
-                        <a:buFont typeface="Arial"/>
-                        <a:buNone/>
-                      </a:pPr>
-                      <a:r>
-                        <a:rPr lang="en" sz="1000" u="none" cap="none" strike="noStrike"/>
-                        <a:t>4.</a:t>
-                      </a:r>
-                      <a:r>
-                        <a:rPr lang="en" sz="1000"/>
-                        <a:t>4</a:t>
-                      </a:r>
-                      <a:r>
-                        <a:rPr lang="en" sz="1000" u="none" cap="none" strike="noStrike"/>
-                        <a:t> O sistema verifica as dependências de sistema relacionadas ao produto [X]</a:t>
-                      </a:r>
-                      <a:endParaRPr sz="1000" u="none" cap="none" strike="noStrike"/>
-                    </a:p>
-                    <a:p>
-                      <a:pPr indent="0" lvl="0" marL="0" marR="0" rtl="0" algn="just">
-                        <a:lnSpc>
-                          <a:spcPct val="100000"/>
-                        </a:lnSpc>
-                        <a:spcBef>
-                          <a:spcPts val="0"/>
-                        </a:spcBef>
-                        <a:spcAft>
-                          <a:spcPts val="0"/>
-                        </a:spcAft>
-                        <a:buClr>
-                          <a:srgbClr val="000000"/>
-                        </a:buClr>
-                        <a:buSzPts val="1000"/>
-                        <a:buFont typeface="Arial"/>
-                        <a:buNone/>
-                      </a:pPr>
-                      <a:r>
-                        <a:rPr lang="en" sz="1000" u="none" cap="none" strike="noStrike"/>
-                        <a:t>4.</a:t>
-                      </a:r>
-                      <a:r>
-                        <a:rPr lang="en" sz="1000"/>
-                        <a:t>5</a:t>
-                      </a:r>
-                      <a:r>
-                        <a:rPr lang="en" sz="1000" u="none" cap="none" strike="noStrike"/>
-                        <a:t> Retorne para o passo 8 do Fluxo Principal.</a:t>
+                      <a:endParaRPr b="1" sz="1000" u="none" cap="none" strike="noStrike"/>
+                    </a:p>
+                    <a:p>
+                      <a:pPr indent="0" lvl="0" marL="0" marR="0" rtl="0" algn="just">
+                        <a:lnSpc>
+                          <a:spcPct val="100000"/>
+                        </a:lnSpc>
+                        <a:spcBef>
+                          <a:spcPts val="0"/>
+                        </a:spcBef>
+                        <a:spcAft>
+                          <a:spcPts val="0"/>
+                        </a:spcAft>
+                        <a:buClr>
+                          <a:srgbClr val="000000"/>
+                        </a:buClr>
+                        <a:buSzPts val="1000"/>
+                        <a:buFont typeface="Arial"/>
+                        <a:buNone/>
+                      </a:pPr>
+                      <a:r>
+                        <a:rPr lang="en" sz="1000" u="none" cap="none" strike="noStrike"/>
+                        <a:t>4.3 O Funcionário confirma a remoção das informações do produto na base de dados do sistema.</a:t>
+                      </a:r>
+                      <a:endParaRPr sz="1000" u="none" cap="none" strike="noStrike"/>
+                    </a:p>
+                    <a:p>
+                      <a:pPr indent="0" lvl="0" marL="0" marR="0" rtl="0" algn="just">
+                        <a:lnSpc>
+                          <a:spcPct val="100000"/>
+                        </a:lnSpc>
+                        <a:spcBef>
+                          <a:spcPts val="0"/>
+                        </a:spcBef>
+                        <a:spcAft>
+                          <a:spcPts val="0"/>
+                        </a:spcAft>
+                        <a:buClr>
+                          <a:srgbClr val="000000"/>
+                        </a:buClr>
+                        <a:buSzPts val="1000"/>
+                        <a:buFont typeface="Arial"/>
+                        <a:buNone/>
+                      </a:pPr>
+                      <a:r>
+                        <a:rPr lang="en" sz="1000" u="none" cap="none" strike="noStrike"/>
+                        <a:t>4.4 O sistema verifica as dependências de sistema relacionadas ao produto [X]</a:t>
+                      </a:r>
+                      <a:endParaRPr sz="1000" u="none" cap="none" strike="noStrike"/>
+                    </a:p>
+                    <a:p>
+                      <a:pPr indent="0" lvl="0" marL="0" marR="0" rtl="0" algn="just">
+                        <a:lnSpc>
+                          <a:spcPct val="100000"/>
+                        </a:lnSpc>
+                        <a:spcBef>
+                          <a:spcPts val="0"/>
+                        </a:spcBef>
+                        <a:spcAft>
+                          <a:spcPts val="0"/>
+                        </a:spcAft>
+                        <a:buClr>
+                          <a:srgbClr val="000000"/>
+                        </a:buClr>
+                        <a:buSzPts val="1000"/>
+                        <a:buFont typeface="Arial"/>
+                        <a:buNone/>
+                      </a:pPr>
+                      <a:r>
+                        <a:rPr lang="en" sz="1000" u="none" cap="none" strike="noStrike"/>
+                        <a:t>4.5 Retorne para o passo 8 do Fluxo Principal.</a:t>
                       </a:r>
                       <a:endParaRPr sz="1000" u="none" cap="none" strike="noStrike"/>
                     </a:p>
@@ -33099,11 +32645,7 @@
                       </a:pPr>
                       <a:r>
                         <a:rPr lang="en" sz="1000" u="none" cap="none" strike="noStrike"/>
-                        <a:t>Produto cadastrad</a:t>
-                      </a:r>
-                      <a:r>
-                        <a:rPr lang="en" sz="1000"/>
-                        <a:t>o, atualizado ou removido</a:t>
+                        <a:t>Produto cadastrado, atualizado ou removido</a:t>
                       </a:r>
                       <a:endParaRPr sz="1400" u="none" cap="none" strike="noStrike"/>
                     </a:p>
@@ -33522,27 +33064,7 @@
                 <a:cs typeface="Arial"/>
                 <a:sym typeface="Arial"/>
               </a:rPr>
-              <a:t>UC1</a:t>
-            </a:r>
-            <a:r>
-              <a:rPr b="1" lang="en" sz="1500">
-                <a:solidFill>
-                  <a:schemeClr val="lt1"/>
-                </a:solidFill>
-              </a:rPr>
-              <a:t>3</a:t>
-            </a:r>
-            <a:r>
-              <a:rPr b="1" i="0" lang="en" sz="1500" u="none" cap="none" strike="noStrike">
-                <a:solidFill>
-                  <a:schemeClr val="lt1"/>
-                </a:solidFill>
-                <a:latin typeface="Arial"/>
-                <a:ea typeface="Arial"/>
-                <a:cs typeface="Arial"/>
-                <a:sym typeface="Arial"/>
-              </a:rPr>
-              <a:t> - Mantém estoque</a:t>
+              <a:t>UC13 - Mantém estoque</a:t>
             </a:r>
             <a:endParaRPr b="0" i="0" sz="2400" u="none" cap="none" strike="noStrike">
               <a:solidFill>
@@ -33571,7 +33093,7 @@
             <a:tbl>
               <a:tblPr>
                 <a:noFill/>
-                <a:tableStyleId>{7D4AA617-D0C9-4B9B-8E69-A3A8BF51B549}</a:tableStyleId>
+                <a:tableStyleId>{7EE1F5A3-994B-4E0D-A819-5A43270F4B43}</a:tableStyleId>
               </a:tblPr>
               <a:tblGrid>
                 <a:gridCol w="3760075"/>
@@ -33764,7 +33286,7 @@
                         <a:buNone/>
                       </a:pPr>
                       <a:r>
-                        <a:rPr lang="en" sz="1000"/>
+                        <a:rPr lang="en" sz="1000" u="none" cap="none" strike="noStrike"/>
                         <a:t>Funcionário logado</a:t>
                       </a:r>
                       <a:endParaRPr sz="1400" u="none" cap="none" strike="noStrike"/>
@@ -34076,92 +33598,80 @@
                         <a:buNone/>
                       </a:pPr>
                       <a:r>
-                        <a:rPr lang="en" sz="1000"/>
+                        <a:rPr lang="en" sz="1000" u="none" cap="none" strike="noStrike"/>
                         <a:t>6. O sistema pede confirmação dos dados inseridos.</a:t>
                       </a:r>
-                      <a:endParaRPr sz="1000"/>
-                    </a:p>
-                    <a:p>
-                      <a:pPr indent="0" lvl="0" marL="0" marR="0" rtl="0" algn="just">
-                        <a:lnSpc>
-                          <a:spcPct val="100000"/>
-                        </a:lnSpc>
-                        <a:spcBef>
-                          <a:spcPts val="0"/>
-                        </a:spcBef>
-                        <a:spcAft>
-                          <a:spcPts val="0"/>
-                        </a:spcAft>
-                        <a:buClr>
-                          <a:srgbClr val="000000"/>
-                        </a:buClr>
-                        <a:buSzPts val="1000"/>
-                        <a:buFont typeface="Arial"/>
-                        <a:buNone/>
-                      </a:pPr>
-                      <a:r>
-                        <a:rPr lang="en" sz="1000"/>
-                        <a:t>7</a:t>
-                      </a:r>
-                      <a:r>
-                        <a:rPr lang="en" sz="1000" u="none" cap="none" strike="noStrike"/>
-                        <a:t>. O Funcionário confirma o cadastro das novas informações na base de dados do sistema.</a:t>
-                      </a:r>
-                      <a:endParaRPr sz="1000" u="none" cap="none" strike="noStrike"/>
-                    </a:p>
-                    <a:p>
-                      <a:pPr indent="0" lvl="0" marL="0" marR="0" rtl="0" algn="just">
-                        <a:lnSpc>
-                          <a:spcPct val="100000"/>
-                        </a:lnSpc>
-                        <a:spcBef>
-                          <a:spcPts val="0"/>
-                        </a:spcBef>
-                        <a:spcAft>
-                          <a:spcPts val="0"/>
-                        </a:spcAft>
-                        <a:buClr>
-                          <a:srgbClr val="000000"/>
-                        </a:buClr>
-                        <a:buSzPts val="1000"/>
-                        <a:buFont typeface="Arial"/>
-                        <a:buNone/>
-                      </a:pPr>
-                      <a:r>
-                        <a:rPr lang="en" sz="1000"/>
-                        <a:t>8</a:t>
-                      </a:r>
-                      <a:r>
-                        <a:rPr lang="en" sz="1000" u="none" cap="none" strike="noStrike"/>
-                        <a:t>. O sistema gera um código de confirmação do processamento [X]</a:t>
-                      </a:r>
-                      <a:endParaRPr sz="1000" u="none" cap="none" strike="noStrike"/>
-                    </a:p>
-                    <a:p>
-                      <a:pPr indent="0" lvl="0" marL="0" marR="0" rtl="0" algn="just">
-                        <a:lnSpc>
-                          <a:spcPct val="100000"/>
-                        </a:lnSpc>
-                        <a:spcBef>
-                          <a:spcPts val="0"/>
-                        </a:spcBef>
-                        <a:spcAft>
-                          <a:spcPts val="0"/>
-                        </a:spcAft>
-                        <a:buClr>
-                          <a:srgbClr val="000000"/>
-                        </a:buClr>
-                        <a:buSzPts val="1000"/>
-                        <a:buFont typeface="Arial"/>
-                        <a:buNone/>
-                      </a:pPr>
-                      <a:r>
-                        <a:rPr lang="en" sz="1000"/>
-                        <a:t>9</a:t>
-                      </a:r>
-                      <a:r>
-                        <a:rPr lang="en" sz="1000" u="none" cap="none" strike="noStrike"/>
-                        <a:t>. O sistema gera um relatório de atualizações</a:t>
+                      <a:endParaRPr sz="1000" u="none" cap="none" strike="noStrike"/>
+                    </a:p>
+                    <a:p>
+                      <a:pPr indent="0" lvl="0" marL="0" marR="0" rtl="0" algn="just">
+                        <a:lnSpc>
+                          <a:spcPct val="100000"/>
+                        </a:lnSpc>
+                        <a:spcBef>
+                          <a:spcPts val="0"/>
+                        </a:spcBef>
+                        <a:spcAft>
+                          <a:spcPts val="0"/>
+                        </a:spcAft>
+                        <a:buClr>
+                          <a:srgbClr val="000000"/>
+                        </a:buClr>
+                        <a:buSzPts val="1000"/>
+                        <a:buFont typeface="Arial"/>
+                        <a:buNone/>
+                      </a:pPr>
+                      <a:r>
+                        <a:rPr lang="en" sz="1000" u="none" cap="none" strike="noStrike"/>
+                        <a:t>7. O Funcionário confirma o cadastro das novas informações na base de dados do sistema.</a:t>
+                      </a:r>
+                      <a:endParaRPr sz="1000" u="none" cap="none" strike="noStrike"/>
+                    </a:p>
+                    <a:p>
+                      <a:pPr indent="0" lvl="0" marL="0" marR="0" rtl="0" algn="just">
+                        <a:lnSpc>
+                          <a:spcPct val="100000"/>
+                        </a:lnSpc>
+                        <a:spcBef>
+                          <a:spcPts val="0"/>
+                        </a:spcBef>
+                        <a:spcAft>
+                          <a:spcPts val="0"/>
+                        </a:spcAft>
+                        <a:buClr>
+                          <a:srgbClr val="000000"/>
+                        </a:buClr>
+                        <a:buSzPts val="1000"/>
+                        <a:buFont typeface="Arial"/>
+                        <a:buNone/>
+                      </a:pPr>
+                      <a:r>
+                        <a:rPr lang="en" sz="1000" u="none" cap="none" strike="noStrike"/>
+                        <a:t>8. O sistema gera um código de confirmação do processamento [X]</a:t>
+                      </a:r>
+                      <a:endParaRPr sz="1000" u="none" cap="none" strike="noStrike"/>
+                    </a:p>
+                    <a:p>
+                      <a:pPr indent="0" lvl="0" marL="0" marR="0" rtl="0" algn="just">
+                        <a:lnSpc>
+                          <a:spcPct val="100000"/>
+                        </a:lnSpc>
+                        <a:spcBef>
+                          <a:spcPts val="0"/>
+                        </a:spcBef>
+                        <a:spcAft>
+                          <a:spcPts val="0"/>
+                        </a:spcAft>
+                        <a:buClr>
+                          <a:srgbClr val="000000"/>
+                        </a:buClr>
+                        <a:buSzPts val="1000"/>
+                        <a:buFont typeface="Arial"/>
+                        <a:buNone/>
+                      </a:pPr>
+                      <a:r>
+                        <a:rPr lang="en" sz="1000" u="none" cap="none" strike="noStrike"/>
+                        <a:t>9. O sistema gera um relatório de atualizações</a:t>
                       </a:r>
                       <a:endParaRPr sz="1000" u="none" cap="none" strike="noStrike"/>
                     </a:p>
@@ -34261,7 +33771,7 @@
             <a:tbl>
               <a:tblPr>
                 <a:noFill/>
-                <a:tableStyleId>{7D4AA617-D0C9-4B9B-8E69-A3A8BF51B549}</a:tableStyleId>
+                <a:tableStyleId>{7EE1F5A3-994B-4E0D-A819-5A43270F4B43}</a:tableStyleId>
               </a:tblPr>
               <a:tblGrid>
                 <a:gridCol w="3619500"/>
@@ -34418,10 +33928,10 @@
                         <a:buNone/>
                       </a:pPr>
                       <a:r>
-                        <a:rPr lang="en" sz="1000"/>
+                        <a:rPr lang="en" sz="1000" u="none" cap="none" strike="noStrike"/>
                         <a:t>4.3 O sistema pede confirmação dos dados alterados.</a:t>
                       </a:r>
-                      <a:endParaRPr sz="1000"/>
+                      <a:endParaRPr sz="1000" u="none" cap="none" strike="noStrike"/>
                     </a:p>
                     <a:p>
                       <a:pPr indent="0" lvl="0" marL="0" marR="0" rtl="0" algn="l">
@@ -34443,15 +33953,7 @@
                       </a:pPr>
                       <a:r>
                         <a:rPr lang="en" sz="1000" u="none" cap="none" strike="noStrike"/>
-                        <a:t>4.</a:t>
-                      </a:r>
-                      <a:r>
-                        <a:rPr lang="en" sz="1000"/>
-                        <a:t>4</a:t>
-                      </a:r>
-                      <a:r>
-                        <a:rPr lang="en" sz="1000" u="none" cap="none" strike="noStrike"/>
-                        <a:t> O Funcionário confirma a alteração das informações do estoque na base de dados do sistema. [X]</a:t>
+                        <a:t>4.4 O Funcionário confirma a alteração das informações do estoque na base de dados do sistema. [X]</a:t>
                       </a:r>
                       <a:endParaRPr sz="1000" u="none" cap="none" strike="noStrike"/>
                     </a:p>
@@ -34475,15 +33977,7 @@
                       </a:pPr>
                       <a:r>
                         <a:rPr lang="en" sz="1000" u="none" cap="none" strike="noStrike"/>
-                        <a:t>4.</a:t>
-                      </a:r>
-                      <a:r>
-                        <a:rPr lang="en" sz="1000"/>
-                        <a:t>5</a:t>
-                      </a:r>
-                      <a:r>
-                        <a:rPr lang="en" sz="1000" u="none" cap="none" strike="noStrike"/>
-                        <a:t> Retorne para o passo 8 do Fluxo Principal.</a:t>
+                        <a:t>4.5 Retorne para o passo 8 do Fluxo Principal.</a:t>
                       </a:r>
                       <a:endParaRPr sz="1000" u="none" cap="none" strike="noStrike"/>
                     </a:p>
@@ -34696,10 +34190,10 @@
                         <a:buNone/>
                       </a:pPr>
                       <a:r>
-                        <a:rPr lang="en" sz="1000"/>
+                        <a:rPr lang="en" sz="1000" u="none" cap="none" strike="noStrike"/>
                         <a:t>4.2 O Sistema pede confirmação da remoçaõ do estoque e produtos.</a:t>
                       </a:r>
-                      <a:endParaRPr sz="1000"/>
+                      <a:endParaRPr sz="1000" u="none" cap="none" strike="noStrike"/>
                     </a:p>
                     <a:p>
                       <a:pPr indent="0" lvl="0" marL="0" marR="0" rtl="0" algn="l">
@@ -34721,15 +34215,7 @@
                       </a:pPr>
                       <a:r>
                         <a:rPr lang="en" sz="1000" u="none" cap="none" strike="noStrike"/>
-                        <a:t>4.</a:t>
-                      </a:r>
-                      <a:r>
-                        <a:rPr lang="en" sz="1000"/>
-                        <a:t>3</a:t>
-                      </a:r>
-                      <a:r>
-                        <a:rPr lang="en" sz="1000" u="none" cap="none" strike="noStrike"/>
-                        <a:t> O Funcionário confirma a remoção das informações do estoque na base de dados do sistema.</a:t>
+                        <a:t>4.3 O Funcionário confirma a remoção das informações do estoque na base de dados do sistema.</a:t>
                       </a:r>
                       <a:endParaRPr sz="1000" u="none" cap="none" strike="noStrike"/>
                     </a:p>
@@ -34753,15 +34239,7 @@
                       </a:pPr>
                       <a:r>
                         <a:rPr lang="en" sz="1000" u="none" cap="none" strike="noStrike"/>
-                        <a:t>4.</a:t>
-                      </a:r>
-                      <a:r>
-                        <a:rPr lang="en" sz="1000"/>
-                        <a:t>3</a:t>
-                      </a:r>
-                      <a:r>
-                        <a:rPr lang="en" sz="1000" u="none" cap="none" strike="noStrike"/>
-                        <a:t>.1 O Funcionário confirma a remoção das informações do produto cadastrado em certo local do estoque na base de dados do sistema</a:t>
+                        <a:t>4.3.1 O Funcionário confirma a remoção das informações do produto cadastrado em certo local do estoque na base de dados do sistema</a:t>
                       </a:r>
                       <a:endParaRPr sz="1000" u="none" cap="none" strike="noStrike"/>
                     </a:p>
@@ -34785,15 +34263,7 @@
                       </a:pPr>
                       <a:r>
                         <a:rPr lang="en" sz="1000" u="none" cap="none" strike="noStrike"/>
-                        <a:t>4.</a:t>
-                      </a:r>
-                      <a:r>
-                        <a:rPr lang="en" sz="1000"/>
-                        <a:t>4</a:t>
-                      </a:r>
-                      <a:r>
-                        <a:rPr lang="en" sz="1000" u="none" cap="none" strike="noStrike"/>
-                        <a:t> O sistema verifica as dependências de sistema relacionadas ao produto [X]</a:t>
+                        <a:t>4.4 O sistema verifica as dependências de sistema relacionadas ao produto [X]</a:t>
                       </a:r>
                       <a:endParaRPr sz="1000" u="none" cap="none" strike="noStrike"/>
                     </a:p>
@@ -34817,15 +34287,7 @@
                       </a:pPr>
                       <a:r>
                         <a:rPr lang="en" sz="1000" u="none" cap="none" strike="noStrike"/>
-                        <a:t>4.</a:t>
-                      </a:r>
-                      <a:r>
-                        <a:rPr lang="en" sz="1000"/>
-                        <a:t>5</a:t>
-                      </a:r>
-                      <a:r>
-                        <a:rPr lang="en" sz="1000" u="none" cap="none" strike="noStrike"/>
-                        <a:t> Retorne para o passo 8 do Fluxo Principal.</a:t>
+                        <a:t>4.5 Retorne para o passo 8 do Fluxo Principal.</a:t>
                       </a:r>
                       <a:endParaRPr sz="1000" u="none" cap="none" strike="noStrike"/>
                     </a:p>
@@ -34965,22 +34427,25 @@
                     <a:bodyPr/>
                     <a:lstStyle/>
                     <a:p>
-                      <a:pPr indent="0" lvl="0" marL="0" rtl="0" algn="just">
-                        <a:spcBef>
-                          <a:spcPts val="0"/>
-                        </a:spcBef>
-                        <a:spcAft>
-                          <a:spcPts val="0"/>
-                        </a:spcAft>
-                        <a:buClr>
-                          <a:srgbClr val="000000"/>
-                        </a:buClr>
-                        <a:buSzPts val="1000"/>
-                        <a:buFont typeface="Arial"/>
-                        <a:buNone/>
-                      </a:pPr>
-                      <a:r>
-                        <a:rPr lang="en" sz="1000"/>
+                      <a:pPr indent="0" lvl="0" marL="0" marR="0" rtl="0" algn="just">
+                        <a:lnSpc>
+                          <a:spcPct val="100000"/>
+                        </a:lnSpc>
+                        <a:spcBef>
+                          <a:spcPts val="0"/>
+                        </a:spcBef>
+                        <a:spcAft>
+                          <a:spcPts val="0"/>
+                        </a:spcAft>
+                        <a:buClr>
+                          <a:srgbClr val="000000"/>
+                        </a:buClr>
+                        <a:buSzPts val="1000"/>
+                        <a:buFont typeface="Arial"/>
+                        <a:buNone/>
+                      </a:pPr>
+                      <a:r>
+                        <a:rPr lang="en" sz="1000" u="none" cap="none" strike="noStrike"/>
                         <a:t>Produto no estoque cadastrado, alterado ou removido</a:t>
                       </a:r>
                       <a:endParaRPr sz="1400" u="none" cap="none" strike="noStrike"/>
@@ -35289,27 +34754,7 @@
                 <a:cs typeface="Arial"/>
                 <a:sym typeface="Arial"/>
               </a:rPr>
-              <a:t>UC1</a:t>
-            </a:r>
-            <a:r>
-              <a:rPr b="1" lang="en" sz="1500">
-                <a:solidFill>
-                  <a:schemeClr val="lt1"/>
-                </a:solidFill>
-              </a:rPr>
-              <a:t>4</a:t>
-            </a:r>
-            <a:r>
-              <a:rPr b="1" i="0" lang="en" sz="1500" u="none" cap="none" strike="noStrike">
-                <a:solidFill>
-                  <a:schemeClr val="lt1"/>
-                </a:solidFill>
-                <a:latin typeface="Arial"/>
-                <a:ea typeface="Arial"/>
-                <a:cs typeface="Arial"/>
-                <a:sym typeface="Arial"/>
-              </a:rPr>
-              <a:t> - Consulta nota fiscal</a:t>
+              <a:t>UC14 - Consulta nota fiscal</a:t>
             </a:r>
             <a:endParaRPr b="0" i="0" sz="2000" u="none" cap="none" strike="noStrike">
               <a:solidFill>
@@ -35341,7 +34786,7 @@
             <a:tbl>
               <a:tblPr>
                 <a:noFill/>
-                <a:tableStyleId>{7D4AA617-D0C9-4B9B-8E69-A3A8BF51B549}</a:tableStyleId>
+                <a:tableStyleId>{7EE1F5A3-994B-4E0D-A819-5A43270F4B43}</a:tableStyleId>
               </a:tblPr>
               <a:tblGrid>
                 <a:gridCol w="4034400"/>
@@ -35534,7 +34979,7 @@
                         <a:buNone/>
                       </a:pPr>
                       <a:r>
-                        <a:rPr lang="en" sz="1000"/>
+                        <a:rPr lang="en" sz="1000" u="none" cap="none" strike="noStrike"/>
                         <a:t>Funcionário logado em uma área restrita</a:t>
                       </a:r>
                       <a:endParaRPr sz="1400" u="none" cap="none" strike="noStrike"/>
@@ -35751,15 +35196,7 @@
                       </a:pPr>
                       <a:r>
                         <a:rPr lang="en" sz="1000" u="none" cap="none" strike="noStrike"/>
-                        <a:t>2. O sistema mostra a opção de "cadastrar" (caso a nota fiscal ainda não esteja cadastrad</a:t>
-                      </a:r>
-                      <a:r>
-                        <a:rPr lang="en" sz="1000"/>
-                        <a:t>a</a:t>
-                      </a:r>
-                      <a:r>
-                        <a:rPr lang="en" sz="1000" u="none" cap="none" strike="noStrike"/>
-                        <a:t> no sistema), "alterar", "consultar" e "remover nota fiscal".</a:t>
+                        <a:t>2. O sistema mostra a opção de "cadastrar" (caso a nota fiscal ainda não esteja cadastrada no sistema), "alterar", "consultar" e "remover nota fiscal".</a:t>
                       </a:r>
                       <a:endParaRPr sz="1000" u="none" cap="none" strike="noStrike"/>
                     </a:p>
@@ -35955,7 +35392,7 @@
             <a:tbl>
               <a:tblPr>
                 <a:noFill/>
-                <a:tableStyleId>{7D4AA617-D0C9-4B9B-8E69-A3A8BF51B549}</a:tableStyleId>
+                <a:tableStyleId>{7EE1F5A3-994B-4E0D-A819-5A43270F4B43}</a:tableStyleId>
               </a:tblPr>
               <a:tblGrid>
                 <a:gridCol w="4291575"/>
@@ -36197,19 +35634,7 @@
                       </a:pPr>
                       <a:r>
                         <a:rPr lang="en" sz="1000" u="none" cap="none" strike="noStrike"/>
-                        <a:t>4.2 O Funcionário altera os dados da nota fiscal desejados, dentre aqueles listados no passo 2 do sub-fluxo </a:t>
-                      </a:r>
-                      <a:r>
-                        <a:rPr lang="en" sz="1000"/>
-                        <a:t>"</a:t>
-                      </a:r>
-                      <a:r>
-                        <a:rPr lang="en" sz="1000" u="none" cap="none" strike="noStrike"/>
-                        <a:t>Cadastrar produto</a:t>
-                      </a:r>
-                      <a:r>
-                        <a:rPr lang="en" sz="1000"/>
-                        <a:t>"</a:t>
+                        <a:t>4.2 O Funcionário altera os dados da nota fiscal desejados, dentre aqueles listados no passo 2 do sub-fluxo "Cadastrar produto"</a:t>
                       </a:r>
                       <a:endParaRPr sz="1000" u="none" cap="none" strike="noStrike"/>
                     </a:p>
@@ -36447,11 +35872,7 @@
                       </a:pPr>
                       <a:r>
                         <a:rPr lang="en" sz="1000" u="none" cap="none" strike="noStrike"/>
-                        <a:t>4.1 O Funcionário seleciona a opção “remover”. - </a:t>
-                      </a:r>
-                      <a:r>
-                        <a:rPr lang="en" sz="1000"/>
-                        <a:t>RN2</a:t>
+                        <a:t>4.1 O Funcionário seleciona a opção “remover”. - RN2</a:t>
                       </a:r>
                       <a:endParaRPr sz="1000" u="none" cap="none" strike="noStrike"/>
                     </a:p>
@@ -36731,7 +36152,7 @@
             <a:tbl>
               <a:tblPr>
                 <a:noFill/>
-                <a:tableStyleId>{7D4AA617-D0C9-4B9B-8E69-A3A8BF51B549}</a:tableStyleId>
+                <a:tableStyleId>{7EE1F5A3-994B-4E0D-A819-5A43270F4B43}</a:tableStyleId>
               </a:tblPr>
               <a:tblGrid>
                 <a:gridCol w="3619500"/>
@@ -36829,7 +36250,7 @@
                         <a:buNone/>
                       </a:pPr>
                       <a:r>
-                        <a:rPr lang="en" sz="1000"/>
+                        <a:rPr lang="en" sz="1000" u="none" cap="none" strike="noStrike"/>
                         <a:t>A nota fiscal gerada no sistema com sucesso</a:t>
                       </a:r>
                       <a:endParaRPr sz="1400" u="none" cap="none" strike="noStrike"/>
@@ -36967,14 +36388,10 @@
                         <a:buNone/>
                       </a:pPr>
                       <a:r>
-                        <a:rPr lang="en" sz="1000"/>
-                        <a:t>1. </a:t>
-                      </a:r>
-                      <a:r>
-                        <a:rPr lang="en" sz="1000"/>
-                        <a:t>O funcionário só pode cadastrar uma nota fiscal em um pedido que não esteja no status de "Aguardando Pagamento"</a:t>
-                      </a:r>
-                      <a:endParaRPr sz="1000"/>
+                        <a:rPr lang="en" sz="1000" u="none" cap="none" strike="noStrike"/>
+                        <a:t>1. O funcionário só pode cadastrar uma nota fiscal em um pedido que não esteja no status de "Aguardando Pagamento"</a:t>
+                      </a:r>
+                      <a:endParaRPr sz="1000" u="none" cap="none" strike="noStrike"/>
                     </a:p>
                     <a:p>
                       <a:pPr indent="0" lvl="0" marL="0" marR="0" rtl="0" algn="just">
@@ -36997,28 +36414,28 @@
                       <a:r>
                         <a:t/>
                       </a:r>
-                      <a:endParaRPr sz="1000"/>
-                    </a:p>
-                    <a:p>
-                      <a:pPr indent="0" lvl="0" marL="0" marR="0" rtl="0" algn="just">
-                        <a:lnSpc>
-                          <a:spcPct val="100000"/>
-                        </a:lnSpc>
-                        <a:spcBef>
-                          <a:spcPts val="0"/>
-                        </a:spcBef>
-                        <a:spcAft>
-                          <a:spcPts val="0"/>
-                        </a:spcAft>
-                        <a:buClr>
-                          <a:srgbClr val="000000"/>
-                        </a:buClr>
-                        <a:buSzPts val="1000"/>
-                        <a:buFont typeface="Arial"/>
-                        <a:buNone/>
-                      </a:pPr>
-                      <a:r>
-                        <a:rPr lang="en" sz="1000"/>
+                      <a:endParaRPr sz="1000" u="none" cap="none" strike="noStrike"/>
+                    </a:p>
+                    <a:p>
+                      <a:pPr indent="0" lvl="0" marL="0" marR="0" rtl="0" algn="just">
+                        <a:lnSpc>
+                          <a:spcPct val="100000"/>
+                        </a:lnSpc>
+                        <a:spcBef>
+                          <a:spcPts val="0"/>
+                        </a:spcBef>
+                        <a:spcAft>
+                          <a:spcPts val="0"/>
+                        </a:spcAft>
+                        <a:buClr>
+                          <a:srgbClr val="000000"/>
+                        </a:buClr>
+                        <a:buSzPts val="1000"/>
+                        <a:buFont typeface="Arial"/>
+                        <a:buNone/>
+                      </a:pPr>
+                      <a:r>
+                        <a:rPr lang="en" sz="1000" u="none" cap="none" strike="noStrike"/>
                         <a:t>2. O funcionário só pode remover uma nota fiscal que possua dependência com um pedido que esteja com status "Cancelado"</a:t>
                       </a:r>
                       <a:endParaRPr sz="1400" u="none" cap="none" strike="noStrike"/>
@@ -37300,27 +36717,7 @@
                 <a:cs typeface="Arial"/>
                 <a:sym typeface="Arial"/>
               </a:rPr>
-              <a:t>UC</a:t>
-            </a:r>
-            <a:r>
-              <a:rPr b="1" lang="en" sz="1500">
-                <a:solidFill>
-                  <a:schemeClr val="lt1"/>
-                </a:solidFill>
-              </a:rPr>
-              <a:t>15</a:t>
-            </a:r>
-            <a:r>
-              <a:rPr b="1" i="0" lang="en" sz="1500" u="none" cap="none" strike="noStrike">
-                <a:solidFill>
-                  <a:schemeClr val="lt1"/>
-                </a:solidFill>
-                <a:latin typeface="Arial"/>
-                <a:ea typeface="Arial"/>
-                <a:cs typeface="Arial"/>
-                <a:sym typeface="Arial"/>
-              </a:rPr>
-              <a:t> - Separar Pedido</a:t>
+              <a:t>UC15 - Separar Pedido</a:t>
             </a:r>
             <a:endParaRPr b="0" i="0" sz="2000" u="none" cap="none" strike="noStrike">
               <a:solidFill>
@@ -37352,7 +36749,7 @@
             <a:tbl>
               <a:tblPr>
                 <a:noFill/>
-                <a:tableStyleId>{7D4AA617-D0C9-4B9B-8E69-A3A8BF51B549}</a:tableStyleId>
+                <a:tableStyleId>{7EE1F5A3-994B-4E0D-A819-5A43270F4B43}</a:tableStyleId>
               </a:tblPr>
               <a:tblGrid>
                 <a:gridCol w="3485750"/>
@@ -37545,7 +36942,7 @@
                         <a:buNone/>
                       </a:pPr>
                       <a:r>
-                        <a:rPr lang="en" sz="1000"/>
+                        <a:rPr lang="en" sz="1000" u="none" cap="none" strike="noStrike"/>
                         <a:t>Uma solicitação de separação solicitada</a:t>
                       </a:r>
                       <a:endParaRPr sz="1400" u="none" cap="none" strike="noStrike"/>
@@ -37809,160 +37206,128 @@
                         <a:buNone/>
                       </a:pPr>
                       <a:r>
-                        <a:rPr lang="en" sz="1000"/>
-                        <a:t>4. </a:t>
-                      </a:r>
-                      <a:r>
-                        <a:rPr lang="en" sz="1000"/>
-                        <a:t>O sistema solicita confirmação da retirada do produto.</a:t>
-                      </a:r>
-                      <a:endParaRPr sz="1000"/>
-                    </a:p>
-                    <a:p>
-                      <a:pPr indent="0" lvl="0" marL="0" marR="0" rtl="0" algn="just">
-                        <a:lnSpc>
-                          <a:spcPct val="100000"/>
-                        </a:lnSpc>
-                        <a:spcBef>
-                          <a:spcPts val="0"/>
-                        </a:spcBef>
-                        <a:spcAft>
-                          <a:spcPts val="0"/>
-                        </a:spcAft>
-                        <a:buClr>
-                          <a:srgbClr val="000000"/>
-                        </a:buClr>
-                        <a:buSzPts val="1000"/>
-                        <a:buFont typeface="Arial"/>
-                        <a:buNone/>
-                      </a:pPr>
-                      <a:r>
-                        <a:rPr lang="en" sz="1000"/>
-                        <a:t>5</a:t>
-                      </a:r>
-                      <a:r>
-                        <a:rPr lang="en" sz="1000" u="none" cap="none" strike="noStrike"/>
-                        <a:t>. O </a:t>
-                      </a:r>
-                      <a:r>
-                        <a:rPr lang="en" sz="1000"/>
-                        <a:t>F</a:t>
-                      </a:r>
-                      <a:r>
-                        <a:rPr lang="en" sz="1000"/>
-                        <a:t>uncionário</a:t>
-                      </a:r>
-                      <a:r>
-                        <a:rPr lang="en" sz="1000" u="none" cap="none" strike="noStrike"/>
-                        <a:t> confirma a retirada do produto do estoque.</a:t>
-                      </a:r>
-                      <a:endParaRPr sz="1000" u="none" cap="none" strike="noStrike"/>
-                    </a:p>
-                    <a:p>
-                      <a:pPr indent="0" lvl="0" marL="0" marR="0" rtl="0" algn="just">
-                        <a:lnSpc>
-                          <a:spcPct val="100000"/>
-                        </a:lnSpc>
-                        <a:spcBef>
-                          <a:spcPts val="0"/>
-                        </a:spcBef>
-                        <a:spcAft>
-                          <a:spcPts val="0"/>
-                        </a:spcAft>
-                        <a:buClr>
-                          <a:srgbClr val="000000"/>
-                        </a:buClr>
-                        <a:buSzPts val="1000"/>
-                        <a:buFont typeface="Arial"/>
-                        <a:buNone/>
-                      </a:pPr>
-                      <a:r>
-                        <a:rPr lang="en" sz="1000"/>
+                        <a:rPr lang="en" sz="1000" u="none" cap="none" strike="noStrike"/>
+                        <a:t>4. O sistema solicita confirmação da retirada do produto.</a:t>
+                      </a:r>
+                      <a:endParaRPr sz="1000" u="none" cap="none" strike="noStrike"/>
+                    </a:p>
+                    <a:p>
+                      <a:pPr indent="0" lvl="0" marL="0" marR="0" rtl="0" algn="just">
+                        <a:lnSpc>
+                          <a:spcPct val="100000"/>
+                        </a:lnSpc>
+                        <a:spcBef>
+                          <a:spcPts val="0"/>
+                        </a:spcBef>
+                        <a:spcAft>
+                          <a:spcPts val="0"/>
+                        </a:spcAft>
+                        <a:buClr>
+                          <a:srgbClr val="000000"/>
+                        </a:buClr>
+                        <a:buSzPts val="1000"/>
+                        <a:buFont typeface="Arial"/>
+                        <a:buNone/>
+                      </a:pPr>
+                      <a:r>
+                        <a:rPr lang="en" sz="1000" u="none" cap="none" strike="noStrike"/>
+                        <a:t>5. O Funcionário confirma a retirada do produto do estoque.</a:t>
+                      </a:r>
+                      <a:endParaRPr sz="1000" u="none" cap="none" strike="noStrike"/>
+                    </a:p>
+                    <a:p>
+                      <a:pPr indent="0" lvl="0" marL="0" marR="0" rtl="0" algn="just">
+                        <a:lnSpc>
+                          <a:spcPct val="100000"/>
+                        </a:lnSpc>
+                        <a:spcBef>
+                          <a:spcPts val="0"/>
+                        </a:spcBef>
+                        <a:spcAft>
+                          <a:spcPts val="0"/>
+                        </a:spcAft>
+                        <a:buClr>
+                          <a:srgbClr val="000000"/>
+                        </a:buClr>
+                        <a:buSzPts val="1000"/>
+                        <a:buFont typeface="Arial"/>
+                        <a:buNone/>
+                      </a:pPr>
+                      <a:r>
+                        <a:rPr lang="en" sz="1000" u="none" cap="none" strike="noStrike"/>
                         <a:t>6. O sistema emite uma notificação de alerta de atualização.</a:t>
                       </a:r>
-                      <a:endParaRPr sz="1000"/>
-                    </a:p>
-                    <a:p>
-                      <a:pPr indent="0" lvl="0" marL="0" marR="0" rtl="0" algn="just">
-                        <a:lnSpc>
-                          <a:spcPct val="100000"/>
-                        </a:lnSpc>
-                        <a:spcBef>
-                          <a:spcPts val="0"/>
-                        </a:spcBef>
-                        <a:spcAft>
-                          <a:spcPts val="0"/>
-                        </a:spcAft>
-                        <a:buClr>
-                          <a:srgbClr val="000000"/>
-                        </a:buClr>
-                        <a:buSzPts val="1000"/>
-                        <a:buFont typeface="Arial"/>
-                        <a:buNone/>
-                      </a:pPr>
-                      <a:r>
-                        <a:rPr lang="en" sz="1000"/>
-                        <a:t>7</a:t>
-                      </a:r>
-                      <a:r>
-                        <a:rPr lang="en" sz="1000" u="none" cap="none" strike="noStrike"/>
-                        <a:t>. O Funcionário atualiza as novas informações do estoque na base de dados do sistema.</a:t>
-                      </a:r>
-                      <a:endParaRPr sz="1000" u="none" cap="none" strike="noStrike"/>
-                    </a:p>
-                    <a:p>
-                      <a:pPr indent="0" lvl="0" marL="0" marR="0" rtl="0" algn="just">
-                        <a:lnSpc>
-                          <a:spcPct val="100000"/>
-                        </a:lnSpc>
-                        <a:spcBef>
-                          <a:spcPts val="0"/>
-                        </a:spcBef>
-                        <a:spcAft>
-                          <a:spcPts val="0"/>
-                        </a:spcAft>
-                        <a:buClr>
-                          <a:srgbClr val="000000"/>
-                        </a:buClr>
-                        <a:buSzPts val="1000"/>
-                        <a:buFont typeface="Arial"/>
-                        <a:buNone/>
-                      </a:pPr>
-                      <a:r>
-                        <a:rPr lang="en" sz="1000"/>
-                        <a:t>8</a:t>
-                      </a:r>
-                      <a:r>
-                        <a:rPr lang="en" sz="1000" u="none" cap="none" strike="noStrike"/>
-                        <a:t>. O sistema gera um código de confirmação do processamento [X].</a:t>
-                      </a:r>
-                      <a:endParaRPr sz="1000" u="none" cap="none" strike="noStrike"/>
-                    </a:p>
-                    <a:p>
-                      <a:pPr indent="0" lvl="0" marL="0" marR="0" rtl="0" algn="just">
-                        <a:lnSpc>
-                          <a:spcPct val="100000"/>
-                        </a:lnSpc>
-                        <a:spcBef>
-                          <a:spcPts val="0"/>
-                        </a:spcBef>
-                        <a:spcAft>
-                          <a:spcPts val="0"/>
-                        </a:spcAft>
-                        <a:buClr>
-                          <a:srgbClr val="000000"/>
-                        </a:buClr>
-                        <a:buSzPts val="1000"/>
-                        <a:buFont typeface="Arial"/>
-                        <a:buNone/>
-                      </a:pPr>
-                      <a:r>
-                        <a:rPr lang="en" sz="1000"/>
-                        <a:t>9.</a:t>
-                      </a:r>
-                      <a:r>
-                        <a:rPr lang="en" sz="1000" u="none" cap="none" strike="noStrike"/>
-                        <a:t> O sistema gera um relatório de atualizações.</a:t>
+                      <a:endParaRPr sz="1000" u="none" cap="none" strike="noStrike"/>
+                    </a:p>
+                    <a:p>
+                      <a:pPr indent="0" lvl="0" marL="0" marR="0" rtl="0" algn="just">
+                        <a:lnSpc>
+                          <a:spcPct val="100000"/>
+                        </a:lnSpc>
+                        <a:spcBef>
+                          <a:spcPts val="0"/>
+                        </a:spcBef>
+                        <a:spcAft>
+                          <a:spcPts val="0"/>
+                        </a:spcAft>
+                        <a:buClr>
+                          <a:srgbClr val="000000"/>
+                        </a:buClr>
+                        <a:buSzPts val="1000"/>
+                        <a:buFont typeface="Arial"/>
+                        <a:buNone/>
+                      </a:pPr>
+                      <a:r>
+                        <a:rPr lang="en" sz="1000" u="none" cap="none" strike="noStrike"/>
+                        <a:t>7. O Funcionário atualiza as novas informações do estoque na base de dados do sistema.</a:t>
+                      </a:r>
+                      <a:endParaRPr sz="1000" u="none" cap="none" strike="noStrike"/>
+                    </a:p>
+                    <a:p>
+                      <a:pPr indent="0" lvl="0" marL="0" marR="0" rtl="0" algn="just">
+                        <a:lnSpc>
+                          <a:spcPct val="100000"/>
+                        </a:lnSpc>
+                        <a:spcBef>
+                          <a:spcPts val="0"/>
+                        </a:spcBef>
+                        <a:spcAft>
+                          <a:spcPts val="0"/>
+                        </a:spcAft>
+                        <a:buClr>
+                          <a:srgbClr val="000000"/>
+                        </a:buClr>
+                        <a:buSzPts val="1000"/>
+                        <a:buFont typeface="Arial"/>
+                        <a:buNone/>
+                      </a:pPr>
+                      <a:r>
+                        <a:rPr lang="en" sz="1000" u="none" cap="none" strike="noStrike"/>
+                        <a:t>8. O sistema gera um código de confirmação do processamento [X].</a:t>
+                      </a:r>
+                      <a:endParaRPr sz="1000" u="none" cap="none" strike="noStrike"/>
+                    </a:p>
+                    <a:p>
+                      <a:pPr indent="0" lvl="0" marL="0" marR="0" rtl="0" algn="just">
+                        <a:lnSpc>
+                          <a:spcPct val="100000"/>
+                        </a:lnSpc>
+                        <a:spcBef>
+                          <a:spcPts val="0"/>
+                        </a:spcBef>
+                        <a:spcAft>
+                          <a:spcPts val="0"/>
+                        </a:spcAft>
+                        <a:buClr>
+                          <a:srgbClr val="000000"/>
+                        </a:buClr>
+                        <a:buSzPts val="1000"/>
+                        <a:buFont typeface="Arial"/>
+                        <a:buNone/>
+                      </a:pPr>
+                      <a:r>
+                        <a:rPr lang="en" sz="1000" u="none" cap="none" strike="noStrike"/>
+                        <a:t>9. O sistema gera um relatório de atualizações.</a:t>
                       </a:r>
                       <a:endParaRPr sz="1400" u="none" cap="none" strike="noStrike"/>
                     </a:p>
@@ -38798,58 +38163,7 @@
                 <a:cs typeface="Source Sans Pro"/>
                 <a:sym typeface="Source Sans Pro"/>
               </a:rPr>
-              <a:t>RF 1.0</a:t>
-            </a:r>
-            <a:r>
-              <a:rPr lang="en" sz="1200">
-                <a:latin typeface="Source Sans Pro"/>
-                <a:ea typeface="Source Sans Pro"/>
-                <a:cs typeface="Source Sans Pro"/>
-                <a:sym typeface="Source Sans Pro"/>
-              </a:rPr>
-              <a:t>6</a:t>
-            </a:r>
-            <a:r>
-              <a:rPr b="0" i="0" lang="en" sz="1200" u="none" cap="none" strike="noStrike">
-                <a:solidFill>
-                  <a:srgbClr val="000000"/>
-                </a:solidFill>
-                <a:latin typeface="Source Sans Pro"/>
-                <a:ea typeface="Source Sans Pro"/>
-                <a:cs typeface="Source Sans Pro"/>
-                <a:sym typeface="Source Sans Pro"/>
-              </a:rPr>
-              <a:t> - O sistema deve permitir que o funcionário valide a prescrição m</a:t>
-            </a:r>
-            <a:r>
-              <a:rPr lang="en" sz="1200">
-                <a:latin typeface="Source Sans Pro"/>
-                <a:ea typeface="Source Sans Pro"/>
-                <a:cs typeface="Source Sans Pro"/>
-                <a:sym typeface="Source Sans Pro"/>
-              </a:rPr>
-              <a:t>édica </a:t>
-            </a:r>
-            <a:r>
-              <a:rPr lang="en" sz="1200">
-                <a:latin typeface="Source Sans Pro"/>
-                <a:ea typeface="Source Sans Pro"/>
-                <a:cs typeface="Source Sans Pro"/>
-                <a:sym typeface="Source Sans Pro"/>
-              </a:rPr>
-              <a:t>referente a </a:t>
-            </a:r>
-            <a:r>
-              <a:rPr b="0" i="0" lang="en" sz="1200" u="none" cap="none" strike="noStrike">
-                <a:solidFill>
-                  <a:srgbClr val="000000"/>
-                </a:solidFill>
-                <a:latin typeface="Source Sans Pro"/>
-                <a:ea typeface="Source Sans Pro"/>
-                <a:cs typeface="Source Sans Pro"/>
-                <a:sym typeface="Source Sans Pro"/>
-              </a:rPr>
-              <a:t>determinado produto.</a:t>
+              <a:t>RF 1.06 - O sistema deve permitir que o funcionário valide a prescrição médica referente a determinado produto.</a:t>
             </a:r>
             <a:endParaRPr b="0" i="0" sz="1200" u="none" cap="none" strike="noStrike">
               <a:solidFill>
@@ -38903,7 +38217,7 @@
             <a:tbl>
               <a:tblPr>
                 <a:noFill/>
-                <a:tableStyleId>{7D4AA617-D0C9-4B9B-8E69-A3A8BF51B549}</a:tableStyleId>
+                <a:tableStyleId>{7EE1F5A3-994B-4E0D-A819-5A43270F4B43}</a:tableStyleId>
               </a:tblPr>
               <a:tblGrid>
                 <a:gridCol w="3619500"/>
@@ -39001,7 +38315,7 @@
                         <a:buNone/>
                       </a:pPr>
                       <a:r>
-                        <a:rPr lang="en" sz="1000"/>
+                        <a:rPr lang="en" sz="1000" u="none" cap="none" strike="noStrike"/>
                         <a:t>O pedido separado com sucesso</a:t>
                       </a:r>
                       <a:endParaRPr sz="1400" u="none" cap="none" strike="noStrike"/>
@@ -39139,7 +38453,7 @@
                         <a:buNone/>
                       </a:pPr>
                       <a:r>
-                        <a:rPr lang="en" sz="1000"/>
+                        <a:rPr lang="en" sz="1000" u="none" cap="none" strike="noStrike"/>
                         <a:t>Nenhuma</a:t>
                       </a:r>
                       <a:endParaRPr sz="1400" u="none" cap="none" strike="noStrike"/>
@@ -39421,27 +38735,7 @@
                 <a:cs typeface="Arial"/>
                 <a:sym typeface="Arial"/>
               </a:rPr>
-              <a:t>UC</a:t>
-            </a:r>
-            <a:r>
-              <a:rPr b="1" lang="en" sz="1500">
-                <a:solidFill>
-                  <a:schemeClr val="lt1"/>
-                </a:solidFill>
-              </a:rPr>
-              <a:t>16</a:t>
-            </a:r>
-            <a:r>
-              <a:rPr b="1" i="0" lang="en" sz="1500" u="none" cap="none" strike="noStrike">
-                <a:solidFill>
-                  <a:schemeClr val="lt1"/>
-                </a:solidFill>
-                <a:latin typeface="Arial"/>
-                <a:ea typeface="Arial"/>
-                <a:cs typeface="Arial"/>
-                <a:sym typeface="Arial"/>
-              </a:rPr>
-              <a:t> - Mantém Usuário</a:t>
+              <a:t>UC16 - Mantém Usuário</a:t>
             </a:r>
             <a:endParaRPr b="0" i="0" sz="2000" u="none" cap="none" strike="noStrike">
               <a:solidFill>
@@ -39473,7 +38767,7 @@
             <a:tbl>
               <a:tblPr>
                 <a:noFill/>
-                <a:tableStyleId>{7D4AA617-D0C9-4B9B-8E69-A3A8BF51B549}</a:tableStyleId>
+                <a:tableStyleId>{7EE1F5A3-994B-4E0D-A819-5A43270F4B43}</a:tableStyleId>
               </a:tblPr>
               <a:tblGrid>
                 <a:gridCol w="3965800"/>
@@ -39603,15 +38897,7 @@
                       </a:pPr>
                       <a:r>
                         <a:rPr lang="en" sz="1000" u="none" cap="none" strike="noStrike"/>
-                        <a:t>Realizar cadastro, alteração, consulta ou remoção</a:t>
-                      </a:r>
-                      <a:r>
-                        <a:rPr lang="en" sz="1000"/>
-                        <a:t> do usuário </a:t>
-                      </a:r>
-                      <a:r>
-                        <a:rPr lang="en" sz="1000" u="none" cap="none" strike="noStrike"/>
-                        <a:t>na base de dados do sistema</a:t>
+                        <a:t>Realizar cadastro, alteração, consulta ou remoção do usuário na base de dados do sistema</a:t>
                       </a:r>
                       <a:endParaRPr sz="1400" u="none" cap="none" strike="noStrike"/>
                     </a:p>
@@ -39674,7 +38960,7 @@
                         <a:buNone/>
                       </a:pPr>
                       <a:r>
-                        <a:rPr lang="en" sz="1000"/>
+                        <a:rPr lang="en" sz="1000" u="none" cap="none" strike="noStrike"/>
                         <a:t> Administrador logado em uma área restrita</a:t>
                       </a:r>
                       <a:endParaRPr sz="1400" u="none" cap="none" strike="noStrike"/>
@@ -39890,56 +39176,32 @@
                         <a:buNone/>
                       </a:pPr>
                       <a:r>
-                        <a:rPr lang="en" sz="1000"/>
+                        <a:rPr lang="en" sz="1000" u="none" cap="none" strike="noStrike"/>
                         <a:t>2. O Administrador visualiza todos os usuários.</a:t>
                       </a:r>
-                      <a:endParaRPr sz="1000"/>
-                    </a:p>
-                    <a:p>
-                      <a:pPr indent="0" lvl="0" marL="0" marR="0" rtl="0" algn="just">
-                        <a:lnSpc>
-                          <a:spcPct val="100000"/>
-                        </a:lnSpc>
-                        <a:spcBef>
-                          <a:spcPts val="0"/>
-                        </a:spcBef>
-                        <a:spcAft>
-                          <a:spcPts val="0"/>
-                        </a:spcAft>
-                        <a:buClr>
-                          <a:srgbClr val="000000"/>
-                        </a:buClr>
-                        <a:buSzPts val="1000"/>
-                        <a:buFont typeface="Arial"/>
-                        <a:buNone/>
-                      </a:pPr>
-                      <a:r>
-                        <a:rPr lang="en" sz="1000"/>
-                        <a:t>3</a:t>
-                      </a:r>
-                      <a:r>
-                        <a:rPr lang="en" sz="1000" u="none" cap="none" strike="noStrike"/>
-                        <a:t>.</a:t>
-                      </a:r>
-                      <a:r>
-                        <a:rPr lang="en" sz="1000"/>
-                        <a:t> </a:t>
-                      </a:r>
-                      <a:r>
-                        <a:rPr lang="en" sz="1000" u="none" cap="none" strike="noStrike"/>
-                        <a:t>O Sistema exibe um botão </a:t>
-                      </a:r>
-                      <a:r>
-                        <a:rPr lang="en" sz="1000"/>
-                        <a:t>“Criar Novo”, além de que </a:t>
-                      </a:r>
-                      <a:r>
-                        <a:rPr lang="en" sz="1000" u="none" cap="none" strike="noStrike"/>
-                        <a:t>para cada usuário, os botões "Editar", "Bloquear" e "Apagar"</a:t>
-                      </a:r>
-                      <a:r>
-                        <a:rPr lang="en" sz="1000"/>
-                        <a:t>.</a:t>
+                      <a:endParaRPr sz="1000" u="none" cap="none" strike="noStrike"/>
+                    </a:p>
+                    <a:p>
+                      <a:pPr indent="0" lvl="0" marL="0" marR="0" rtl="0" algn="just">
+                        <a:lnSpc>
+                          <a:spcPct val="100000"/>
+                        </a:lnSpc>
+                        <a:spcBef>
+                          <a:spcPts val="0"/>
+                        </a:spcBef>
+                        <a:spcAft>
+                          <a:spcPts val="0"/>
+                        </a:spcAft>
+                        <a:buClr>
+                          <a:srgbClr val="000000"/>
+                        </a:buClr>
+                        <a:buSzPts val="1000"/>
+                        <a:buFont typeface="Arial"/>
+                        <a:buNone/>
+                      </a:pPr>
+                      <a:r>
+                        <a:rPr lang="en" sz="1000" u="none" cap="none" strike="noStrike"/>
+                        <a:t>3. O Sistema exibe um botão “Criar Novo”, além de que para cada usuário, os botões "Editar", "Bloquear" e "Apagar".</a:t>
                       </a:r>
                       <a:endParaRPr sz="1000" u="none" cap="none" strike="noStrike"/>
                     </a:p>
@@ -40159,7 +39421,7 @@
             <a:tbl>
               <a:tblPr>
                 <a:noFill/>
-                <a:tableStyleId>{7D4AA617-D0C9-4B9B-8E69-A3A8BF51B549}</a:tableStyleId>
+                <a:tableStyleId>{7EE1F5A3-994B-4E0D-A819-5A43270F4B43}</a:tableStyleId>
               </a:tblPr>
               <a:tblGrid>
                 <a:gridCol w="4113275"/>
@@ -40401,15 +39663,7 @@
                       </a:pPr>
                       <a:r>
                         <a:rPr lang="en" sz="1000" u="none" cap="none" strike="noStrike"/>
-                        <a:t>3.b) </a:t>
-                      </a:r>
-                      <a:r>
-                        <a:rPr lang="en" sz="1000"/>
-                        <a:t>Apagar </a:t>
-                      </a:r>
-                      <a:r>
-                        <a:rPr lang="en" sz="1000" u="none" cap="none" strike="noStrike"/>
-                        <a:t> usuário - RN</a:t>
+                        <a:t>3.b) Apagar  usuário - RN</a:t>
                       </a:r>
                       <a:endParaRPr sz="1000" u="none" cap="none" strike="noStrike"/>
                     </a:p>
@@ -40928,7 +40182,7 @@
                         <a:buNone/>
                       </a:pPr>
                       <a:r>
-                        <a:rPr lang="en" sz="1000"/>
+                        <a:rPr lang="en" sz="1000" u="none" cap="none" strike="noStrike"/>
                         <a:t>Usuários mantidos</a:t>
                       </a:r>
                       <a:endParaRPr sz="1400" u="none" cap="none" strike="noStrike"/>
@@ -41726,28 +40980,7 @@
                 <a:cs typeface="Source Sans Pro"/>
                 <a:sym typeface="Source Sans Pro"/>
               </a:rPr>
-              <a:t>RF 2.0</a:t>
-            </a:r>
-            <a:r>
-              <a:rPr lang="en" sz="1200">
-                <a:latin typeface="Source Sans Pro"/>
-                <a:ea typeface="Source Sans Pro"/>
-                <a:cs typeface="Source Sans Pro"/>
-                <a:sym typeface="Source Sans Pro"/>
-              </a:rPr>
-              <a:t>3</a:t>
-            </a:r>
-            <a:r>
-              <a:rPr b="0" i="0" lang="en" sz="1200" u="none" cap="none" strike="noStrike">
-                <a:solidFill>
-                  <a:srgbClr val="000000"/>
-                </a:solidFill>
-                <a:latin typeface="Source Sans Pro"/>
-                <a:ea typeface="Source Sans Pro"/>
-                <a:cs typeface="Source Sans Pro"/>
-                <a:sym typeface="Source Sans Pro"/>
-              </a:rPr>
-              <a:t> - O sistema deve exibir uma página inicial com os produtos mais vendidos, sugestões para o usuário.</a:t>
+              <a:t>RF 2.03 - O sistema deve exibir uma página inicial com os produtos mais vendidos, sugestões para o usuário.</a:t>
             </a:r>
             <a:endParaRPr b="0" i="0" sz="1200" u="none" cap="none" strike="noStrike">
               <a:solidFill>
@@ -41787,28 +41020,7 @@
                 <a:cs typeface="Source Sans Pro"/>
                 <a:sym typeface="Source Sans Pro"/>
               </a:rPr>
-              <a:t>RF 2.0</a:t>
-            </a:r>
-            <a:r>
-              <a:rPr lang="en" sz="1200">
-                <a:latin typeface="Source Sans Pro"/>
-                <a:ea typeface="Source Sans Pro"/>
-                <a:cs typeface="Source Sans Pro"/>
-                <a:sym typeface="Source Sans Pro"/>
-              </a:rPr>
-              <a:t>4</a:t>
-            </a:r>
-            <a:r>
-              <a:rPr b="0" i="0" lang="en" sz="1200" u="none" cap="none" strike="noStrike">
-                <a:solidFill>
-                  <a:srgbClr val="000000"/>
-                </a:solidFill>
-                <a:latin typeface="Source Sans Pro"/>
-                <a:ea typeface="Source Sans Pro"/>
-                <a:cs typeface="Source Sans Pro"/>
-                <a:sym typeface="Source Sans Pro"/>
-              </a:rPr>
-              <a:t> - O sistema deve ter uma barra de pesquisa e um filtro avançado para busca de produtos.</a:t>
+              <a:t>RF 2.04 - O sistema deve ter uma barra de pesquisa e um filtro avançado para busca de produtos.</a:t>
             </a:r>
             <a:endParaRPr b="0" i="0" sz="1200" u="none" cap="none" strike="noStrike">
               <a:solidFill>
@@ -41848,28 +41060,7 @@
                 <a:cs typeface="Source Sans Pro"/>
                 <a:sym typeface="Source Sans Pro"/>
               </a:rPr>
-              <a:t>RF 2.0</a:t>
-            </a:r>
-            <a:r>
-              <a:rPr lang="en" sz="1200">
-                <a:latin typeface="Source Sans Pro"/>
-                <a:ea typeface="Source Sans Pro"/>
-                <a:cs typeface="Source Sans Pro"/>
-                <a:sym typeface="Source Sans Pro"/>
-              </a:rPr>
-              <a:t>5</a:t>
-            </a:r>
-            <a:r>
-              <a:rPr b="0" i="0" lang="en" sz="1200" u="none" cap="none" strike="noStrike">
-                <a:solidFill>
-                  <a:srgbClr val="000000"/>
-                </a:solidFill>
-                <a:latin typeface="Source Sans Pro"/>
-                <a:ea typeface="Source Sans Pro"/>
-                <a:cs typeface="Source Sans Pro"/>
-                <a:sym typeface="Source Sans Pro"/>
-              </a:rPr>
-              <a:t> - O funcionário deve poder consultar a posição do produto no depósito.</a:t>
+              <a:t>RF 2.05 - O funcionário deve poder consultar a posição do produto no depósito.</a:t>
             </a:r>
             <a:endParaRPr b="0" i="0" sz="1200" u="none" cap="none" strike="noStrike">
               <a:solidFill>
@@ -42684,28 +41875,7 @@
                 <a:cs typeface="Source Sans Pro"/>
                 <a:sym typeface="Source Sans Pro"/>
               </a:rPr>
-              <a:t>RF 4.01 - Um carrinho é composto por </a:t>
-            </a:r>
-            <a:r>
-              <a:rPr lang="en" sz="1200">
-                <a:latin typeface="Source Sans Pro"/>
-                <a:ea typeface="Source Sans Pro"/>
-                <a:cs typeface="Source Sans Pro"/>
-                <a:sym typeface="Source Sans Pro"/>
-              </a:rPr>
-              <a:t>i</a:t>
-            </a:r>
-            <a:r>
-              <a:rPr b="0" i="0" lang="en" sz="1200" u="none" cap="none" strike="noStrike">
-                <a:solidFill>
-                  <a:srgbClr val="000000"/>
-                </a:solidFill>
-                <a:latin typeface="Source Sans Pro"/>
-                <a:ea typeface="Source Sans Pro"/>
-                <a:cs typeface="Source Sans Pro"/>
-                <a:sym typeface="Source Sans Pro"/>
-              </a:rPr>
-              <a:t>tens de produto. Um item é um produto associado a uma quantidade determinada pelo cliente.</a:t>
+              <a:t>RF 4.01 - Um carrinho é composto por itens de produto. Um item é um produto associado a uma quantidade determinada pelo cliente.</a:t>
             </a:r>
             <a:endParaRPr b="0" i="0" sz="1200" u="none" cap="none" strike="noStrike">
               <a:solidFill>
@@ -42865,28 +42035,7 @@
                 <a:cs typeface="Source Sans Pro"/>
                 <a:sym typeface="Source Sans Pro"/>
               </a:rPr>
-              <a:t>RF 4.0</a:t>
-            </a:r>
-            <a:r>
-              <a:rPr lang="en" sz="1200">
-                <a:latin typeface="Source Sans Pro"/>
-                <a:ea typeface="Source Sans Pro"/>
-                <a:cs typeface="Source Sans Pro"/>
-                <a:sym typeface="Source Sans Pro"/>
-              </a:rPr>
-              <a:t>5</a:t>
-            </a:r>
-            <a:r>
-              <a:rPr b="0" i="0" lang="en" sz="1200" u="none" cap="none" strike="noStrike">
-                <a:solidFill>
-                  <a:srgbClr val="000000"/>
-                </a:solidFill>
-                <a:latin typeface="Source Sans Pro"/>
-                <a:ea typeface="Source Sans Pro"/>
-                <a:cs typeface="Source Sans Pro"/>
-                <a:sym typeface="Source Sans Pro"/>
-              </a:rPr>
-              <a:t> - O cliente deve selecionar uma forma de pagamento. As formas de pagamento são: cartão de crédito, débito, pix, transferência bancária ou boleto.  </a:t>
+              <a:t>RF 4.05 - O cliente deve selecionar uma forma de pagamento. As formas de pagamento são: cartão de crédito, débito, pix, transferência bancária ou boleto.  </a:t>
             </a:r>
             <a:endParaRPr b="0" i="0" sz="1200" u="none" cap="none" strike="noStrike">
               <a:solidFill>
@@ -42926,28 +42075,7 @@
                 <a:cs typeface="Source Sans Pro"/>
                 <a:sym typeface="Source Sans Pro"/>
               </a:rPr>
-              <a:t>RF 4.0</a:t>
-            </a:r>
-            <a:r>
-              <a:rPr lang="en" sz="1200">
-                <a:latin typeface="Source Sans Pro"/>
-                <a:ea typeface="Source Sans Pro"/>
-                <a:cs typeface="Source Sans Pro"/>
-                <a:sym typeface="Source Sans Pro"/>
-              </a:rPr>
-              <a:t>6</a:t>
-            </a:r>
-            <a:r>
-              <a:rPr b="0" i="0" lang="en" sz="1200" u="none" cap="none" strike="noStrike">
-                <a:solidFill>
-                  <a:srgbClr val="000000"/>
-                </a:solidFill>
-                <a:latin typeface="Source Sans Pro"/>
-                <a:ea typeface="Source Sans Pro"/>
-                <a:cs typeface="Source Sans Pro"/>
-                <a:sym typeface="Source Sans Pro"/>
-              </a:rPr>
-              <a:t> - O cliente deve selecionar um endereço de entrega. Após selecionar, deve ser calculado o frete. </a:t>
+              <a:t>RF 4.06 - O cliente deve selecionar um endereço de entrega. Após selecionar, deve ser calculado o frete. </a:t>
             </a:r>
             <a:endParaRPr b="0" i="0" sz="1200" u="none" cap="none" strike="noStrike">
               <a:solidFill>
@@ -42987,28 +42115,7 @@
                 <a:cs typeface="Source Sans Pro"/>
                 <a:sym typeface="Source Sans Pro"/>
               </a:rPr>
-              <a:t>RF 4.0</a:t>
-            </a:r>
-            <a:r>
-              <a:rPr lang="en" sz="1200">
-                <a:latin typeface="Source Sans Pro"/>
-                <a:ea typeface="Source Sans Pro"/>
-                <a:cs typeface="Source Sans Pro"/>
-                <a:sym typeface="Source Sans Pro"/>
-              </a:rPr>
-              <a:t>7</a:t>
-            </a:r>
-            <a:r>
-              <a:rPr b="0" i="0" lang="en" sz="1200" u="none" cap="none" strike="noStrike">
-                <a:solidFill>
-                  <a:srgbClr val="000000"/>
-                </a:solidFill>
-                <a:latin typeface="Source Sans Pro"/>
-                <a:ea typeface="Source Sans Pro"/>
-                <a:cs typeface="Source Sans Pro"/>
-                <a:sym typeface="Source Sans Pro"/>
-              </a:rPr>
-              <a:t> - O carrinho deve exibir o subtotal do pedido.</a:t>
+              <a:t>RF 4.07 - O carrinho deve exibir o subtotal do pedido.</a:t>
             </a:r>
             <a:endParaRPr b="0" i="0" sz="1200" u="none" cap="none" strike="noStrike">
               <a:solidFill>
@@ -44059,6 +43166,11 @@
               <a:spcAft>
                 <a:spcPts val="0"/>
               </a:spcAft>
+              <a:buClr>
+                <a:srgbClr val="000000"/>
+              </a:buClr>
+              <a:buSzPts val="1200"/>
+              <a:buFont typeface="Arial"/>
               <a:buNone/>
             </a:pPr>
             <a:r>
@@ -44102,91 +43214,12 @@
                 <a:cs typeface="Source Sans Pro"/>
                 <a:sym typeface="Source Sans Pro"/>
               </a:rPr>
-              <a:t>RNF 1.0</a:t>
+              <a:t>RNF 1.01 - O sistema deve utilizar o banco de dados postgresql v11 para armazenar seus dados.</a:t>
             </a:r>
-            <a:r>
-              <a:rPr lang="en" sz="1200">
-                <a:latin typeface="Source Sans Pro"/>
-                <a:ea typeface="Source Sans Pro"/>
-                <a:cs typeface="Source Sans Pro"/>
-                <a:sym typeface="Source Sans Pro"/>
-              </a:rPr>
-              <a:t>1</a:t>
-            </a:r>
-            <a:r>
-              <a:rPr b="0" i="0" lang="en" sz="1200" u="none" cap="none" strike="noStrike">
-                <a:solidFill>
-                  <a:srgbClr val="000000"/>
-                </a:solidFill>
-                <a:latin typeface="Source Sans Pro"/>
-                <a:ea typeface="Source Sans Pro"/>
-                <a:cs typeface="Source Sans Pro"/>
-                <a:sym typeface="Source Sans Pro"/>
-              </a:rPr>
-              <a:t> - </a:t>
-            </a:r>
-            <a:r>
-              <a:rPr lang="en" sz="1200">
-                <a:latin typeface="Source Sans Pro"/>
-                <a:ea typeface="Source Sans Pro"/>
-                <a:cs typeface="Source Sans Pro"/>
-                <a:sym typeface="Source Sans Pro"/>
-              </a:rPr>
-              <a:t>O sistema</a:t>
-            </a:r>
-            <a:r>
-              <a:rPr b="0" i="0" lang="en" sz="1200" u="none" cap="none" strike="noStrike">
-                <a:solidFill>
-                  <a:srgbClr val="000000"/>
-                </a:solidFill>
-                <a:latin typeface="Source Sans Pro"/>
-                <a:ea typeface="Source Sans Pro"/>
-                <a:cs typeface="Source Sans Pro"/>
-                <a:sym typeface="Source Sans Pro"/>
-              </a:rPr>
-              <a:t> </a:t>
-            </a:r>
-            <a:r>
-              <a:rPr lang="en" sz="1200">
-                <a:latin typeface="Source Sans Pro"/>
-                <a:ea typeface="Source Sans Pro"/>
-                <a:cs typeface="Source Sans Pro"/>
-                <a:sym typeface="Source Sans Pro"/>
-              </a:rPr>
-              <a:t>deve utilizar o banco de dados postgresql v11 para armazenar seus dados.</a:t>
-            </a:r>
-            <a:endParaRPr sz="1200">
-              <a:latin typeface="Source Sans Pro"/>
-              <a:ea typeface="Source Sans Pro"/>
-              <a:cs typeface="Source Sans Pro"/>
-              <a:sym typeface="Source Sans Pro"/>
-            </a:endParaRPr>
-          </a:p>
-          <a:p>
-            <a:pPr indent="-304800" lvl="0" marL="457200" rtl="0" algn="l">
-              <a:lnSpc>
-                <a:spcPct val="115000"/>
-              </a:lnSpc>
-              <a:spcBef>
-                <a:spcPts val="0"/>
-              </a:spcBef>
-              <a:spcAft>
-                <a:spcPts val="0"/>
-              </a:spcAft>
-              <a:buSzPts val="1200"/>
-              <a:buFont typeface="Source Sans Pro"/>
-              <a:buChar char="●"/>
-            </a:pPr>
-            <a:r>
-              <a:rPr lang="en" sz="1200">
-                <a:latin typeface="Source Sans Pro"/>
-                <a:ea typeface="Source Sans Pro"/>
-                <a:cs typeface="Source Sans Pro"/>
-                <a:sym typeface="Source Sans Pro"/>
-              </a:rPr>
-              <a:t>RNF 1.02 - O sistema deve ser suportado por todos os browsers em suas versões mais recentes</a:t>
-            </a:r>
-            <a:endParaRPr sz="1200">
+            <a:endParaRPr b="0" i="0" sz="1200" u="none" cap="none" strike="noStrike">
+              <a:solidFill>
+                <a:srgbClr val="000000"/>
+              </a:solidFill>
               <a:latin typeface="Source Sans Pro"/>
               <a:ea typeface="Source Sans Pro"/>
               <a:cs typeface="Source Sans Pro"/>
@@ -44221,79 +43254,7 @@
                 <a:cs typeface="Source Sans Pro"/>
                 <a:sym typeface="Source Sans Pro"/>
               </a:rPr>
-              <a:t>RNF 1.0</a:t>
-            </a:r>
-            <a:r>
-              <a:rPr lang="en" sz="1200">
-                <a:latin typeface="Source Sans Pro"/>
-                <a:ea typeface="Source Sans Pro"/>
-                <a:cs typeface="Source Sans Pro"/>
-                <a:sym typeface="Source Sans Pro"/>
-              </a:rPr>
-              <a:t>3</a:t>
-            </a:r>
-            <a:r>
-              <a:rPr b="0" i="0" lang="en" sz="1200" u="none" cap="none" strike="noStrike">
-                <a:solidFill>
-                  <a:srgbClr val="000000"/>
-                </a:solidFill>
-                <a:latin typeface="Source Sans Pro"/>
-                <a:ea typeface="Source Sans Pro"/>
-                <a:cs typeface="Source Sans Pro"/>
-                <a:sym typeface="Source Sans Pro"/>
-              </a:rPr>
-              <a:t> - </a:t>
-            </a:r>
-            <a:r>
-              <a:rPr lang="en" sz="1200">
-                <a:latin typeface="Source Sans Pro"/>
-                <a:ea typeface="Source Sans Pro"/>
-                <a:cs typeface="Source Sans Pro"/>
-                <a:sym typeface="Source Sans Pro"/>
-              </a:rPr>
-              <a:t>A plataforma</a:t>
-            </a:r>
-            <a:r>
-              <a:rPr lang="en" sz="1200">
-                <a:latin typeface="Source Sans Pro"/>
-                <a:ea typeface="Source Sans Pro"/>
-                <a:cs typeface="Source Sans Pro"/>
-                <a:sym typeface="Source Sans Pro"/>
-              </a:rPr>
-              <a:t> </a:t>
-            </a:r>
-            <a:r>
-              <a:rPr b="0" i="0" lang="en" sz="1200" u="none" cap="none" strike="noStrike">
-                <a:solidFill>
-                  <a:srgbClr val="000000"/>
-                </a:solidFill>
-                <a:latin typeface="Source Sans Pro"/>
-                <a:ea typeface="Source Sans Pro"/>
-                <a:cs typeface="Source Sans Pro"/>
-                <a:sym typeface="Source Sans Pro"/>
-              </a:rPr>
-              <a:t>poderá ser acessad</a:t>
-            </a:r>
-            <a:r>
-              <a:rPr lang="en" sz="1200">
-                <a:latin typeface="Source Sans Pro"/>
-                <a:ea typeface="Source Sans Pro"/>
-                <a:cs typeface="Source Sans Pro"/>
-                <a:sym typeface="Source Sans Pro"/>
-              </a:rPr>
-              <a:t>a</a:t>
-            </a:r>
-            <a:r>
-              <a:rPr b="0" i="0" lang="en" sz="1200" u="none" cap="none" strike="noStrike">
-                <a:solidFill>
-                  <a:srgbClr val="000000"/>
-                </a:solidFill>
-                <a:latin typeface="Source Sans Pro"/>
-                <a:ea typeface="Source Sans Pro"/>
-                <a:cs typeface="Source Sans Pro"/>
-                <a:sym typeface="Source Sans Pro"/>
-              </a:rPr>
-              <a:t> em qualquer horário do dia, 24 horas de disponibilidade ininterrupta. Há possibilidades de paradas pré-programadas para manutenção, preferencialmente entre 22h e 6h.</a:t>
+              <a:t>RNF 1.02 - O sistema deve ser suportado por todos os browsers em suas versões mais recentes</a:t>
             </a:r>
             <a:endParaRPr b="0" i="0" sz="1200" u="none" cap="none" strike="noStrike">
               <a:solidFill>
@@ -44333,28 +43294,7 @@
                 <a:cs typeface="Source Sans Pro"/>
                 <a:sym typeface="Source Sans Pro"/>
               </a:rPr>
-              <a:t>RNF 1.0</a:t>
-            </a:r>
-            <a:r>
-              <a:rPr lang="en" sz="1200">
-                <a:latin typeface="Source Sans Pro"/>
-                <a:ea typeface="Source Sans Pro"/>
-                <a:cs typeface="Source Sans Pro"/>
-                <a:sym typeface="Source Sans Pro"/>
-              </a:rPr>
-              <a:t>4</a:t>
-            </a:r>
-            <a:r>
-              <a:rPr b="0" i="0" lang="en" sz="1200" u="none" cap="none" strike="noStrike">
-                <a:solidFill>
-                  <a:srgbClr val="000000"/>
-                </a:solidFill>
-                <a:latin typeface="Source Sans Pro"/>
-                <a:ea typeface="Source Sans Pro"/>
-                <a:cs typeface="Source Sans Pro"/>
-                <a:sym typeface="Source Sans Pro"/>
-              </a:rPr>
-              <a:t> - Um usuário comum deve ser capaz de comprar um produto em menos de 10 minutos.</a:t>
+              <a:t>RNF 1.03 - A plataforma poderá ser acessada em qualquer horário do dia, 24 horas de disponibilidade ininterrupta. Há possibilidades de paradas pré-programadas para manutenção, preferencialmente entre 22h e 6h.</a:t>
             </a:r>
             <a:endParaRPr b="0" i="0" sz="1200" u="none" cap="none" strike="noStrike">
               <a:solidFill>
@@ -44394,28 +43334,7 @@
                 <a:cs typeface="Source Sans Pro"/>
                 <a:sym typeface="Source Sans Pro"/>
               </a:rPr>
-              <a:t>RNF 1.0</a:t>
-            </a:r>
-            <a:r>
-              <a:rPr lang="en" sz="1200">
-                <a:latin typeface="Source Sans Pro"/>
-                <a:ea typeface="Source Sans Pro"/>
-                <a:cs typeface="Source Sans Pro"/>
-                <a:sym typeface="Source Sans Pro"/>
-              </a:rPr>
-              <a:t>5</a:t>
-            </a:r>
-            <a:r>
-              <a:rPr b="0" i="0" lang="en" sz="1200" u="none" cap="none" strike="noStrike">
-                <a:solidFill>
-                  <a:srgbClr val="000000"/>
-                </a:solidFill>
-                <a:latin typeface="Source Sans Pro"/>
-                <a:ea typeface="Source Sans Pro"/>
-                <a:cs typeface="Source Sans Pro"/>
-                <a:sym typeface="Source Sans Pro"/>
-              </a:rPr>
-              <a:t> - O sistema não deve demorar mais do que 30 segundos para que uma página seja totalmente carregada.</a:t>
+              <a:t>RNF 1.04 - Um usuário comum deve ser capaz de comprar um produto em menos de 10 minutos.</a:t>
             </a:r>
             <a:endParaRPr b="0" i="0" sz="1200" u="none" cap="none" strike="noStrike">
               <a:solidFill>
@@ -44455,17 +43374,36 @@
                 <a:cs typeface="Source Sans Pro"/>
                 <a:sym typeface="Source Sans Pro"/>
               </a:rPr>
-              <a:t>RNF 1.</a:t>
+              <a:t>RNF 1.05 - O sistema não deve demorar mais do que 30 segundos para que uma página seja totalmente carregada.</a:t>
             </a:r>
-            <a:r>
-              <a:rPr lang="en" sz="1200">
-                <a:latin typeface="Source Sans Pro"/>
-                <a:ea typeface="Source Sans Pro"/>
-                <a:cs typeface="Source Sans Pro"/>
-                <a:sym typeface="Source Sans Pro"/>
-              </a:rPr>
-              <a:t>06</a:t>
-            </a:r>
+            <a:endParaRPr b="0" i="0" sz="1200" u="none" cap="none" strike="noStrike">
+              <a:solidFill>
+                <a:srgbClr val="000000"/>
+              </a:solidFill>
+              <a:latin typeface="Source Sans Pro"/>
+              <a:ea typeface="Source Sans Pro"/>
+              <a:cs typeface="Source Sans Pro"/>
+              <a:sym typeface="Source Sans Pro"/>
+            </a:endParaRPr>
+          </a:p>
+          <a:p>
+            <a:pPr indent="-304800" lvl="0" marL="457200" marR="0" rtl="0" algn="l">
+              <a:lnSpc>
+                <a:spcPct val="115000"/>
+              </a:lnSpc>
+              <a:spcBef>
+                <a:spcPts val="0"/>
+              </a:spcBef>
+              <a:spcAft>
+                <a:spcPts val="0"/>
+              </a:spcAft>
+              <a:buClr>
+                <a:srgbClr val="000000"/>
+              </a:buClr>
+              <a:buSzPts val="1200"/>
+              <a:buFont typeface="Source Sans Pro"/>
+              <a:buChar char="●"/>
+            </a:pPr>
             <a:r>
               <a:rPr b="0" i="0" lang="en" sz="1200" u="none" cap="none" strike="noStrike">
                 <a:solidFill>
@@ -44476,7 +43414,7 @@
                 <a:cs typeface="Source Sans Pro"/>
                 <a:sym typeface="Source Sans Pro"/>
               </a:rPr>
-              <a:t> - O sistema deve realizar backup diariamente de forma automática.</a:t>
+              <a:t>RNF 1.06 - O sistema deve realizar backup diariamente de forma automática.</a:t>
             </a:r>
             <a:endParaRPr b="0" i="0" sz="1200" u="none" cap="none" strike="noStrike">
               <a:solidFill>
@@ -44499,6 +43437,285 @@
 </file>
 
 <file path=ppt/theme/theme1.xml><?xml version="1.0" encoding="utf-8"?>
+<a:theme xmlns:a="http://schemas.openxmlformats.org/drawingml/2006/main" xmlns:r="http://schemas.openxmlformats.org/officeDocument/2006/relationships" name="Cordelia template">
+  <a:themeElements>
+    <a:clrScheme name="Custom 347">
+      <a:dk1>
+        <a:srgbClr val="263238"/>
+      </a:dk1>
+      <a:lt1>
+        <a:srgbClr val="FFFFFF"/>
+      </a:lt1>
+      <a:dk2>
+        <a:srgbClr val="607D8B"/>
+      </a:dk2>
+      <a:lt2>
+        <a:srgbClr val="ECEFF1"/>
+      </a:lt2>
+      <a:accent1>
+        <a:srgbClr val="0091EA"/>
+      </a:accent1>
+      <a:accent2>
+        <a:srgbClr val="0053A3"/>
+      </a:accent2>
+      <a:accent3>
+        <a:srgbClr val="607D8B"/>
+      </a:accent3>
+      <a:accent4>
+        <a:srgbClr val="CFD8DC"/>
+      </a:accent4>
+      <a:accent5>
+        <a:srgbClr val="ECEFF1"/>
+      </a:accent5>
+      <a:accent6>
+        <a:srgbClr val="ACDBF8"/>
+      </a:accent6>
+      <a:hlink>
+        <a:srgbClr val="0091EA"/>
+      </a:hlink>
+      <a:folHlink>
+        <a:srgbClr val="6611CC"/>
+      </a:folHlink>
+    </a:clrScheme>
+    <a:fontScheme name="Office">
+      <a:majorFont>
+        <a:latin typeface="Arial"/>
+        <a:ea typeface=""/>
+        <a:cs typeface=""/>
+        <a:font script="Jpan" typeface="ＭＳ Ｐゴシック"/>
+        <a:font script="Hang" typeface="맑은 고딕"/>
+        <a:font script="Hans" typeface="宋体"/>
+        <a:font script="Hant" typeface="新細明體"/>
+        <a:font script="Arab" typeface="Times New Roman"/>
+        <a:font script="Hebr" typeface="Times New Roman"/>
+        <a:font script="Thai" typeface="Angsana New"/>
+        <a:font script="Ethi" typeface="Nyala"/>
+        <a:font script="Beng" typeface="Vrinda"/>
+        <a:font script="Gujr" typeface="Shruti"/>
+        <a:font script="Khmr" typeface="MoolBoran"/>
+        <a:font script="Knda" typeface="Tunga"/>
+        <a:font script="Guru" typeface="Raavi"/>
+        <a:font script="Cans" typeface="Euphemia"/>
+        <a:font script="Cher" typeface="Plantagenet Cherokee"/>
+        <a:font script="Yiii" typeface="Microsoft Yi Baiti"/>
+        <a:font script="Tibt" typeface="Microsoft Himalaya"/>
+        <a:font script="Thaa" typeface="MV Boli"/>
+        <a:font script="Deva" typeface="Mangal"/>
+        <a:font script="Telu" typeface="Gautami"/>
+        <a:font script="Taml" typeface="Latha"/>
+        <a:font script="Syrc" typeface="Estrangelo Edessa"/>
+        <a:font script="Orya" typeface="Kalinga"/>
+        <a:font script="Mlym" typeface="Kartika"/>
+        <a:font script="Laoo" typeface="DokChampa"/>
+        <a:font script="Sinh" typeface="Iskoola Pota"/>
+        <a:font script="Mong" typeface="Mongolian Baiti"/>
+        <a:font script="Viet" typeface="Times New Roman"/>
+        <a:font script="Uigh" typeface="Microsoft Uighur"/>
+        <a:font script="Geor" typeface="Sylfaen"/>
+      </a:majorFont>
+      <a:minorFont>
+        <a:latin typeface="Arial"/>
+        <a:ea typeface=""/>
+        <a:cs typeface=""/>
+        <a:font script="Jpan" typeface="ＭＳ Ｐゴシック"/>
+        <a:font script="Hang" typeface="맑은 고딕"/>
+        <a:font script="Hans" typeface="宋体"/>
+        <a:font script="Hant" typeface="新細明體"/>
+        <a:font script="Arab" typeface="Arial"/>
+        <a:font script="Hebr" typeface="Arial"/>
+        <a:font script="Thai" typeface="Cordia New"/>
+        <a:font script="Ethi" typeface="Nyala"/>
+        <a:font script="Beng" typeface="Vrinda"/>
+        <a:font script="Gujr" typeface="Shruti"/>
+        <a:font script="Khmr" typeface="DaunPenh"/>
+        <a:font script="Knda" typeface="Tunga"/>
+        <a:font script="Guru" typeface="Raavi"/>
+        <a:font script="Cans" typeface="Euphemia"/>
+        <a:font script="Cher" typeface="Plantagenet Cherokee"/>
+        <a:font script="Yiii" typeface="Microsoft Yi Baiti"/>
+        <a:font script="Tibt" typeface="Microsoft Himalaya"/>
+        <a:font script="Thaa" typeface="MV Boli"/>
+        <a:font script="Deva" typeface="Mangal"/>
+        <a:font script="Telu" typeface="Gautami"/>
+        <a:font script="Taml" typeface="Latha"/>
+        <a:font script="Syrc" typeface="Estrangelo Edessa"/>
+        <a:font script="Orya" typeface="Kalinga"/>
+        <a:font script="Mlym" typeface="Kartika"/>
+        <a:font script="Laoo" typeface="DokChampa"/>
+        <a:font script="Sinh" typeface="Iskoola Pota"/>
+        <a:font script="Mong" typeface="Mongolian Baiti"/>
+        <a:font script="Viet" typeface="Arial"/>
+        <a:font script="Uigh" typeface="Microsoft Uighur"/>
+        <a:font script="Geor" typeface="Sylfaen"/>
+      </a:minorFont>
+    </a:fontScheme>
+    <a:fmtScheme name="Office">
+      <a:fillStyleLst>
+        <a:solidFill>
+          <a:schemeClr val="phClr"/>
+        </a:solidFill>
+        <a:gradFill rotWithShape="1">
+          <a:gsLst>
+            <a:gs pos="0">
+              <a:schemeClr val="phClr">
+                <a:tint val="50000"/>
+                <a:satMod val="300000"/>
+              </a:schemeClr>
+            </a:gs>
+            <a:gs pos="35000">
+              <a:schemeClr val="phClr">
+                <a:tint val="37000"/>
+                <a:satMod val="300000"/>
+              </a:schemeClr>
+            </a:gs>
+            <a:gs pos="100000">
+              <a:schemeClr val="phClr">
+                <a:tint val="15000"/>
+                <a:satMod val="350000"/>
+              </a:schemeClr>
+            </a:gs>
+          </a:gsLst>
+          <a:lin ang="16200000" scaled="1"/>
+        </a:gradFill>
+        <a:gradFill rotWithShape="1">
+          <a:gsLst>
+            <a:gs pos="0">
+              <a:schemeClr val="phClr">
+                <a:tint val="100000"/>
+                <a:shade val="100000"/>
+                <a:satMod val="130000"/>
+              </a:schemeClr>
+            </a:gs>
+            <a:gs pos="100000">
+              <a:schemeClr val="phClr">
+                <a:tint val="50000"/>
+                <a:shade val="100000"/>
+                <a:satMod val="350000"/>
+              </a:schemeClr>
+            </a:gs>
+          </a:gsLst>
+          <a:lin ang="16200000" scaled="0"/>
+        </a:gradFill>
+      </a:fillStyleLst>
+      <a:lnStyleLst>
+        <a:ln w="9525" cap="flat" cmpd="sng" algn="ctr">
+          <a:solidFill>
+            <a:schemeClr val="phClr">
+              <a:shade val="95000"/>
+              <a:satMod val="105000"/>
+            </a:schemeClr>
+          </a:solidFill>
+          <a:prstDash val="solid"/>
+        </a:ln>
+        <a:ln w="25400" cap="flat" cmpd="sng" algn="ctr">
+          <a:solidFill>
+            <a:schemeClr val="phClr"/>
+          </a:solidFill>
+          <a:prstDash val="solid"/>
+        </a:ln>
+        <a:ln w="38100" cap="flat" cmpd="sng" algn="ctr">
+          <a:solidFill>
+            <a:schemeClr val="phClr"/>
+          </a:solidFill>
+          <a:prstDash val="solid"/>
+        </a:ln>
+      </a:lnStyleLst>
+      <a:effectStyleLst>
+        <a:effectStyle>
+          <a:effectLst>
+            <a:outerShdw blurRad="40000" dist="20000" dir="5400000" rotWithShape="0">
+              <a:srgbClr val="000000">
+                <a:alpha val="38000"/>
+              </a:srgbClr>
+            </a:outerShdw>
+          </a:effectLst>
+        </a:effectStyle>
+        <a:effectStyle>
+          <a:effectLst>
+            <a:outerShdw blurRad="40000" dist="23000" dir="5400000" rotWithShape="0">
+              <a:srgbClr val="000000">
+                <a:alpha val="35000"/>
+              </a:srgbClr>
+            </a:outerShdw>
+          </a:effectLst>
+        </a:effectStyle>
+        <a:effectStyle>
+          <a:effectLst>
+            <a:outerShdw blurRad="40000" dist="23000" dir="5400000" rotWithShape="0">
+              <a:srgbClr val="000000">
+                <a:alpha val="35000"/>
+              </a:srgbClr>
+            </a:outerShdw>
+          </a:effectLst>
+          <a:scene3d>
+            <a:camera prst="orthographicFront">
+              <a:rot lat="0" lon="0" rev="0"/>
+            </a:camera>
+            <a:lightRig rig="threePt" dir="t">
+              <a:rot lat="0" lon="0" rev="1200000"/>
+            </a:lightRig>
+          </a:scene3d>
+          <a:sp3d>
+            <a:bevelT w="63500" h="25400"/>
+          </a:sp3d>
+        </a:effectStyle>
+      </a:effectStyleLst>
+      <a:bgFillStyleLst>
+        <a:solidFill>
+          <a:schemeClr val="phClr"/>
+        </a:solidFill>
+        <a:gradFill rotWithShape="1">
+          <a:gsLst>
+            <a:gs pos="0">
+              <a:schemeClr val="phClr">
+                <a:tint val="40000"/>
+                <a:satMod val="350000"/>
+              </a:schemeClr>
+            </a:gs>
+            <a:gs pos="40000">
+              <a:schemeClr val="phClr">
+                <a:tint val="45000"/>
+                <a:shade val="99000"/>
+                <a:satMod val="350000"/>
+              </a:schemeClr>
+            </a:gs>
+            <a:gs pos="100000">
+              <a:schemeClr val="phClr">
+                <a:shade val="20000"/>
+                <a:satMod val="255000"/>
+              </a:schemeClr>
+            </a:gs>
+          </a:gsLst>
+          <a:path path="circle">
+            <a:fillToRect l="50000" t="-80000" r="50000" b="180000"/>
+          </a:path>
+        </a:gradFill>
+        <a:gradFill rotWithShape="1">
+          <a:gsLst>
+            <a:gs pos="0">
+              <a:schemeClr val="phClr">
+                <a:tint val="80000"/>
+                <a:satMod val="300000"/>
+              </a:schemeClr>
+            </a:gs>
+            <a:gs pos="100000">
+              <a:schemeClr val="phClr">
+                <a:shade val="30000"/>
+                <a:satMod val="200000"/>
+              </a:schemeClr>
+            </a:gs>
+          </a:gsLst>
+          <a:path path="circle">
+            <a:fillToRect l="50000" t="50000" r="50000" b="50000"/>
+          </a:path>
+        </a:gradFill>
+      </a:bgFillStyleLst>
+    </a:fmtScheme>
+  </a:themeElements>
+</a:theme>
+</file>
+
+<file path=ppt/theme/theme2.xml><?xml version="1.0" encoding="utf-8"?>
 <a:theme xmlns:a="http://schemas.openxmlformats.org/drawingml/2006/main" xmlns:r="http://schemas.openxmlformats.org/officeDocument/2006/relationships">
   <a:themeElements>
     <a:clrScheme name="Default">
@@ -44775,283 +43992,4 @@
     </a:fmtScheme>
   </a:themeElements>
 </a:theme>
-</file>
-
-<file path=ppt/theme/theme2.xml><?xml version="1.0" encoding="utf-8"?>
-<a:theme xmlns:a="http://schemas.openxmlformats.org/drawingml/2006/main" xmlns:r="http://schemas.openxmlformats.org/officeDocument/2006/relationships" name="Cordelia template">
-  <a:themeElements>
-    <a:clrScheme name="Custom 347">
-      <a:dk1>
-        <a:srgbClr val="263238"/>
-      </a:dk1>
-      <a:lt1>
-        <a:srgbClr val="FFFFFF"/>
-      </a:lt1>
-      <a:dk2>
-        <a:srgbClr val="607D8B"/>
-      </a:dk2>
-      <a:lt2>
-        <a:srgbClr val="ECEFF1"/>
-      </a:lt2>
-      <a:accent1>
-        <a:srgbClr val="0091EA"/>
-      </a:accent1>
-      <a:accent2>
-        <a:srgbClr val="0053A3"/>
-      </a:accent2>
-      <a:accent3>
-        <a:srgbClr val="607D8B"/>
-      </a:accent3>
-      <a:accent4>
-        <a:srgbClr val="CFD8DC"/>
-      </a:accent4>
-      <a:accent5>
-        <a:srgbClr val="ECEFF1"/>
-      </a:accent5>
-      <a:accent6>
-        <a:srgbClr val="ACDBF8"/>
-      </a:accent6>
-      <a:hlink>
-        <a:srgbClr val="0091EA"/>
-      </a:hlink>
-      <a:folHlink>
-        <a:srgbClr val="6611CC"/>
-      </a:folHlink>
-    </a:clrScheme>
-    <a:fontScheme name="Office">
-      <a:majorFont>
-        <a:latin typeface="Arial"/>
-        <a:ea typeface=""/>
-        <a:cs typeface=""/>
-        <a:font script="Jpan" typeface="ＭＳ Ｐゴシック"/>
-        <a:font script="Hang" typeface="맑은 고딕"/>
-        <a:font script="Hans" typeface="宋体"/>
-        <a:font script="Hant" typeface="新細明體"/>
-        <a:font script="Arab" typeface="Times New Roman"/>
-        <a:font script="Hebr" typeface="Times New Roman"/>
-        <a:font script="Thai" typeface="Angsana New"/>
-        <a:font script="Ethi" typeface="Nyala"/>
-        <a:font script="Beng" typeface="Vrinda"/>
-        <a:font script="Gujr" typeface="Shruti"/>
-        <a:font script="Khmr" typeface="MoolBoran"/>
-        <a:font script="Knda" typeface="Tunga"/>
-        <a:font script="Guru" typeface="Raavi"/>
-        <a:font script="Cans" typeface="Euphemia"/>
-        <a:font script="Cher" typeface="Plantagenet Cherokee"/>
-        <a:font script="Yiii" typeface="Microsoft Yi Baiti"/>
-        <a:font script="Tibt" typeface="Microsoft Himalaya"/>
-        <a:font script="Thaa" typeface="MV Boli"/>
-        <a:font script="Deva" typeface="Mangal"/>
-        <a:font script="Telu" typeface="Gautami"/>
-        <a:font script="Taml" typeface="Latha"/>
-        <a:font script="Syrc" typeface="Estrangelo Edessa"/>
-        <a:font script="Orya" typeface="Kalinga"/>
-        <a:font script="Mlym" typeface="Kartika"/>
-        <a:font script="Laoo" typeface="DokChampa"/>
-        <a:font script="Sinh" typeface="Iskoola Pota"/>
-        <a:font script="Mong" typeface="Mongolian Baiti"/>
-        <a:font script="Viet" typeface="Times New Roman"/>
-        <a:font script="Uigh" typeface="Microsoft Uighur"/>
-        <a:font script="Geor" typeface="Sylfaen"/>
-      </a:majorFont>
-      <a:minorFont>
-        <a:latin typeface="Arial"/>
-        <a:ea typeface=""/>
-        <a:cs typeface=""/>
-        <a:font script="Jpan" typeface="ＭＳ Ｐゴシック"/>
-        <a:font script="Hang" typeface="맑은 고딕"/>
-        <a:font script="Hans" typeface="宋体"/>
-        <a:font script="Hant" typeface="新細明體"/>
-        <a:font script="Arab" typeface="Arial"/>
-        <a:font script="Hebr" typeface="Arial"/>
-        <a:font script="Thai" typeface="Cordia New"/>
-        <a:font script="Ethi" typeface="Nyala"/>
-        <a:font script="Beng" typeface="Vrinda"/>
-        <a:font script="Gujr" typeface="Shruti"/>
-        <a:font script="Khmr" typeface="DaunPenh"/>
-        <a:font script="Knda" typeface="Tunga"/>
-        <a:font script="Guru" typeface="Raavi"/>
-        <a:font script="Cans" typeface="Euphemia"/>
-        <a:font script="Cher" typeface="Plantagenet Cherokee"/>
-        <a:font script="Yiii" typeface="Microsoft Yi Baiti"/>
-        <a:font script="Tibt" typeface="Microsoft Himalaya"/>
-        <a:font script="Thaa" typeface="MV Boli"/>
-        <a:font script="Deva" typeface="Mangal"/>
-        <a:font script="Telu" typeface="Gautami"/>
-        <a:font script="Taml" typeface="Latha"/>
-        <a:font script="Syrc" typeface="Estrangelo Edessa"/>
-        <a:font script="Orya" typeface="Kalinga"/>
-        <a:font script="Mlym" typeface="Kartika"/>
-        <a:font script="Laoo" typeface="DokChampa"/>
-        <a:font script="Sinh" typeface="Iskoola Pota"/>
-        <a:font script="Mong" typeface="Mongolian Baiti"/>
-        <a:font script="Viet" typeface="Arial"/>
-        <a:font script="Uigh" typeface="Microsoft Uighur"/>
-        <a:font script="Geor" typeface="Sylfaen"/>
-      </a:minorFont>
-    </a:fontScheme>
-    <a:fmtScheme name="Office">
-      <a:fillStyleLst>
-        <a:solidFill>
-          <a:schemeClr val="phClr"/>
-        </a:solidFill>
-        <a:gradFill rotWithShape="1">
-          <a:gsLst>
-            <a:gs pos="0">
-              <a:schemeClr val="phClr">
-                <a:tint val="50000"/>
-                <a:satMod val="300000"/>
-              </a:schemeClr>
-            </a:gs>
-            <a:gs pos="35000">
-              <a:schemeClr val="phClr">
-                <a:tint val="37000"/>
-                <a:satMod val="300000"/>
-              </a:schemeClr>
-            </a:gs>
-            <a:gs pos="100000">
-              <a:schemeClr val="phClr">
-                <a:tint val="15000"/>
-                <a:satMod val="350000"/>
-              </a:schemeClr>
-            </a:gs>
-          </a:gsLst>
-          <a:lin ang="16200000" scaled="1"/>
-        </a:gradFill>
-        <a:gradFill rotWithShape="1">
-          <a:gsLst>
-            <a:gs pos="0">
-              <a:schemeClr val="phClr">
-                <a:tint val="100000"/>
-                <a:shade val="100000"/>
-                <a:satMod val="130000"/>
-              </a:schemeClr>
-            </a:gs>
-            <a:gs pos="100000">
-              <a:schemeClr val="phClr">
-                <a:tint val="50000"/>
-                <a:shade val="100000"/>
-                <a:satMod val="350000"/>
-              </a:schemeClr>
-            </a:gs>
-          </a:gsLst>
-          <a:lin ang="16200000" scaled="0"/>
-        </a:gradFill>
-      </a:fillStyleLst>
-      <a:lnStyleLst>
-        <a:ln w="9525" cap="flat" cmpd="sng" algn="ctr">
-          <a:solidFill>
-            <a:schemeClr val="phClr">
-              <a:shade val="95000"/>
-              <a:satMod val="105000"/>
-            </a:schemeClr>
-          </a:solidFill>
-          <a:prstDash val="solid"/>
-        </a:ln>
-        <a:ln w="25400" cap="flat" cmpd="sng" algn="ctr">
-          <a:solidFill>
-            <a:schemeClr val="phClr"/>
-          </a:solidFill>
-          <a:prstDash val="solid"/>
-        </a:ln>
-        <a:ln w="38100" cap="flat" cmpd="sng" algn="ctr">
-          <a:solidFill>
-            <a:schemeClr val="phClr"/>
-          </a:solidFill>
-          <a:prstDash val="solid"/>
-        </a:ln>
-      </a:lnStyleLst>
-      <a:effectStyleLst>
-        <a:effectStyle>
-          <a:effectLst>
-            <a:outerShdw blurRad="40000" dist="20000" dir="5400000" rotWithShape="0">
-              <a:srgbClr val="000000">
-                <a:alpha val="38000"/>
-              </a:srgbClr>
-            </a:outerShdw>
-          </a:effectLst>
-        </a:effectStyle>
-        <a:effectStyle>
-          <a:effectLst>
-            <a:outerShdw blurRad="40000" dist="23000" dir="5400000" rotWithShape="0">
-              <a:srgbClr val="000000">
-                <a:alpha val="35000"/>
-              </a:srgbClr>
-            </a:outerShdw>
-          </a:effectLst>
-        </a:effectStyle>
-        <a:effectStyle>
-          <a:effectLst>
-            <a:outerShdw blurRad="40000" dist="23000" dir="5400000" rotWithShape="0">
-              <a:srgbClr val="000000">
-                <a:alpha val="35000"/>
-              </a:srgbClr>
-            </a:outerShdw>
-          </a:effectLst>
-          <a:scene3d>
-            <a:camera prst="orthographicFront">
-              <a:rot lat="0" lon="0" rev="0"/>
-            </a:camera>
-            <a:lightRig rig="threePt" dir="t">
-              <a:rot lat="0" lon="0" rev="1200000"/>
-            </a:lightRig>
-          </a:scene3d>
-          <a:sp3d>
-            <a:bevelT w="63500" h="25400"/>
-          </a:sp3d>
-        </a:effectStyle>
-      </a:effectStyleLst>
-      <a:bgFillStyleLst>
-        <a:solidFill>
-          <a:schemeClr val="phClr"/>
-        </a:solidFill>
-        <a:gradFill rotWithShape="1">
-          <a:gsLst>
-            <a:gs pos="0">
-              <a:schemeClr val="phClr">
-                <a:tint val="40000"/>
-                <a:satMod val="350000"/>
-              </a:schemeClr>
-            </a:gs>
-            <a:gs pos="40000">
-              <a:schemeClr val="phClr">
-                <a:tint val="45000"/>
-                <a:shade val="99000"/>
-                <a:satMod val="350000"/>
-              </a:schemeClr>
-            </a:gs>
-            <a:gs pos="100000">
-              <a:schemeClr val="phClr">
-                <a:shade val="20000"/>
-                <a:satMod val="255000"/>
-              </a:schemeClr>
-            </a:gs>
-          </a:gsLst>
-          <a:path path="circle">
-            <a:fillToRect l="50000" t="-80000" r="50000" b="180000"/>
-          </a:path>
-        </a:gradFill>
-        <a:gradFill rotWithShape="1">
-          <a:gsLst>
-            <a:gs pos="0">
-              <a:schemeClr val="phClr">
-                <a:tint val="80000"/>
-                <a:satMod val="300000"/>
-              </a:schemeClr>
-            </a:gs>
-            <a:gs pos="100000">
-              <a:schemeClr val="phClr">
-                <a:shade val="30000"/>
-                <a:satMod val="200000"/>
-              </a:schemeClr>
-            </a:gs>
-          </a:gsLst>
-          <a:path path="circle">
-            <a:fillToRect l="50000" t="50000" r="50000" b="50000"/>
-          </a:path>
-        </a:gradFill>
-      </a:bgFillStyleLst>
-    </a:fmtScheme>
-  </a:themeElements>
-</a:theme>
 </file>